--- a/PROYECTO FINAL - PRESENTANCION GERENCIAL.pptx
+++ b/PROYECTO FINAL - PRESENTANCION GERENCIAL.pptx
@@ -5,7 +5,7 @@
     <p:sldMasterId id="2147483659" r:id="rId1"/>
   </p:sldMasterIdLst>
   <p:notesMasterIdLst>
-    <p:notesMasterId r:id="rId22"/>
+    <p:notesMasterId r:id="rId23"/>
   </p:notesMasterIdLst>
   <p:sldIdLst>
     <p:sldId id="256" r:id="rId2"/>
@@ -28,16 +28,22 @@
     <p:sldId id="273" r:id="rId19"/>
     <p:sldId id="274" r:id="rId20"/>
     <p:sldId id="275" r:id="rId21"/>
+    <p:sldId id="277" r:id="rId22"/>
   </p:sldIdLst>
   <p:sldSz cx="9144000" cy="5143500" type="screen16x9"/>
   <p:notesSz cx="6858000" cy="9144000"/>
   <p:embeddedFontLst>
     <p:embeddedFont>
+      <p:font typeface="Amasis MT Pro Light" panose="02040304050005020304" pitchFamily="18" charset="0"/>
+      <p:regular r:id="rId24"/>
+      <p:italic r:id="rId25"/>
+    </p:embeddedFont>
+    <p:embeddedFont>
       <p:font typeface="Roboto" panose="02000000000000000000" pitchFamily="2" charset="0"/>
-      <p:regular r:id="rId23"/>
-      <p:bold r:id="rId24"/>
-      <p:italic r:id="rId25"/>
-      <p:boldItalic r:id="rId26"/>
+      <p:regular r:id="rId26"/>
+      <p:bold r:id="rId27"/>
+      <p:italic r:id="rId28"/>
+      <p:boldItalic r:id="rId29"/>
     </p:embeddedFont>
   </p:embeddedFontLst>
   <p:defaultTextStyle>
@@ -758,8 +764,8 @@
         </p:nvSpPr>
         <p:spPr>
           <a:xfrm>
-            <a:off x="381300" y="685800"/>
-            <a:ext cx="6096075" cy="3429000"/>
+            <a:off x="381000" y="685800"/>
+            <a:ext cx="6096000" cy="3429000"/>
           </a:xfrm>
           <a:custGeom>
             <a:avLst/>
@@ -862,7 +868,7 @@
         </p:nvSpPr>
         <p:spPr>
           <a:xfrm>
-            <a:off x="381300" y="685800"/>
+            <a:off x="381000" y="685800"/>
             <a:ext cx="6096000" cy="3429000"/>
           </a:xfrm>
           <a:custGeom>
@@ -966,7 +972,7 @@
         </p:nvSpPr>
         <p:spPr>
           <a:xfrm>
-            <a:off x="381300" y="685800"/>
+            <a:off x="381000" y="685800"/>
             <a:ext cx="6096000" cy="3429000"/>
           </a:xfrm>
           <a:custGeom>
@@ -1070,7 +1076,7 @@
         </p:nvSpPr>
         <p:spPr>
           <a:xfrm>
-            <a:off x="381300" y="685800"/>
+            <a:off x="381000" y="685800"/>
             <a:ext cx="6096000" cy="3429000"/>
           </a:xfrm>
           <a:custGeom>
@@ -1278,7 +1284,7 @@
         </p:nvSpPr>
         <p:spPr>
           <a:xfrm>
-            <a:off x="381300" y="685800"/>
+            <a:off x="381000" y="685800"/>
             <a:ext cx="6096000" cy="3429000"/>
           </a:xfrm>
           <a:custGeom>
@@ -1382,7 +1388,7 @@
         </p:nvSpPr>
         <p:spPr>
           <a:xfrm>
-            <a:off x="381300" y="685800"/>
+            <a:off x="381000" y="685800"/>
             <a:ext cx="6096000" cy="3429000"/>
           </a:xfrm>
           <a:custGeom>
@@ -2096,6 +2102,115 @@
 </p:notes>
 </file>
 
+<file path=ppt/notesSlides/notesSlide21.xml><?xml version="1.0" encoding="utf-8"?>
+<p:notes xmlns:a="http://schemas.openxmlformats.org/drawingml/2006/main" xmlns:r="http://schemas.openxmlformats.org/officeDocument/2006/relationships" xmlns:p="http://schemas.openxmlformats.org/presentationml/2006/main" showMasterSp="0" showMasterPhAnim="0">
+  <p:cSld>
+    <p:spTree>
+      <p:nvGrpSpPr>
+        <p:cNvPr id="1" name="Shape 70"/>
+        <p:cNvGrpSpPr/>
+        <p:nvPr/>
+      </p:nvGrpSpPr>
+      <p:grpSpPr>
+        <a:xfrm>
+          <a:off x="0" y="0"/>
+          <a:ext cx="0" cy="0"/>
+          <a:chOff x="0" y="0"/>
+          <a:chExt cx="0" cy="0"/>
+        </a:xfrm>
+      </p:grpSpPr>
+      <p:sp>
+        <p:nvSpPr>
+          <p:cNvPr id="71" name="Google Shape;71;gf12c283abd_0_19:notes"/>
+          <p:cNvSpPr>
+            <a:spLocks noGrp="1" noRot="1" noChangeAspect="1"/>
+          </p:cNvSpPr>
+          <p:nvPr>
+            <p:ph type="sldImg" idx="2"/>
+          </p:nvPr>
+        </p:nvSpPr>
+        <p:spPr>
+          <a:xfrm>
+            <a:off x="381000" y="685800"/>
+            <a:ext cx="6096000" cy="3429000"/>
+          </a:xfrm>
+          <a:custGeom>
+            <a:avLst/>
+            <a:gdLst/>
+            <a:ahLst/>
+            <a:cxnLst/>
+            <a:rect l="l" t="t" r="r" b="b"/>
+            <a:pathLst>
+              <a:path w="120000" h="120000" extrusionOk="0">
+                <a:moveTo>
+                  <a:pt x="0" y="0"/>
+                </a:moveTo>
+                <a:lnTo>
+                  <a:pt x="120000" y="0"/>
+                </a:lnTo>
+                <a:lnTo>
+                  <a:pt x="120000" y="120000"/>
+                </a:lnTo>
+                <a:lnTo>
+                  <a:pt x="0" y="120000"/>
+                </a:lnTo>
+                <a:close/>
+              </a:path>
+            </a:pathLst>
+          </a:custGeom>
+        </p:spPr>
+      </p:sp>
+      <p:sp>
+        <p:nvSpPr>
+          <p:cNvPr id="72" name="Google Shape;72;gf12c283abd_0_19:notes"/>
+          <p:cNvSpPr txBox="1">
+            <a:spLocks noGrp="1"/>
+          </p:cNvSpPr>
+          <p:nvPr>
+            <p:ph type="body" idx="1"/>
+          </p:nvPr>
+        </p:nvSpPr>
+        <p:spPr>
+          <a:xfrm>
+            <a:off x="685800" y="4343400"/>
+            <a:ext cx="5486400" cy="4114800"/>
+          </a:xfrm>
+          <a:prstGeom prst="rect">
+            <a:avLst/>
+          </a:prstGeom>
+        </p:spPr>
+        <p:txBody>
+          <a:bodyPr spcFirstLastPara="1" wrap="square" lIns="91425" tIns="91425" rIns="91425" bIns="91425" anchor="t" anchorCtr="0">
+            <a:noAutofit/>
+          </a:bodyPr>
+          <a:lstStyle/>
+          <a:p>
+            <a:pPr marL="0" lvl="0" indent="0" algn="l" rtl="0">
+              <a:spcBef>
+                <a:spcPts val="0"/>
+              </a:spcBef>
+              <a:spcAft>
+                <a:spcPts val="0"/>
+              </a:spcAft>
+              <a:buNone/>
+            </a:pPr>
+            <a:endParaRPr/>
+          </a:p>
+        </p:txBody>
+      </p:sp>
+    </p:spTree>
+    <p:extLst>
+      <p:ext uri="{BB962C8B-B14F-4D97-AF65-F5344CB8AC3E}">
+        <p14:creationId xmlns:p14="http://schemas.microsoft.com/office/powerpoint/2010/main" val="1614535086"/>
+      </p:ext>
+    </p:extLst>
+  </p:cSld>
+  <p:clrMapOvr>
+    <a:masterClrMapping/>
+  </p:clrMapOvr>
+</p:notes>
+</file>
+
 <file path=ppt/notesSlides/notesSlide3.xml><?xml version="1.0" encoding="utf-8"?>
 <p:notes xmlns:a="http://schemas.openxmlformats.org/drawingml/2006/main" xmlns:r="http://schemas.openxmlformats.org/officeDocument/2006/relationships" xmlns:p="http://schemas.openxmlformats.org/presentationml/2006/main" showMasterSp="0" showMasterPhAnim="0">
   <p:cSld>
@@ -2437,7 +2552,7 @@
         </p:nvSpPr>
         <p:spPr>
           <a:xfrm>
-            <a:off x="381300" y="685800"/>
+            <a:off x="381000" y="685800"/>
             <a:ext cx="6096000" cy="3429000"/>
           </a:xfrm>
           <a:custGeom>
@@ -2541,7 +2656,7 @@
         </p:nvSpPr>
         <p:spPr>
           <a:xfrm>
-            <a:off x="381300" y="685800"/>
+            <a:off x="381000" y="685800"/>
             <a:ext cx="6096000" cy="3429000"/>
           </a:xfrm>
           <a:custGeom>
@@ -2645,7 +2760,7 @@
         </p:nvSpPr>
         <p:spPr>
           <a:xfrm>
-            <a:off x="381300" y="685800"/>
+            <a:off x="381000" y="685800"/>
             <a:ext cx="6096000" cy="3429000"/>
           </a:xfrm>
           <a:custGeom>
@@ -2749,7 +2864,7 @@
         </p:nvSpPr>
         <p:spPr>
           <a:xfrm>
-            <a:off x="381300" y="685800"/>
+            <a:off x="381000" y="685800"/>
             <a:ext cx="6096000" cy="3429000"/>
           </a:xfrm>
           <a:custGeom>
@@ -3199,7 +3314,7 @@
             </a:pPr>
             <a:fld id="{00000000-1234-1234-1234-123412341234}" type="slidenum">
               <a:rPr lang="es"/>
-              <a:t>‹Nº›</a:t>
+              <a:t>‹#›</a:t>
             </a:fld>
             <a:endParaRPr/>
           </a:p>
@@ -3214,6 +3329,2497 @@
 </file>
 
 <file path=ppt/slideLayouts/slideLayout10.xml><?xml version="1.0" encoding="utf-8"?>
+<p:sldLayout xmlns:a="http://schemas.openxmlformats.org/drawingml/2006/main" xmlns:r="http://schemas.openxmlformats.org/officeDocument/2006/relationships" xmlns:p="http://schemas.openxmlformats.org/presentationml/2006/main" matchingName="Blank" type="blank">
+  <p:cSld name="BLANK">
+    <p:spTree>
+      <p:nvGrpSpPr>
+        <p:cNvPr id="1" name="Shape 48"/>
+        <p:cNvGrpSpPr/>
+        <p:nvPr/>
+      </p:nvGrpSpPr>
+      <p:grpSpPr>
+        <a:xfrm>
+          <a:off x="0" y="0"/>
+          <a:ext cx="0" cy="0"/>
+          <a:chOff x="0" y="0"/>
+          <a:chExt cx="0" cy="0"/>
+        </a:xfrm>
+      </p:grpSpPr>
+      <p:sp>
+        <p:nvSpPr>
+          <p:cNvPr id="49" name="Google Shape;49;p12"/>
+          <p:cNvSpPr txBox="1">
+            <a:spLocks noGrp="1"/>
+          </p:cNvSpPr>
+          <p:nvPr>
+            <p:ph type="sldNum" idx="12"/>
+          </p:nvPr>
+        </p:nvSpPr>
+        <p:spPr>
+          <a:xfrm>
+            <a:off x="8472458" y="4663217"/>
+            <a:ext cx="548700" cy="393600"/>
+          </a:xfrm>
+          <a:prstGeom prst="rect">
+            <a:avLst/>
+          </a:prstGeom>
+        </p:spPr>
+        <p:txBody>
+          <a:bodyPr spcFirstLastPara="1" wrap="square" lIns="91425" tIns="91425" rIns="91425" bIns="91425" anchor="ctr" anchorCtr="0">
+            <a:normAutofit/>
+          </a:bodyPr>
+          <a:lstStyle>
+            <a:lvl1pPr lvl="0" rtl="0">
+              <a:buNone/>
+              <a:defRPr/>
+            </a:lvl1pPr>
+            <a:lvl2pPr lvl="1" rtl="0">
+              <a:buNone/>
+              <a:defRPr/>
+            </a:lvl2pPr>
+            <a:lvl3pPr lvl="2" rtl="0">
+              <a:buNone/>
+              <a:defRPr/>
+            </a:lvl3pPr>
+            <a:lvl4pPr lvl="3" rtl="0">
+              <a:buNone/>
+              <a:defRPr/>
+            </a:lvl4pPr>
+            <a:lvl5pPr lvl="4" rtl="0">
+              <a:buNone/>
+              <a:defRPr/>
+            </a:lvl5pPr>
+            <a:lvl6pPr lvl="5" rtl="0">
+              <a:buNone/>
+              <a:defRPr/>
+            </a:lvl6pPr>
+            <a:lvl7pPr lvl="6" rtl="0">
+              <a:buNone/>
+              <a:defRPr/>
+            </a:lvl7pPr>
+            <a:lvl8pPr lvl="7" rtl="0">
+              <a:buNone/>
+              <a:defRPr/>
+            </a:lvl8pPr>
+            <a:lvl9pPr lvl="8" rtl="0">
+              <a:buNone/>
+              <a:defRPr/>
+            </a:lvl9pPr>
+          </a:lstStyle>
+          <a:p>
+            <a:pPr marL="0" lvl="0" indent="0" algn="r" rtl="0">
+              <a:spcBef>
+                <a:spcPts val="0"/>
+              </a:spcBef>
+              <a:spcAft>
+                <a:spcPts val="0"/>
+              </a:spcAft>
+              <a:buNone/>
+            </a:pPr>
+            <a:fld id="{00000000-1234-1234-1234-123412341234}" type="slidenum">
+              <a:rPr lang="es"/>
+              <a:t>‹#›</a:t>
+            </a:fld>
+            <a:endParaRPr/>
+          </a:p>
+        </p:txBody>
+      </p:sp>
+    </p:spTree>
+  </p:cSld>
+  <p:clrMapOvr>
+    <a:masterClrMapping/>
+  </p:clrMapOvr>
+</p:sldLayout>
+</file>
+
+<file path=ppt/slideLayouts/slideLayout2.xml><?xml version="1.0" encoding="utf-8"?>
+<p:sldLayout xmlns:a="http://schemas.openxmlformats.org/drawingml/2006/main" xmlns:r="http://schemas.openxmlformats.org/officeDocument/2006/relationships" xmlns:p="http://schemas.openxmlformats.org/presentationml/2006/main" matchingName="Title and body" type="tx">
+  <p:cSld name="TITLE_AND_BODY">
+    <p:spTree>
+      <p:nvGrpSpPr>
+        <p:cNvPr id="1" name="Shape 16"/>
+        <p:cNvGrpSpPr/>
+        <p:nvPr/>
+      </p:nvGrpSpPr>
+      <p:grpSpPr>
+        <a:xfrm>
+          <a:off x="0" y="0"/>
+          <a:ext cx="0" cy="0"/>
+          <a:chOff x="0" y="0"/>
+          <a:chExt cx="0" cy="0"/>
+        </a:xfrm>
+      </p:grpSpPr>
+      <p:sp>
+        <p:nvSpPr>
+          <p:cNvPr id="17" name="Google Shape;17;p4"/>
+          <p:cNvSpPr txBox="1">
+            <a:spLocks noGrp="1"/>
+          </p:cNvSpPr>
+          <p:nvPr>
+            <p:ph type="title"/>
+          </p:nvPr>
+        </p:nvSpPr>
+        <p:spPr>
+          <a:xfrm>
+            <a:off x="311700" y="445025"/>
+            <a:ext cx="8520600" cy="572700"/>
+          </a:xfrm>
+          <a:prstGeom prst="rect">
+            <a:avLst/>
+          </a:prstGeom>
+        </p:spPr>
+        <p:txBody>
+          <a:bodyPr spcFirstLastPara="1" wrap="square" lIns="91425" tIns="91425" rIns="91425" bIns="91425" anchor="t" anchorCtr="0">
+            <a:normAutofit/>
+          </a:bodyPr>
+          <a:lstStyle>
+            <a:lvl1pPr lvl="0" rtl="0">
+              <a:spcBef>
+                <a:spcPts val="0"/>
+              </a:spcBef>
+              <a:spcAft>
+                <a:spcPts val="0"/>
+              </a:spcAft>
+              <a:buSzPts val="2800"/>
+              <a:buNone/>
+              <a:defRPr/>
+            </a:lvl1pPr>
+            <a:lvl2pPr lvl="1" rtl="0">
+              <a:spcBef>
+                <a:spcPts val="0"/>
+              </a:spcBef>
+              <a:spcAft>
+                <a:spcPts val="0"/>
+              </a:spcAft>
+              <a:buSzPts val="2800"/>
+              <a:buNone/>
+              <a:defRPr/>
+            </a:lvl2pPr>
+            <a:lvl3pPr lvl="2" rtl="0">
+              <a:spcBef>
+                <a:spcPts val="0"/>
+              </a:spcBef>
+              <a:spcAft>
+                <a:spcPts val="0"/>
+              </a:spcAft>
+              <a:buSzPts val="2800"/>
+              <a:buNone/>
+              <a:defRPr/>
+            </a:lvl3pPr>
+            <a:lvl4pPr lvl="3" rtl="0">
+              <a:spcBef>
+                <a:spcPts val="0"/>
+              </a:spcBef>
+              <a:spcAft>
+                <a:spcPts val="0"/>
+              </a:spcAft>
+              <a:buSzPts val="2800"/>
+              <a:buNone/>
+              <a:defRPr/>
+            </a:lvl4pPr>
+            <a:lvl5pPr lvl="4" rtl="0">
+              <a:spcBef>
+                <a:spcPts val="0"/>
+              </a:spcBef>
+              <a:spcAft>
+                <a:spcPts val="0"/>
+              </a:spcAft>
+              <a:buSzPts val="2800"/>
+              <a:buNone/>
+              <a:defRPr/>
+            </a:lvl5pPr>
+            <a:lvl6pPr lvl="5" rtl="0">
+              <a:spcBef>
+                <a:spcPts val="0"/>
+              </a:spcBef>
+              <a:spcAft>
+                <a:spcPts val="0"/>
+              </a:spcAft>
+              <a:buSzPts val="2800"/>
+              <a:buNone/>
+              <a:defRPr/>
+            </a:lvl6pPr>
+            <a:lvl7pPr lvl="6" rtl="0">
+              <a:spcBef>
+                <a:spcPts val="0"/>
+              </a:spcBef>
+              <a:spcAft>
+                <a:spcPts val="0"/>
+              </a:spcAft>
+              <a:buSzPts val="2800"/>
+              <a:buNone/>
+              <a:defRPr/>
+            </a:lvl7pPr>
+            <a:lvl8pPr lvl="7" rtl="0">
+              <a:spcBef>
+                <a:spcPts val="0"/>
+              </a:spcBef>
+              <a:spcAft>
+                <a:spcPts val="0"/>
+              </a:spcAft>
+              <a:buSzPts val="2800"/>
+              <a:buNone/>
+              <a:defRPr/>
+            </a:lvl8pPr>
+            <a:lvl9pPr lvl="8" rtl="0">
+              <a:spcBef>
+                <a:spcPts val="0"/>
+              </a:spcBef>
+              <a:spcAft>
+                <a:spcPts val="0"/>
+              </a:spcAft>
+              <a:buSzPts val="2800"/>
+              <a:buNone/>
+              <a:defRPr/>
+            </a:lvl9pPr>
+          </a:lstStyle>
+          <a:p>
+            <a:endParaRPr/>
+          </a:p>
+        </p:txBody>
+      </p:sp>
+      <p:sp>
+        <p:nvSpPr>
+          <p:cNvPr id="18" name="Google Shape;18;p4"/>
+          <p:cNvSpPr txBox="1">
+            <a:spLocks noGrp="1"/>
+          </p:cNvSpPr>
+          <p:nvPr>
+            <p:ph type="body" idx="1"/>
+          </p:nvPr>
+        </p:nvSpPr>
+        <p:spPr>
+          <a:xfrm>
+            <a:off x="311700" y="1152475"/>
+            <a:ext cx="8520600" cy="3416400"/>
+          </a:xfrm>
+          <a:prstGeom prst="rect">
+            <a:avLst/>
+          </a:prstGeom>
+        </p:spPr>
+        <p:txBody>
+          <a:bodyPr spcFirstLastPara="1" wrap="square" lIns="91425" tIns="91425" rIns="91425" bIns="91425" anchor="t" anchorCtr="0">
+            <a:normAutofit/>
+          </a:bodyPr>
+          <a:lstStyle>
+            <a:lvl1pPr marL="457200" lvl="0" indent="-342900" rtl="0">
+              <a:spcBef>
+                <a:spcPts val="0"/>
+              </a:spcBef>
+              <a:spcAft>
+                <a:spcPts val="0"/>
+              </a:spcAft>
+              <a:buSzPts val="1800"/>
+              <a:buChar char="●"/>
+              <a:defRPr/>
+            </a:lvl1pPr>
+            <a:lvl2pPr marL="914400" lvl="1" indent="-317500" rtl="0">
+              <a:spcBef>
+                <a:spcPts val="0"/>
+              </a:spcBef>
+              <a:spcAft>
+                <a:spcPts val="0"/>
+              </a:spcAft>
+              <a:buSzPts val="1400"/>
+              <a:buChar char="○"/>
+              <a:defRPr/>
+            </a:lvl2pPr>
+            <a:lvl3pPr marL="1371600" lvl="2" indent="-317500" rtl="0">
+              <a:spcBef>
+                <a:spcPts val="0"/>
+              </a:spcBef>
+              <a:spcAft>
+                <a:spcPts val="0"/>
+              </a:spcAft>
+              <a:buSzPts val="1400"/>
+              <a:buChar char="■"/>
+              <a:defRPr/>
+            </a:lvl3pPr>
+            <a:lvl4pPr marL="1828800" lvl="3" indent="-317500" rtl="0">
+              <a:spcBef>
+                <a:spcPts val="0"/>
+              </a:spcBef>
+              <a:spcAft>
+                <a:spcPts val="0"/>
+              </a:spcAft>
+              <a:buSzPts val="1400"/>
+              <a:buChar char="●"/>
+              <a:defRPr/>
+            </a:lvl4pPr>
+            <a:lvl5pPr marL="2286000" lvl="4" indent="-317500" rtl="0">
+              <a:spcBef>
+                <a:spcPts val="0"/>
+              </a:spcBef>
+              <a:spcAft>
+                <a:spcPts val="0"/>
+              </a:spcAft>
+              <a:buSzPts val="1400"/>
+              <a:buChar char="○"/>
+              <a:defRPr/>
+            </a:lvl5pPr>
+            <a:lvl6pPr marL="2743200" lvl="5" indent="-317500" rtl="0">
+              <a:spcBef>
+                <a:spcPts val="0"/>
+              </a:spcBef>
+              <a:spcAft>
+                <a:spcPts val="0"/>
+              </a:spcAft>
+              <a:buSzPts val="1400"/>
+              <a:buChar char="■"/>
+              <a:defRPr/>
+            </a:lvl6pPr>
+            <a:lvl7pPr marL="3200400" lvl="6" indent="-317500" rtl="0">
+              <a:spcBef>
+                <a:spcPts val="0"/>
+              </a:spcBef>
+              <a:spcAft>
+                <a:spcPts val="0"/>
+              </a:spcAft>
+              <a:buSzPts val="1400"/>
+              <a:buChar char="●"/>
+              <a:defRPr/>
+            </a:lvl7pPr>
+            <a:lvl8pPr marL="3657600" lvl="7" indent="-317500" rtl="0">
+              <a:spcBef>
+                <a:spcPts val="0"/>
+              </a:spcBef>
+              <a:spcAft>
+                <a:spcPts val="0"/>
+              </a:spcAft>
+              <a:buSzPts val="1400"/>
+              <a:buChar char="○"/>
+              <a:defRPr/>
+            </a:lvl8pPr>
+            <a:lvl9pPr marL="4114800" lvl="8" indent="-317500" rtl="0">
+              <a:spcBef>
+                <a:spcPts val="0"/>
+              </a:spcBef>
+              <a:spcAft>
+                <a:spcPts val="0"/>
+              </a:spcAft>
+              <a:buSzPts val="1400"/>
+              <a:buChar char="■"/>
+              <a:defRPr/>
+            </a:lvl9pPr>
+          </a:lstStyle>
+          <a:p>
+            <a:endParaRPr/>
+          </a:p>
+        </p:txBody>
+      </p:sp>
+      <p:sp>
+        <p:nvSpPr>
+          <p:cNvPr id="19" name="Google Shape;19;p4"/>
+          <p:cNvSpPr txBox="1">
+            <a:spLocks noGrp="1"/>
+          </p:cNvSpPr>
+          <p:nvPr>
+            <p:ph type="sldNum" idx="12"/>
+          </p:nvPr>
+        </p:nvSpPr>
+        <p:spPr>
+          <a:xfrm>
+            <a:off x="8472458" y="4663217"/>
+            <a:ext cx="548700" cy="393600"/>
+          </a:xfrm>
+          <a:prstGeom prst="rect">
+            <a:avLst/>
+          </a:prstGeom>
+        </p:spPr>
+        <p:txBody>
+          <a:bodyPr spcFirstLastPara="1" wrap="square" lIns="91425" tIns="91425" rIns="91425" bIns="91425" anchor="ctr" anchorCtr="0">
+            <a:normAutofit/>
+          </a:bodyPr>
+          <a:lstStyle>
+            <a:lvl1pPr lvl="0" rtl="0">
+              <a:buNone/>
+              <a:defRPr/>
+            </a:lvl1pPr>
+            <a:lvl2pPr lvl="1" rtl="0">
+              <a:buNone/>
+              <a:defRPr/>
+            </a:lvl2pPr>
+            <a:lvl3pPr lvl="2" rtl="0">
+              <a:buNone/>
+              <a:defRPr/>
+            </a:lvl3pPr>
+            <a:lvl4pPr lvl="3" rtl="0">
+              <a:buNone/>
+              <a:defRPr/>
+            </a:lvl4pPr>
+            <a:lvl5pPr lvl="4" rtl="0">
+              <a:buNone/>
+              <a:defRPr/>
+            </a:lvl5pPr>
+            <a:lvl6pPr lvl="5" rtl="0">
+              <a:buNone/>
+              <a:defRPr/>
+            </a:lvl6pPr>
+            <a:lvl7pPr lvl="6" rtl="0">
+              <a:buNone/>
+              <a:defRPr/>
+            </a:lvl7pPr>
+            <a:lvl8pPr lvl="7" rtl="0">
+              <a:buNone/>
+              <a:defRPr/>
+            </a:lvl8pPr>
+            <a:lvl9pPr lvl="8" rtl="0">
+              <a:buNone/>
+              <a:defRPr/>
+            </a:lvl9pPr>
+          </a:lstStyle>
+          <a:p>
+            <a:pPr marL="0" lvl="0" indent="0" algn="r" rtl="0">
+              <a:spcBef>
+                <a:spcPts val="0"/>
+              </a:spcBef>
+              <a:spcAft>
+                <a:spcPts val="0"/>
+              </a:spcAft>
+              <a:buNone/>
+            </a:pPr>
+            <a:fld id="{00000000-1234-1234-1234-123412341234}" type="slidenum">
+              <a:rPr lang="es"/>
+              <a:t>‹#›</a:t>
+            </a:fld>
+            <a:endParaRPr/>
+          </a:p>
+        </p:txBody>
+      </p:sp>
+    </p:spTree>
+  </p:cSld>
+  <p:clrMapOvr>
+    <a:masterClrMapping/>
+  </p:clrMapOvr>
+</p:sldLayout>
+</file>
+
+<file path=ppt/slideLayouts/slideLayout3.xml><?xml version="1.0" encoding="utf-8"?>
+<p:sldLayout xmlns:a="http://schemas.openxmlformats.org/drawingml/2006/main" xmlns:r="http://schemas.openxmlformats.org/officeDocument/2006/relationships" xmlns:p="http://schemas.openxmlformats.org/presentationml/2006/main" matchingName="Title and two columns" type="twoColTx">
+  <p:cSld name="TITLE_AND_TWO_COLUMNS">
+    <p:spTree>
+      <p:nvGrpSpPr>
+        <p:cNvPr id="1" name="Shape 20"/>
+        <p:cNvGrpSpPr/>
+        <p:nvPr/>
+      </p:nvGrpSpPr>
+      <p:grpSpPr>
+        <a:xfrm>
+          <a:off x="0" y="0"/>
+          <a:ext cx="0" cy="0"/>
+          <a:chOff x="0" y="0"/>
+          <a:chExt cx="0" cy="0"/>
+        </a:xfrm>
+      </p:grpSpPr>
+      <p:sp>
+        <p:nvSpPr>
+          <p:cNvPr id="21" name="Google Shape;21;p5"/>
+          <p:cNvSpPr txBox="1">
+            <a:spLocks noGrp="1"/>
+          </p:cNvSpPr>
+          <p:nvPr>
+            <p:ph type="title"/>
+          </p:nvPr>
+        </p:nvSpPr>
+        <p:spPr>
+          <a:xfrm>
+            <a:off x="311700" y="445025"/>
+            <a:ext cx="8520600" cy="572700"/>
+          </a:xfrm>
+          <a:prstGeom prst="rect">
+            <a:avLst/>
+          </a:prstGeom>
+        </p:spPr>
+        <p:txBody>
+          <a:bodyPr spcFirstLastPara="1" wrap="square" lIns="91425" tIns="91425" rIns="91425" bIns="91425" anchor="t" anchorCtr="0">
+            <a:normAutofit/>
+          </a:bodyPr>
+          <a:lstStyle>
+            <a:lvl1pPr lvl="0" rtl="0">
+              <a:spcBef>
+                <a:spcPts val="0"/>
+              </a:spcBef>
+              <a:spcAft>
+                <a:spcPts val="0"/>
+              </a:spcAft>
+              <a:buSzPts val="2800"/>
+              <a:buNone/>
+              <a:defRPr/>
+            </a:lvl1pPr>
+            <a:lvl2pPr lvl="1" rtl="0">
+              <a:spcBef>
+                <a:spcPts val="0"/>
+              </a:spcBef>
+              <a:spcAft>
+                <a:spcPts val="0"/>
+              </a:spcAft>
+              <a:buSzPts val="2800"/>
+              <a:buNone/>
+              <a:defRPr/>
+            </a:lvl2pPr>
+            <a:lvl3pPr lvl="2" rtl="0">
+              <a:spcBef>
+                <a:spcPts val="0"/>
+              </a:spcBef>
+              <a:spcAft>
+                <a:spcPts val="0"/>
+              </a:spcAft>
+              <a:buSzPts val="2800"/>
+              <a:buNone/>
+              <a:defRPr/>
+            </a:lvl3pPr>
+            <a:lvl4pPr lvl="3" rtl="0">
+              <a:spcBef>
+                <a:spcPts val="0"/>
+              </a:spcBef>
+              <a:spcAft>
+                <a:spcPts val="0"/>
+              </a:spcAft>
+              <a:buSzPts val="2800"/>
+              <a:buNone/>
+              <a:defRPr/>
+            </a:lvl4pPr>
+            <a:lvl5pPr lvl="4" rtl="0">
+              <a:spcBef>
+                <a:spcPts val="0"/>
+              </a:spcBef>
+              <a:spcAft>
+                <a:spcPts val="0"/>
+              </a:spcAft>
+              <a:buSzPts val="2800"/>
+              <a:buNone/>
+              <a:defRPr/>
+            </a:lvl5pPr>
+            <a:lvl6pPr lvl="5" rtl="0">
+              <a:spcBef>
+                <a:spcPts val="0"/>
+              </a:spcBef>
+              <a:spcAft>
+                <a:spcPts val="0"/>
+              </a:spcAft>
+              <a:buSzPts val="2800"/>
+              <a:buNone/>
+              <a:defRPr/>
+            </a:lvl6pPr>
+            <a:lvl7pPr lvl="6" rtl="0">
+              <a:spcBef>
+                <a:spcPts val="0"/>
+              </a:spcBef>
+              <a:spcAft>
+                <a:spcPts val="0"/>
+              </a:spcAft>
+              <a:buSzPts val="2800"/>
+              <a:buNone/>
+              <a:defRPr/>
+            </a:lvl7pPr>
+            <a:lvl8pPr lvl="7" rtl="0">
+              <a:spcBef>
+                <a:spcPts val="0"/>
+              </a:spcBef>
+              <a:spcAft>
+                <a:spcPts val="0"/>
+              </a:spcAft>
+              <a:buSzPts val="2800"/>
+              <a:buNone/>
+              <a:defRPr/>
+            </a:lvl8pPr>
+            <a:lvl9pPr lvl="8" rtl="0">
+              <a:spcBef>
+                <a:spcPts val="0"/>
+              </a:spcBef>
+              <a:spcAft>
+                <a:spcPts val="0"/>
+              </a:spcAft>
+              <a:buSzPts val="2800"/>
+              <a:buNone/>
+              <a:defRPr/>
+            </a:lvl9pPr>
+          </a:lstStyle>
+          <a:p>
+            <a:endParaRPr/>
+          </a:p>
+        </p:txBody>
+      </p:sp>
+      <p:sp>
+        <p:nvSpPr>
+          <p:cNvPr id="22" name="Google Shape;22;p5"/>
+          <p:cNvSpPr txBox="1">
+            <a:spLocks noGrp="1"/>
+          </p:cNvSpPr>
+          <p:nvPr>
+            <p:ph type="body" idx="1"/>
+          </p:nvPr>
+        </p:nvSpPr>
+        <p:spPr>
+          <a:xfrm>
+            <a:off x="311700" y="1152475"/>
+            <a:ext cx="3999900" cy="3416400"/>
+          </a:xfrm>
+          <a:prstGeom prst="rect">
+            <a:avLst/>
+          </a:prstGeom>
+        </p:spPr>
+        <p:txBody>
+          <a:bodyPr spcFirstLastPara="1" wrap="square" lIns="91425" tIns="91425" rIns="91425" bIns="91425" anchor="t" anchorCtr="0">
+            <a:normAutofit/>
+          </a:bodyPr>
+          <a:lstStyle>
+            <a:lvl1pPr marL="457200" lvl="0" indent="-317500" rtl="0">
+              <a:spcBef>
+                <a:spcPts val="0"/>
+              </a:spcBef>
+              <a:spcAft>
+                <a:spcPts val="0"/>
+              </a:spcAft>
+              <a:buSzPts val="1400"/>
+              <a:buChar char="●"/>
+              <a:defRPr sz="1400"/>
+            </a:lvl1pPr>
+            <a:lvl2pPr marL="914400" lvl="1" indent="-304800" rtl="0">
+              <a:spcBef>
+                <a:spcPts val="0"/>
+              </a:spcBef>
+              <a:spcAft>
+                <a:spcPts val="0"/>
+              </a:spcAft>
+              <a:buSzPts val="1200"/>
+              <a:buChar char="○"/>
+              <a:defRPr sz="1200"/>
+            </a:lvl2pPr>
+            <a:lvl3pPr marL="1371600" lvl="2" indent="-304800" rtl="0">
+              <a:spcBef>
+                <a:spcPts val="0"/>
+              </a:spcBef>
+              <a:spcAft>
+                <a:spcPts val="0"/>
+              </a:spcAft>
+              <a:buSzPts val="1200"/>
+              <a:buChar char="■"/>
+              <a:defRPr sz="1200"/>
+            </a:lvl3pPr>
+            <a:lvl4pPr marL="1828800" lvl="3" indent="-304800" rtl="0">
+              <a:spcBef>
+                <a:spcPts val="0"/>
+              </a:spcBef>
+              <a:spcAft>
+                <a:spcPts val="0"/>
+              </a:spcAft>
+              <a:buSzPts val="1200"/>
+              <a:buChar char="●"/>
+              <a:defRPr sz="1200"/>
+            </a:lvl4pPr>
+            <a:lvl5pPr marL="2286000" lvl="4" indent="-304800" rtl="0">
+              <a:spcBef>
+                <a:spcPts val="0"/>
+              </a:spcBef>
+              <a:spcAft>
+                <a:spcPts val="0"/>
+              </a:spcAft>
+              <a:buSzPts val="1200"/>
+              <a:buChar char="○"/>
+              <a:defRPr sz="1200"/>
+            </a:lvl5pPr>
+            <a:lvl6pPr marL="2743200" lvl="5" indent="-304800" rtl="0">
+              <a:spcBef>
+                <a:spcPts val="0"/>
+              </a:spcBef>
+              <a:spcAft>
+                <a:spcPts val="0"/>
+              </a:spcAft>
+              <a:buSzPts val="1200"/>
+              <a:buChar char="■"/>
+              <a:defRPr sz="1200"/>
+            </a:lvl6pPr>
+            <a:lvl7pPr marL="3200400" lvl="6" indent="-304800" rtl="0">
+              <a:spcBef>
+                <a:spcPts val="0"/>
+              </a:spcBef>
+              <a:spcAft>
+                <a:spcPts val="0"/>
+              </a:spcAft>
+              <a:buSzPts val="1200"/>
+              <a:buChar char="●"/>
+              <a:defRPr sz="1200"/>
+            </a:lvl7pPr>
+            <a:lvl8pPr marL="3657600" lvl="7" indent="-304800" rtl="0">
+              <a:spcBef>
+                <a:spcPts val="0"/>
+              </a:spcBef>
+              <a:spcAft>
+                <a:spcPts val="0"/>
+              </a:spcAft>
+              <a:buSzPts val="1200"/>
+              <a:buChar char="○"/>
+              <a:defRPr sz="1200"/>
+            </a:lvl8pPr>
+            <a:lvl9pPr marL="4114800" lvl="8" indent="-304800" rtl="0">
+              <a:spcBef>
+                <a:spcPts val="0"/>
+              </a:spcBef>
+              <a:spcAft>
+                <a:spcPts val="0"/>
+              </a:spcAft>
+              <a:buSzPts val="1200"/>
+              <a:buChar char="■"/>
+              <a:defRPr sz="1200"/>
+            </a:lvl9pPr>
+          </a:lstStyle>
+          <a:p>
+            <a:endParaRPr/>
+          </a:p>
+        </p:txBody>
+      </p:sp>
+      <p:sp>
+        <p:nvSpPr>
+          <p:cNvPr id="23" name="Google Shape;23;p5"/>
+          <p:cNvSpPr txBox="1">
+            <a:spLocks noGrp="1"/>
+          </p:cNvSpPr>
+          <p:nvPr>
+            <p:ph type="body" idx="2"/>
+          </p:nvPr>
+        </p:nvSpPr>
+        <p:spPr>
+          <a:xfrm>
+            <a:off x="4832400" y="1152475"/>
+            <a:ext cx="3999900" cy="3416400"/>
+          </a:xfrm>
+          <a:prstGeom prst="rect">
+            <a:avLst/>
+          </a:prstGeom>
+        </p:spPr>
+        <p:txBody>
+          <a:bodyPr spcFirstLastPara="1" wrap="square" lIns="91425" tIns="91425" rIns="91425" bIns="91425" anchor="t" anchorCtr="0">
+            <a:normAutofit/>
+          </a:bodyPr>
+          <a:lstStyle>
+            <a:lvl1pPr marL="457200" lvl="0" indent="-317500" rtl="0">
+              <a:spcBef>
+                <a:spcPts val="0"/>
+              </a:spcBef>
+              <a:spcAft>
+                <a:spcPts val="0"/>
+              </a:spcAft>
+              <a:buSzPts val="1400"/>
+              <a:buChar char="●"/>
+              <a:defRPr sz="1400"/>
+            </a:lvl1pPr>
+            <a:lvl2pPr marL="914400" lvl="1" indent="-304800" rtl="0">
+              <a:spcBef>
+                <a:spcPts val="0"/>
+              </a:spcBef>
+              <a:spcAft>
+                <a:spcPts val="0"/>
+              </a:spcAft>
+              <a:buSzPts val="1200"/>
+              <a:buChar char="○"/>
+              <a:defRPr sz="1200"/>
+            </a:lvl2pPr>
+            <a:lvl3pPr marL="1371600" lvl="2" indent="-304800" rtl="0">
+              <a:spcBef>
+                <a:spcPts val="0"/>
+              </a:spcBef>
+              <a:spcAft>
+                <a:spcPts val="0"/>
+              </a:spcAft>
+              <a:buSzPts val="1200"/>
+              <a:buChar char="■"/>
+              <a:defRPr sz="1200"/>
+            </a:lvl3pPr>
+            <a:lvl4pPr marL="1828800" lvl="3" indent="-304800" rtl="0">
+              <a:spcBef>
+                <a:spcPts val="0"/>
+              </a:spcBef>
+              <a:spcAft>
+                <a:spcPts val="0"/>
+              </a:spcAft>
+              <a:buSzPts val="1200"/>
+              <a:buChar char="●"/>
+              <a:defRPr sz="1200"/>
+            </a:lvl4pPr>
+            <a:lvl5pPr marL="2286000" lvl="4" indent="-304800" rtl="0">
+              <a:spcBef>
+                <a:spcPts val="0"/>
+              </a:spcBef>
+              <a:spcAft>
+                <a:spcPts val="0"/>
+              </a:spcAft>
+              <a:buSzPts val="1200"/>
+              <a:buChar char="○"/>
+              <a:defRPr sz="1200"/>
+            </a:lvl5pPr>
+            <a:lvl6pPr marL="2743200" lvl="5" indent="-304800" rtl="0">
+              <a:spcBef>
+                <a:spcPts val="0"/>
+              </a:spcBef>
+              <a:spcAft>
+                <a:spcPts val="0"/>
+              </a:spcAft>
+              <a:buSzPts val="1200"/>
+              <a:buChar char="■"/>
+              <a:defRPr sz="1200"/>
+            </a:lvl6pPr>
+            <a:lvl7pPr marL="3200400" lvl="6" indent="-304800" rtl="0">
+              <a:spcBef>
+                <a:spcPts val="0"/>
+              </a:spcBef>
+              <a:spcAft>
+                <a:spcPts val="0"/>
+              </a:spcAft>
+              <a:buSzPts val="1200"/>
+              <a:buChar char="●"/>
+              <a:defRPr sz="1200"/>
+            </a:lvl7pPr>
+            <a:lvl8pPr marL="3657600" lvl="7" indent="-304800" rtl="0">
+              <a:spcBef>
+                <a:spcPts val="0"/>
+              </a:spcBef>
+              <a:spcAft>
+                <a:spcPts val="0"/>
+              </a:spcAft>
+              <a:buSzPts val="1200"/>
+              <a:buChar char="○"/>
+              <a:defRPr sz="1200"/>
+            </a:lvl8pPr>
+            <a:lvl9pPr marL="4114800" lvl="8" indent="-304800" rtl="0">
+              <a:spcBef>
+                <a:spcPts val="0"/>
+              </a:spcBef>
+              <a:spcAft>
+                <a:spcPts val="0"/>
+              </a:spcAft>
+              <a:buSzPts val="1200"/>
+              <a:buChar char="■"/>
+              <a:defRPr sz="1200"/>
+            </a:lvl9pPr>
+          </a:lstStyle>
+          <a:p>
+            <a:endParaRPr/>
+          </a:p>
+        </p:txBody>
+      </p:sp>
+      <p:sp>
+        <p:nvSpPr>
+          <p:cNvPr id="24" name="Google Shape;24;p5"/>
+          <p:cNvSpPr txBox="1">
+            <a:spLocks noGrp="1"/>
+          </p:cNvSpPr>
+          <p:nvPr>
+            <p:ph type="sldNum" idx="12"/>
+          </p:nvPr>
+        </p:nvSpPr>
+        <p:spPr>
+          <a:xfrm>
+            <a:off x="8472458" y="4663217"/>
+            <a:ext cx="548700" cy="393600"/>
+          </a:xfrm>
+          <a:prstGeom prst="rect">
+            <a:avLst/>
+          </a:prstGeom>
+        </p:spPr>
+        <p:txBody>
+          <a:bodyPr spcFirstLastPara="1" wrap="square" lIns="91425" tIns="91425" rIns="91425" bIns="91425" anchor="ctr" anchorCtr="0">
+            <a:normAutofit/>
+          </a:bodyPr>
+          <a:lstStyle>
+            <a:lvl1pPr lvl="0" rtl="0">
+              <a:buNone/>
+              <a:defRPr/>
+            </a:lvl1pPr>
+            <a:lvl2pPr lvl="1" rtl="0">
+              <a:buNone/>
+              <a:defRPr/>
+            </a:lvl2pPr>
+            <a:lvl3pPr lvl="2" rtl="0">
+              <a:buNone/>
+              <a:defRPr/>
+            </a:lvl3pPr>
+            <a:lvl4pPr lvl="3" rtl="0">
+              <a:buNone/>
+              <a:defRPr/>
+            </a:lvl4pPr>
+            <a:lvl5pPr lvl="4" rtl="0">
+              <a:buNone/>
+              <a:defRPr/>
+            </a:lvl5pPr>
+            <a:lvl6pPr lvl="5" rtl="0">
+              <a:buNone/>
+              <a:defRPr/>
+            </a:lvl6pPr>
+            <a:lvl7pPr lvl="6" rtl="0">
+              <a:buNone/>
+              <a:defRPr/>
+            </a:lvl7pPr>
+            <a:lvl8pPr lvl="7" rtl="0">
+              <a:buNone/>
+              <a:defRPr/>
+            </a:lvl8pPr>
+            <a:lvl9pPr lvl="8" rtl="0">
+              <a:buNone/>
+              <a:defRPr/>
+            </a:lvl9pPr>
+          </a:lstStyle>
+          <a:p>
+            <a:pPr marL="0" lvl="0" indent="0" algn="r" rtl="0">
+              <a:spcBef>
+                <a:spcPts val="0"/>
+              </a:spcBef>
+              <a:spcAft>
+                <a:spcPts val="0"/>
+              </a:spcAft>
+              <a:buNone/>
+            </a:pPr>
+            <a:fld id="{00000000-1234-1234-1234-123412341234}" type="slidenum">
+              <a:rPr lang="es"/>
+              <a:t>‹#›</a:t>
+            </a:fld>
+            <a:endParaRPr/>
+          </a:p>
+        </p:txBody>
+      </p:sp>
+    </p:spTree>
+  </p:cSld>
+  <p:clrMapOvr>
+    <a:masterClrMapping/>
+  </p:clrMapOvr>
+</p:sldLayout>
+</file>
+
+<file path=ppt/slideLayouts/slideLayout4.xml><?xml version="1.0" encoding="utf-8"?>
+<p:sldLayout xmlns:a="http://schemas.openxmlformats.org/drawingml/2006/main" xmlns:r="http://schemas.openxmlformats.org/officeDocument/2006/relationships" xmlns:p="http://schemas.openxmlformats.org/presentationml/2006/main" matchingName="Title only" type="titleOnly">
+  <p:cSld name="TITLE_ONLY">
+    <p:spTree>
+      <p:nvGrpSpPr>
+        <p:cNvPr id="1" name="Shape 25"/>
+        <p:cNvGrpSpPr/>
+        <p:nvPr/>
+      </p:nvGrpSpPr>
+      <p:grpSpPr>
+        <a:xfrm>
+          <a:off x="0" y="0"/>
+          <a:ext cx="0" cy="0"/>
+          <a:chOff x="0" y="0"/>
+          <a:chExt cx="0" cy="0"/>
+        </a:xfrm>
+      </p:grpSpPr>
+      <p:sp>
+        <p:nvSpPr>
+          <p:cNvPr id="26" name="Google Shape;26;p6"/>
+          <p:cNvSpPr txBox="1">
+            <a:spLocks noGrp="1"/>
+          </p:cNvSpPr>
+          <p:nvPr>
+            <p:ph type="title"/>
+          </p:nvPr>
+        </p:nvSpPr>
+        <p:spPr>
+          <a:xfrm>
+            <a:off x="311700" y="445025"/>
+            <a:ext cx="8520600" cy="572700"/>
+          </a:xfrm>
+          <a:prstGeom prst="rect">
+            <a:avLst/>
+          </a:prstGeom>
+        </p:spPr>
+        <p:txBody>
+          <a:bodyPr spcFirstLastPara="1" wrap="square" lIns="91425" tIns="91425" rIns="91425" bIns="91425" anchor="t" anchorCtr="0">
+            <a:normAutofit/>
+          </a:bodyPr>
+          <a:lstStyle>
+            <a:lvl1pPr lvl="0" rtl="0">
+              <a:spcBef>
+                <a:spcPts val="0"/>
+              </a:spcBef>
+              <a:spcAft>
+                <a:spcPts val="0"/>
+              </a:spcAft>
+              <a:buSzPts val="2800"/>
+              <a:buNone/>
+              <a:defRPr/>
+            </a:lvl1pPr>
+            <a:lvl2pPr lvl="1" rtl="0">
+              <a:spcBef>
+                <a:spcPts val="0"/>
+              </a:spcBef>
+              <a:spcAft>
+                <a:spcPts val="0"/>
+              </a:spcAft>
+              <a:buSzPts val="2800"/>
+              <a:buNone/>
+              <a:defRPr/>
+            </a:lvl2pPr>
+            <a:lvl3pPr lvl="2" rtl="0">
+              <a:spcBef>
+                <a:spcPts val="0"/>
+              </a:spcBef>
+              <a:spcAft>
+                <a:spcPts val="0"/>
+              </a:spcAft>
+              <a:buSzPts val="2800"/>
+              <a:buNone/>
+              <a:defRPr/>
+            </a:lvl3pPr>
+            <a:lvl4pPr lvl="3" rtl="0">
+              <a:spcBef>
+                <a:spcPts val="0"/>
+              </a:spcBef>
+              <a:spcAft>
+                <a:spcPts val="0"/>
+              </a:spcAft>
+              <a:buSzPts val="2800"/>
+              <a:buNone/>
+              <a:defRPr/>
+            </a:lvl4pPr>
+            <a:lvl5pPr lvl="4" rtl="0">
+              <a:spcBef>
+                <a:spcPts val="0"/>
+              </a:spcBef>
+              <a:spcAft>
+                <a:spcPts val="0"/>
+              </a:spcAft>
+              <a:buSzPts val="2800"/>
+              <a:buNone/>
+              <a:defRPr/>
+            </a:lvl5pPr>
+            <a:lvl6pPr lvl="5" rtl="0">
+              <a:spcBef>
+                <a:spcPts val="0"/>
+              </a:spcBef>
+              <a:spcAft>
+                <a:spcPts val="0"/>
+              </a:spcAft>
+              <a:buSzPts val="2800"/>
+              <a:buNone/>
+              <a:defRPr/>
+            </a:lvl6pPr>
+            <a:lvl7pPr lvl="6" rtl="0">
+              <a:spcBef>
+                <a:spcPts val="0"/>
+              </a:spcBef>
+              <a:spcAft>
+                <a:spcPts val="0"/>
+              </a:spcAft>
+              <a:buSzPts val="2800"/>
+              <a:buNone/>
+              <a:defRPr/>
+            </a:lvl7pPr>
+            <a:lvl8pPr lvl="7" rtl="0">
+              <a:spcBef>
+                <a:spcPts val="0"/>
+              </a:spcBef>
+              <a:spcAft>
+                <a:spcPts val="0"/>
+              </a:spcAft>
+              <a:buSzPts val="2800"/>
+              <a:buNone/>
+              <a:defRPr/>
+            </a:lvl8pPr>
+            <a:lvl9pPr lvl="8" rtl="0">
+              <a:spcBef>
+                <a:spcPts val="0"/>
+              </a:spcBef>
+              <a:spcAft>
+                <a:spcPts val="0"/>
+              </a:spcAft>
+              <a:buSzPts val="2800"/>
+              <a:buNone/>
+              <a:defRPr/>
+            </a:lvl9pPr>
+          </a:lstStyle>
+          <a:p>
+            <a:endParaRPr/>
+          </a:p>
+        </p:txBody>
+      </p:sp>
+      <p:sp>
+        <p:nvSpPr>
+          <p:cNvPr id="27" name="Google Shape;27;p6"/>
+          <p:cNvSpPr txBox="1">
+            <a:spLocks noGrp="1"/>
+          </p:cNvSpPr>
+          <p:nvPr>
+            <p:ph type="sldNum" idx="12"/>
+          </p:nvPr>
+        </p:nvSpPr>
+        <p:spPr>
+          <a:xfrm>
+            <a:off x="8472458" y="4663217"/>
+            <a:ext cx="548700" cy="393600"/>
+          </a:xfrm>
+          <a:prstGeom prst="rect">
+            <a:avLst/>
+          </a:prstGeom>
+        </p:spPr>
+        <p:txBody>
+          <a:bodyPr spcFirstLastPara="1" wrap="square" lIns="91425" tIns="91425" rIns="91425" bIns="91425" anchor="ctr" anchorCtr="0">
+            <a:normAutofit/>
+          </a:bodyPr>
+          <a:lstStyle>
+            <a:lvl1pPr lvl="0" rtl="0">
+              <a:buNone/>
+              <a:defRPr/>
+            </a:lvl1pPr>
+            <a:lvl2pPr lvl="1" rtl="0">
+              <a:buNone/>
+              <a:defRPr/>
+            </a:lvl2pPr>
+            <a:lvl3pPr lvl="2" rtl="0">
+              <a:buNone/>
+              <a:defRPr/>
+            </a:lvl3pPr>
+            <a:lvl4pPr lvl="3" rtl="0">
+              <a:buNone/>
+              <a:defRPr/>
+            </a:lvl4pPr>
+            <a:lvl5pPr lvl="4" rtl="0">
+              <a:buNone/>
+              <a:defRPr/>
+            </a:lvl5pPr>
+            <a:lvl6pPr lvl="5" rtl="0">
+              <a:buNone/>
+              <a:defRPr/>
+            </a:lvl6pPr>
+            <a:lvl7pPr lvl="6" rtl="0">
+              <a:buNone/>
+              <a:defRPr/>
+            </a:lvl7pPr>
+            <a:lvl8pPr lvl="7" rtl="0">
+              <a:buNone/>
+              <a:defRPr/>
+            </a:lvl8pPr>
+            <a:lvl9pPr lvl="8" rtl="0">
+              <a:buNone/>
+              <a:defRPr/>
+            </a:lvl9pPr>
+          </a:lstStyle>
+          <a:p>
+            <a:pPr marL="0" lvl="0" indent="0" algn="r" rtl="0">
+              <a:spcBef>
+                <a:spcPts val="0"/>
+              </a:spcBef>
+              <a:spcAft>
+                <a:spcPts val="0"/>
+              </a:spcAft>
+              <a:buNone/>
+            </a:pPr>
+            <a:fld id="{00000000-1234-1234-1234-123412341234}" type="slidenum">
+              <a:rPr lang="es"/>
+              <a:t>‹#›</a:t>
+            </a:fld>
+            <a:endParaRPr/>
+          </a:p>
+        </p:txBody>
+      </p:sp>
+    </p:spTree>
+  </p:cSld>
+  <p:clrMapOvr>
+    <a:masterClrMapping/>
+  </p:clrMapOvr>
+</p:sldLayout>
+</file>
+
+<file path=ppt/slideLayouts/slideLayout5.xml><?xml version="1.0" encoding="utf-8"?>
+<p:sldLayout xmlns:a="http://schemas.openxmlformats.org/drawingml/2006/main" xmlns:r="http://schemas.openxmlformats.org/officeDocument/2006/relationships" xmlns:p="http://schemas.openxmlformats.org/presentationml/2006/main" matchingName="One column text">
+  <p:cSld name="ONE_COLUMN_TEXT">
+    <p:spTree>
+      <p:nvGrpSpPr>
+        <p:cNvPr id="1" name="Shape 28"/>
+        <p:cNvGrpSpPr/>
+        <p:nvPr/>
+      </p:nvGrpSpPr>
+      <p:grpSpPr>
+        <a:xfrm>
+          <a:off x="0" y="0"/>
+          <a:ext cx="0" cy="0"/>
+          <a:chOff x="0" y="0"/>
+          <a:chExt cx="0" cy="0"/>
+        </a:xfrm>
+      </p:grpSpPr>
+      <p:sp>
+        <p:nvSpPr>
+          <p:cNvPr id="29" name="Google Shape;29;p7"/>
+          <p:cNvSpPr txBox="1">
+            <a:spLocks noGrp="1"/>
+          </p:cNvSpPr>
+          <p:nvPr>
+            <p:ph type="title"/>
+          </p:nvPr>
+        </p:nvSpPr>
+        <p:spPr>
+          <a:xfrm>
+            <a:off x="311700" y="555600"/>
+            <a:ext cx="2808000" cy="755700"/>
+          </a:xfrm>
+          <a:prstGeom prst="rect">
+            <a:avLst/>
+          </a:prstGeom>
+        </p:spPr>
+        <p:txBody>
+          <a:bodyPr spcFirstLastPara="1" wrap="square" lIns="91425" tIns="91425" rIns="91425" bIns="91425" anchor="b" anchorCtr="0">
+            <a:normAutofit/>
+          </a:bodyPr>
+          <a:lstStyle>
+            <a:lvl1pPr lvl="0" rtl="0">
+              <a:spcBef>
+                <a:spcPts val="0"/>
+              </a:spcBef>
+              <a:spcAft>
+                <a:spcPts val="0"/>
+              </a:spcAft>
+              <a:buSzPts val="2400"/>
+              <a:buNone/>
+              <a:defRPr sz="2400"/>
+            </a:lvl1pPr>
+            <a:lvl2pPr lvl="1" rtl="0">
+              <a:spcBef>
+                <a:spcPts val="0"/>
+              </a:spcBef>
+              <a:spcAft>
+                <a:spcPts val="0"/>
+              </a:spcAft>
+              <a:buSzPts val="2400"/>
+              <a:buNone/>
+              <a:defRPr sz="2400"/>
+            </a:lvl2pPr>
+            <a:lvl3pPr lvl="2" rtl="0">
+              <a:spcBef>
+                <a:spcPts val="0"/>
+              </a:spcBef>
+              <a:spcAft>
+                <a:spcPts val="0"/>
+              </a:spcAft>
+              <a:buSzPts val="2400"/>
+              <a:buNone/>
+              <a:defRPr sz="2400"/>
+            </a:lvl3pPr>
+            <a:lvl4pPr lvl="3" rtl="0">
+              <a:spcBef>
+                <a:spcPts val="0"/>
+              </a:spcBef>
+              <a:spcAft>
+                <a:spcPts val="0"/>
+              </a:spcAft>
+              <a:buSzPts val="2400"/>
+              <a:buNone/>
+              <a:defRPr sz="2400"/>
+            </a:lvl4pPr>
+            <a:lvl5pPr lvl="4" rtl="0">
+              <a:spcBef>
+                <a:spcPts val="0"/>
+              </a:spcBef>
+              <a:spcAft>
+                <a:spcPts val="0"/>
+              </a:spcAft>
+              <a:buSzPts val="2400"/>
+              <a:buNone/>
+              <a:defRPr sz="2400"/>
+            </a:lvl5pPr>
+            <a:lvl6pPr lvl="5" rtl="0">
+              <a:spcBef>
+                <a:spcPts val="0"/>
+              </a:spcBef>
+              <a:spcAft>
+                <a:spcPts val="0"/>
+              </a:spcAft>
+              <a:buSzPts val="2400"/>
+              <a:buNone/>
+              <a:defRPr sz="2400"/>
+            </a:lvl6pPr>
+            <a:lvl7pPr lvl="6" rtl="0">
+              <a:spcBef>
+                <a:spcPts val="0"/>
+              </a:spcBef>
+              <a:spcAft>
+                <a:spcPts val="0"/>
+              </a:spcAft>
+              <a:buSzPts val="2400"/>
+              <a:buNone/>
+              <a:defRPr sz="2400"/>
+            </a:lvl7pPr>
+            <a:lvl8pPr lvl="7" rtl="0">
+              <a:spcBef>
+                <a:spcPts val="0"/>
+              </a:spcBef>
+              <a:spcAft>
+                <a:spcPts val="0"/>
+              </a:spcAft>
+              <a:buSzPts val="2400"/>
+              <a:buNone/>
+              <a:defRPr sz="2400"/>
+            </a:lvl8pPr>
+            <a:lvl9pPr lvl="8" rtl="0">
+              <a:spcBef>
+                <a:spcPts val="0"/>
+              </a:spcBef>
+              <a:spcAft>
+                <a:spcPts val="0"/>
+              </a:spcAft>
+              <a:buSzPts val="2400"/>
+              <a:buNone/>
+              <a:defRPr sz="2400"/>
+            </a:lvl9pPr>
+          </a:lstStyle>
+          <a:p>
+            <a:endParaRPr/>
+          </a:p>
+        </p:txBody>
+      </p:sp>
+      <p:sp>
+        <p:nvSpPr>
+          <p:cNvPr id="30" name="Google Shape;30;p7"/>
+          <p:cNvSpPr txBox="1">
+            <a:spLocks noGrp="1"/>
+          </p:cNvSpPr>
+          <p:nvPr>
+            <p:ph type="body" idx="1"/>
+          </p:nvPr>
+        </p:nvSpPr>
+        <p:spPr>
+          <a:xfrm>
+            <a:off x="311700" y="1389600"/>
+            <a:ext cx="2808000" cy="3179400"/>
+          </a:xfrm>
+          <a:prstGeom prst="rect">
+            <a:avLst/>
+          </a:prstGeom>
+        </p:spPr>
+        <p:txBody>
+          <a:bodyPr spcFirstLastPara="1" wrap="square" lIns="91425" tIns="91425" rIns="91425" bIns="91425" anchor="t" anchorCtr="0">
+            <a:normAutofit/>
+          </a:bodyPr>
+          <a:lstStyle>
+            <a:lvl1pPr marL="457200" lvl="0" indent="-304800" rtl="0">
+              <a:spcBef>
+                <a:spcPts val="0"/>
+              </a:spcBef>
+              <a:spcAft>
+                <a:spcPts val="0"/>
+              </a:spcAft>
+              <a:buSzPts val="1200"/>
+              <a:buChar char="●"/>
+              <a:defRPr sz="1200"/>
+            </a:lvl1pPr>
+            <a:lvl2pPr marL="914400" lvl="1" indent="-304800" rtl="0">
+              <a:spcBef>
+                <a:spcPts val="0"/>
+              </a:spcBef>
+              <a:spcAft>
+                <a:spcPts val="0"/>
+              </a:spcAft>
+              <a:buSzPts val="1200"/>
+              <a:buChar char="○"/>
+              <a:defRPr sz="1200"/>
+            </a:lvl2pPr>
+            <a:lvl3pPr marL="1371600" lvl="2" indent="-304800" rtl="0">
+              <a:spcBef>
+                <a:spcPts val="0"/>
+              </a:spcBef>
+              <a:spcAft>
+                <a:spcPts val="0"/>
+              </a:spcAft>
+              <a:buSzPts val="1200"/>
+              <a:buChar char="■"/>
+              <a:defRPr sz="1200"/>
+            </a:lvl3pPr>
+            <a:lvl4pPr marL="1828800" lvl="3" indent="-304800" rtl="0">
+              <a:spcBef>
+                <a:spcPts val="0"/>
+              </a:spcBef>
+              <a:spcAft>
+                <a:spcPts val="0"/>
+              </a:spcAft>
+              <a:buSzPts val="1200"/>
+              <a:buChar char="●"/>
+              <a:defRPr sz="1200"/>
+            </a:lvl4pPr>
+            <a:lvl5pPr marL="2286000" lvl="4" indent="-304800" rtl="0">
+              <a:spcBef>
+                <a:spcPts val="0"/>
+              </a:spcBef>
+              <a:spcAft>
+                <a:spcPts val="0"/>
+              </a:spcAft>
+              <a:buSzPts val="1200"/>
+              <a:buChar char="○"/>
+              <a:defRPr sz="1200"/>
+            </a:lvl5pPr>
+            <a:lvl6pPr marL="2743200" lvl="5" indent="-304800" rtl="0">
+              <a:spcBef>
+                <a:spcPts val="0"/>
+              </a:spcBef>
+              <a:spcAft>
+                <a:spcPts val="0"/>
+              </a:spcAft>
+              <a:buSzPts val="1200"/>
+              <a:buChar char="■"/>
+              <a:defRPr sz="1200"/>
+            </a:lvl6pPr>
+            <a:lvl7pPr marL="3200400" lvl="6" indent="-304800" rtl="0">
+              <a:spcBef>
+                <a:spcPts val="0"/>
+              </a:spcBef>
+              <a:spcAft>
+                <a:spcPts val="0"/>
+              </a:spcAft>
+              <a:buSzPts val="1200"/>
+              <a:buChar char="●"/>
+              <a:defRPr sz="1200"/>
+            </a:lvl7pPr>
+            <a:lvl8pPr marL="3657600" lvl="7" indent="-304800" rtl="0">
+              <a:spcBef>
+                <a:spcPts val="0"/>
+              </a:spcBef>
+              <a:spcAft>
+                <a:spcPts val="0"/>
+              </a:spcAft>
+              <a:buSzPts val="1200"/>
+              <a:buChar char="○"/>
+              <a:defRPr sz="1200"/>
+            </a:lvl8pPr>
+            <a:lvl9pPr marL="4114800" lvl="8" indent="-304800" rtl="0">
+              <a:spcBef>
+                <a:spcPts val="0"/>
+              </a:spcBef>
+              <a:spcAft>
+                <a:spcPts val="0"/>
+              </a:spcAft>
+              <a:buSzPts val="1200"/>
+              <a:buChar char="■"/>
+              <a:defRPr sz="1200"/>
+            </a:lvl9pPr>
+          </a:lstStyle>
+          <a:p>
+            <a:endParaRPr/>
+          </a:p>
+        </p:txBody>
+      </p:sp>
+      <p:sp>
+        <p:nvSpPr>
+          <p:cNvPr id="31" name="Google Shape;31;p7"/>
+          <p:cNvSpPr txBox="1">
+            <a:spLocks noGrp="1"/>
+          </p:cNvSpPr>
+          <p:nvPr>
+            <p:ph type="sldNum" idx="12"/>
+          </p:nvPr>
+        </p:nvSpPr>
+        <p:spPr>
+          <a:xfrm>
+            <a:off x="8472458" y="4663217"/>
+            <a:ext cx="548700" cy="393600"/>
+          </a:xfrm>
+          <a:prstGeom prst="rect">
+            <a:avLst/>
+          </a:prstGeom>
+        </p:spPr>
+        <p:txBody>
+          <a:bodyPr spcFirstLastPara="1" wrap="square" lIns="91425" tIns="91425" rIns="91425" bIns="91425" anchor="ctr" anchorCtr="0">
+            <a:normAutofit/>
+          </a:bodyPr>
+          <a:lstStyle>
+            <a:lvl1pPr lvl="0" rtl="0">
+              <a:buNone/>
+              <a:defRPr/>
+            </a:lvl1pPr>
+            <a:lvl2pPr lvl="1" rtl="0">
+              <a:buNone/>
+              <a:defRPr/>
+            </a:lvl2pPr>
+            <a:lvl3pPr lvl="2" rtl="0">
+              <a:buNone/>
+              <a:defRPr/>
+            </a:lvl3pPr>
+            <a:lvl4pPr lvl="3" rtl="0">
+              <a:buNone/>
+              <a:defRPr/>
+            </a:lvl4pPr>
+            <a:lvl5pPr lvl="4" rtl="0">
+              <a:buNone/>
+              <a:defRPr/>
+            </a:lvl5pPr>
+            <a:lvl6pPr lvl="5" rtl="0">
+              <a:buNone/>
+              <a:defRPr/>
+            </a:lvl6pPr>
+            <a:lvl7pPr lvl="6" rtl="0">
+              <a:buNone/>
+              <a:defRPr/>
+            </a:lvl7pPr>
+            <a:lvl8pPr lvl="7" rtl="0">
+              <a:buNone/>
+              <a:defRPr/>
+            </a:lvl8pPr>
+            <a:lvl9pPr lvl="8" rtl="0">
+              <a:buNone/>
+              <a:defRPr/>
+            </a:lvl9pPr>
+          </a:lstStyle>
+          <a:p>
+            <a:pPr marL="0" lvl="0" indent="0" algn="r" rtl="0">
+              <a:spcBef>
+                <a:spcPts val="0"/>
+              </a:spcBef>
+              <a:spcAft>
+                <a:spcPts val="0"/>
+              </a:spcAft>
+              <a:buNone/>
+            </a:pPr>
+            <a:fld id="{00000000-1234-1234-1234-123412341234}" type="slidenum">
+              <a:rPr lang="es"/>
+              <a:t>‹#›</a:t>
+            </a:fld>
+            <a:endParaRPr/>
+          </a:p>
+        </p:txBody>
+      </p:sp>
+    </p:spTree>
+  </p:cSld>
+  <p:clrMapOvr>
+    <a:masterClrMapping/>
+  </p:clrMapOvr>
+</p:sldLayout>
+</file>
+
+<file path=ppt/slideLayouts/slideLayout6.xml><?xml version="1.0" encoding="utf-8"?>
+<p:sldLayout xmlns:a="http://schemas.openxmlformats.org/drawingml/2006/main" xmlns:r="http://schemas.openxmlformats.org/officeDocument/2006/relationships" xmlns:p="http://schemas.openxmlformats.org/presentationml/2006/main" matchingName="Main point">
+  <p:cSld name="MAIN_POINT">
+    <p:spTree>
+      <p:nvGrpSpPr>
+        <p:cNvPr id="1" name="Shape 32"/>
+        <p:cNvGrpSpPr/>
+        <p:nvPr/>
+      </p:nvGrpSpPr>
+      <p:grpSpPr>
+        <a:xfrm>
+          <a:off x="0" y="0"/>
+          <a:ext cx="0" cy="0"/>
+          <a:chOff x="0" y="0"/>
+          <a:chExt cx="0" cy="0"/>
+        </a:xfrm>
+      </p:grpSpPr>
+      <p:sp>
+        <p:nvSpPr>
+          <p:cNvPr id="33" name="Google Shape;33;p8"/>
+          <p:cNvSpPr txBox="1">
+            <a:spLocks noGrp="1"/>
+          </p:cNvSpPr>
+          <p:nvPr>
+            <p:ph type="title"/>
+          </p:nvPr>
+        </p:nvSpPr>
+        <p:spPr>
+          <a:xfrm>
+            <a:off x="490250" y="450150"/>
+            <a:ext cx="6367800" cy="4090800"/>
+          </a:xfrm>
+          <a:prstGeom prst="rect">
+            <a:avLst/>
+          </a:prstGeom>
+        </p:spPr>
+        <p:txBody>
+          <a:bodyPr spcFirstLastPara="1" wrap="square" lIns="91425" tIns="91425" rIns="91425" bIns="91425" anchor="ctr" anchorCtr="0">
+            <a:normAutofit/>
+          </a:bodyPr>
+          <a:lstStyle>
+            <a:lvl1pPr lvl="0" rtl="0">
+              <a:spcBef>
+                <a:spcPts val="0"/>
+              </a:spcBef>
+              <a:spcAft>
+                <a:spcPts val="0"/>
+              </a:spcAft>
+              <a:buSzPts val="4800"/>
+              <a:buNone/>
+              <a:defRPr sz="4800"/>
+            </a:lvl1pPr>
+            <a:lvl2pPr lvl="1" rtl="0">
+              <a:spcBef>
+                <a:spcPts val="0"/>
+              </a:spcBef>
+              <a:spcAft>
+                <a:spcPts val="0"/>
+              </a:spcAft>
+              <a:buSzPts val="4800"/>
+              <a:buNone/>
+              <a:defRPr sz="4800"/>
+            </a:lvl2pPr>
+            <a:lvl3pPr lvl="2" rtl="0">
+              <a:spcBef>
+                <a:spcPts val="0"/>
+              </a:spcBef>
+              <a:spcAft>
+                <a:spcPts val="0"/>
+              </a:spcAft>
+              <a:buSzPts val="4800"/>
+              <a:buNone/>
+              <a:defRPr sz="4800"/>
+            </a:lvl3pPr>
+            <a:lvl4pPr lvl="3" rtl="0">
+              <a:spcBef>
+                <a:spcPts val="0"/>
+              </a:spcBef>
+              <a:spcAft>
+                <a:spcPts val="0"/>
+              </a:spcAft>
+              <a:buSzPts val="4800"/>
+              <a:buNone/>
+              <a:defRPr sz="4800"/>
+            </a:lvl4pPr>
+            <a:lvl5pPr lvl="4" rtl="0">
+              <a:spcBef>
+                <a:spcPts val="0"/>
+              </a:spcBef>
+              <a:spcAft>
+                <a:spcPts val="0"/>
+              </a:spcAft>
+              <a:buSzPts val="4800"/>
+              <a:buNone/>
+              <a:defRPr sz="4800"/>
+            </a:lvl5pPr>
+            <a:lvl6pPr lvl="5" rtl="0">
+              <a:spcBef>
+                <a:spcPts val="0"/>
+              </a:spcBef>
+              <a:spcAft>
+                <a:spcPts val="0"/>
+              </a:spcAft>
+              <a:buSzPts val="4800"/>
+              <a:buNone/>
+              <a:defRPr sz="4800"/>
+            </a:lvl6pPr>
+            <a:lvl7pPr lvl="6" rtl="0">
+              <a:spcBef>
+                <a:spcPts val="0"/>
+              </a:spcBef>
+              <a:spcAft>
+                <a:spcPts val="0"/>
+              </a:spcAft>
+              <a:buSzPts val="4800"/>
+              <a:buNone/>
+              <a:defRPr sz="4800"/>
+            </a:lvl7pPr>
+            <a:lvl8pPr lvl="7" rtl="0">
+              <a:spcBef>
+                <a:spcPts val="0"/>
+              </a:spcBef>
+              <a:spcAft>
+                <a:spcPts val="0"/>
+              </a:spcAft>
+              <a:buSzPts val="4800"/>
+              <a:buNone/>
+              <a:defRPr sz="4800"/>
+            </a:lvl8pPr>
+            <a:lvl9pPr lvl="8" rtl="0">
+              <a:spcBef>
+                <a:spcPts val="0"/>
+              </a:spcBef>
+              <a:spcAft>
+                <a:spcPts val="0"/>
+              </a:spcAft>
+              <a:buSzPts val="4800"/>
+              <a:buNone/>
+              <a:defRPr sz="4800"/>
+            </a:lvl9pPr>
+          </a:lstStyle>
+          <a:p>
+            <a:endParaRPr/>
+          </a:p>
+        </p:txBody>
+      </p:sp>
+      <p:sp>
+        <p:nvSpPr>
+          <p:cNvPr id="34" name="Google Shape;34;p8"/>
+          <p:cNvSpPr txBox="1">
+            <a:spLocks noGrp="1"/>
+          </p:cNvSpPr>
+          <p:nvPr>
+            <p:ph type="sldNum" idx="12"/>
+          </p:nvPr>
+        </p:nvSpPr>
+        <p:spPr>
+          <a:xfrm>
+            <a:off x="8472458" y="4663217"/>
+            <a:ext cx="548700" cy="393600"/>
+          </a:xfrm>
+          <a:prstGeom prst="rect">
+            <a:avLst/>
+          </a:prstGeom>
+        </p:spPr>
+        <p:txBody>
+          <a:bodyPr spcFirstLastPara="1" wrap="square" lIns="91425" tIns="91425" rIns="91425" bIns="91425" anchor="ctr" anchorCtr="0">
+            <a:normAutofit/>
+          </a:bodyPr>
+          <a:lstStyle>
+            <a:lvl1pPr lvl="0" rtl="0">
+              <a:buNone/>
+              <a:defRPr/>
+            </a:lvl1pPr>
+            <a:lvl2pPr lvl="1" rtl="0">
+              <a:buNone/>
+              <a:defRPr/>
+            </a:lvl2pPr>
+            <a:lvl3pPr lvl="2" rtl="0">
+              <a:buNone/>
+              <a:defRPr/>
+            </a:lvl3pPr>
+            <a:lvl4pPr lvl="3" rtl="0">
+              <a:buNone/>
+              <a:defRPr/>
+            </a:lvl4pPr>
+            <a:lvl5pPr lvl="4" rtl="0">
+              <a:buNone/>
+              <a:defRPr/>
+            </a:lvl5pPr>
+            <a:lvl6pPr lvl="5" rtl="0">
+              <a:buNone/>
+              <a:defRPr/>
+            </a:lvl6pPr>
+            <a:lvl7pPr lvl="6" rtl="0">
+              <a:buNone/>
+              <a:defRPr/>
+            </a:lvl7pPr>
+            <a:lvl8pPr lvl="7" rtl="0">
+              <a:buNone/>
+              <a:defRPr/>
+            </a:lvl8pPr>
+            <a:lvl9pPr lvl="8" rtl="0">
+              <a:buNone/>
+              <a:defRPr/>
+            </a:lvl9pPr>
+          </a:lstStyle>
+          <a:p>
+            <a:pPr marL="0" lvl="0" indent="0" algn="r" rtl="0">
+              <a:spcBef>
+                <a:spcPts val="0"/>
+              </a:spcBef>
+              <a:spcAft>
+                <a:spcPts val="0"/>
+              </a:spcAft>
+              <a:buNone/>
+            </a:pPr>
+            <a:fld id="{00000000-1234-1234-1234-123412341234}" type="slidenum">
+              <a:rPr lang="es"/>
+              <a:t>‹#›</a:t>
+            </a:fld>
+            <a:endParaRPr/>
+          </a:p>
+        </p:txBody>
+      </p:sp>
+    </p:spTree>
+  </p:cSld>
+  <p:clrMapOvr>
+    <a:masterClrMapping/>
+  </p:clrMapOvr>
+</p:sldLayout>
+</file>
+
+<file path=ppt/slideLayouts/slideLayout7.xml><?xml version="1.0" encoding="utf-8"?>
+<p:sldLayout xmlns:a="http://schemas.openxmlformats.org/drawingml/2006/main" xmlns:r="http://schemas.openxmlformats.org/officeDocument/2006/relationships" xmlns:p="http://schemas.openxmlformats.org/presentationml/2006/main" matchingName="Section title and description">
+  <p:cSld name="SECTION_TITLE_AND_DESCRIPTION">
+    <p:spTree>
+      <p:nvGrpSpPr>
+        <p:cNvPr id="1" name="Shape 35"/>
+        <p:cNvGrpSpPr/>
+        <p:nvPr/>
+      </p:nvGrpSpPr>
+      <p:grpSpPr>
+        <a:xfrm>
+          <a:off x="0" y="0"/>
+          <a:ext cx="0" cy="0"/>
+          <a:chOff x="0" y="0"/>
+          <a:chExt cx="0" cy="0"/>
+        </a:xfrm>
+      </p:grpSpPr>
+      <p:sp>
+        <p:nvSpPr>
+          <p:cNvPr id="36" name="Google Shape;36;p9"/>
+          <p:cNvSpPr/>
+          <p:nvPr/>
+        </p:nvSpPr>
+        <p:spPr>
+          <a:xfrm>
+            <a:off x="4572000" y="-125"/>
+            <a:ext cx="4572000" cy="5143500"/>
+          </a:xfrm>
+          <a:prstGeom prst="rect">
+            <a:avLst/>
+          </a:prstGeom>
+          <a:solidFill>
+            <a:schemeClr val="lt2"/>
+          </a:solidFill>
+          <a:ln>
+            <a:noFill/>
+          </a:ln>
+        </p:spPr>
+        <p:txBody>
+          <a:bodyPr spcFirstLastPara="1" wrap="square" lIns="91425" tIns="91425" rIns="91425" bIns="91425" anchor="ctr" anchorCtr="0">
+            <a:noAutofit/>
+          </a:bodyPr>
+          <a:lstStyle/>
+          <a:p>
+            <a:pPr marL="0" lvl="0" indent="0" algn="l" rtl="0">
+              <a:spcBef>
+                <a:spcPts val="0"/>
+              </a:spcBef>
+              <a:spcAft>
+                <a:spcPts val="0"/>
+              </a:spcAft>
+              <a:buNone/>
+            </a:pPr>
+            <a:endParaRPr/>
+          </a:p>
+        </p:txBody>
+      </p:sp>
+      <p:sp>
+        <p:nvSpPr>
+          <p:cNvPr id="37" name="Google Shape;37;p9"/>
+          <p:cNvSpPr txBox="1">
+            <a:spLocks noGrp="1"/>
+          </p:cNvSpPr>
+          <p:nvPr>
+            <p:ph type="title"/>
+          </p:nvPr>
+        </p:nvSpPr>
+        <p:spPr>
+          <a:xfrm>
+            <a:off x="265500" y="1233175"/>
+            <a:ext cx="4045200" cy="1482300"/>
+          </a:xfrm>
+          <a:prstGeom prst="rect">
+            <a:avLst/>
+          </a:prstGeom>
+        </p:spPr>
+        <p:txBody>
+          <a:bodyPr spcFirstLastPara="1" wrap="square" lIns="91425" tIns="91425" rIns="91425" bIns="91425" anchor="b" anchorCtr="0">
+            <a:normAutofit/>
+          </a:bodyPr>
+          <a:lstStyle>
+            <a:lvl1pPr lvl="0" algn="ctr" rtl="0">
+              <a:spcBef>
+                <a:spcPts val="0"/>
+              </a:spcBef>
+              <a:spcAft>
+                <a:spcPts val="0"/>
+              </a:spcAft>
+              <a:buSzPts val="4200"/>
+              <a:buNone/>
+              <a:defRPr sz="4200"/>
+            </a:lvl1pPr>
+            <a:lvl2pPr lvl="1" algn="ctr" rtl="0">
+              <a:spcBef>
+                <a:spcPts val="0"/>
+              </a:spcBef>
+              <a:spcAft>
+                <a:spcPts val="0"/>
+              </a:spcAft>
+              <a:buSzPts val="4200"/>
+              <a:buNone/>
+              <a:defRPr sz="4200"/>
+            </a:lvl2pPr>
+            <a:lvl3pPr lvl="2" algn="ctr" rtl="0">
+              <a:spcBef>
+                <a:spcPts val="0"/>
+              </a:spcBef>
+              <a:spcAft>
+                <a:spcPts val="0"/>
+              </a:spcAft>
+              <a:buSzPts val="4200"/>
+              <a:buNone/>
+              <a:defRPr sz="4200"/>
+            </a:lvl3pPr>
+            <a:lvl4pPr lvl="3" algn="ctr" rtl="0">
+              <a:spcBef>
+                <a:spcPts val="0"/>
+              </a:spcBef>
+              <a:spcAft>
+                <a:spcPts val="0"/>
+              </a:spcAft>
+              <a:buSzPts val="4200"/>
+              <a:buNone/>
+              <a:defRPr sz="4200"/>
+            </a:lvl4pPr>
+            <a:lvl5pPr lvl="4" algn="ctr" rtl="0">
+              <a:spcBef>
+                <a:spcPts val="0"/>
+              </a:spcBef>
+              <a:spcAft>
+                <a:spcPts val="0"/>
+              </a:spcAft>
+              <a:buSzPts val="4200"/>
+              <a:buNone/>
+              <a:defRPr sz="4200"/>
+            </a:lvl5pPr>
+            <a:lvl6pPr lvl="5" algn="ctr" rtl="0">
+              <a:spcBef>
+                <a:spcPts val="0"/>
+              </a:spcBef>
+              <a:spcAft>
+                <a:spcPts val="0"/>
+              </a:spcAft>
+              <a:buSzPts val="4200"/>
+              <a:buNone/>
+              <a:defRPr sz="4200"/>
+            </a:lvl6pPr>
+            <a:lvl7pPr lvl="6" algn="ctr" rtl="0">
+              <a:spcBef>
+                <a:spcPts val="0"/>
+              </a:spcBef>
+              <a:spcAft>
+                <a:spcPts val="0"/>
+              </a:spcAft>
+              <a:buSzPts val="4200"/>
+              <a:buNone/>
+              <a:defRPr sz="4200"/>
+            </a:lvl7pPr>
+            <a:lvl8pPr lvl="7" algn="ctr" rtl="0">
+              <a:spcBef>
+                <a:spcPts val="0"/>
+              </a:spcBef>
+              <a:spcAft>
+                <a:spcPts val="0"/>
+              </a:spcAft>
+              <a:buSzPts val="4200"/>
+              <a:buNone/>
+              <a:defRPr sz="4200"/>
+            </a:lvl8pPr>
+            <a:lvl9pPr lvl="8" algn="ctr" rtl="0">
+              <a:spcBef>
+                <a:spcPts val="0"/>
+              </a:spcBef>
+              <a:spcAft>
+                <a:spcPts val="0"/>
+              </a:spcAft>
+              <a:buSzPts val="4200"/>
+              <a:buNone/>
+              <a:defRPr sz="4200"/>
+            </a:lvl9pPr>
+          </a:lstStyle>
+          <a:p>
+            <a:endParaRPr/>
+          </a:p>
+        </p:txBody>
+      </p:sp>
+      <p:sp>
+        <p:nvSpPr>
+          <p:cNvPr id="38" name="Google Shape;38;p9"/>
+          <p:cNvSpPr txBox="1">
+            <a:spLocks noGrp="1"/>
+          </p:cNvSpPr>
+          <p:nvPr>
+            <p:ph type="subTitle" idx="1"/>
+          </p:nvPr>
+        </p:nvSpPr>
+        <p:spPr>
+          <a:xfrm>
+            <a:off x="265500" y="2803075"/>
+            <a:ext cx="4045200" cy="1235100"/>
+          </a:xfrm>
+          <a:prstGeom prst="rect">
+            <a:avLst/>
+          </a:prstGeom>
+        </p:spPr>
+        <p:txBody>
+          <a:bodyPr spcFirstLastPara="1" wrap="square" lIns="91425" tIns="91425" rIns="91425" bIns="91425" anchor="t" anchorCtr="0">
+            <a:normAutofit/>
+          </a:bodyPr>
+          <a:lstStyle>
+            <a:lvl1pPr lvl="0" algn="ctr" rtl="0">
+              <a:lnSpc>
+                <a:spcPct val="100000"/>
+              </a:lnSpc>
+              <a:spcBef>
+                <a:spcPts val="0"/>
+              </a:spcBef>
+              <a:spcAft>
+                <a:spcPts val="0"/>
+              </a:spcAft>
+              <a:buSzPts val="2100"/>
+              <a:buNone/>
+              <a:defRPr sz="2100"/>
+            </a:lvl1pPr>
+            <a:lvl2pPr lvl="1" algn="ctr" rtl="0">
+              <a:lnSpc>
+                <a:spcPct val="100000"/>
+              </a:lnSpc>
+              <a:spcBef>
+                <a:spcPts val="0"/>
+              </a:spcBef>
+              <a:spcAft>
+                <a:spcPts val="0"/>
+              </a:spcAft>
+              <a:buSzPts val="2100"/>
+              <a:buNone/>
+              <a:defRPr sz="2100"/>
+            </a:lvl2pPr>
+            <a:lvl3pPr lvl="2" algn="ctr" rtl="0">
+              <a:lnSpc>
+                <a:spcPct val="100000"/>
+              </a:lnSpc>
+              <a:spcBef>
+                <a:spcPts val="0"/>
+              </a:spcBef>
+              <a:spcAft>
+                <a:spcPts val="0"/>
+              </a:spcAft>
+              <a:buSzPts val="2100"/>
+              <a:buNone/>
+              <a:defRPr sz="2100"/>
+            </a:lvl3pPr>
+            <a:lvl4pPr lvl="3" algn="ctr" rtl="0">
+              <a:lnSpc>
+                <a:spcPct val="100000"/>
+              </a:lnSpc>
+              <a:spcBef>
+                <a:spcPts val="0"/>
+              </a:spcBef>
+              <a:spcAft>
+                <a:spcPts val="0"/>
+              </a:spcAft>
+              <a:buSzPts val="2100"/>
+              <a:buNone/>
+              <a:defRPr sz="2100"/>
+            </a:lvl4pPr>
+            <a:lvl5pPr lvl="4" algn="ctr" rtl="0">
+              <a:lnSpc>
+                <a:spcPct val="100000"/>
+              </a:lnSpc>
+              <a:spcBef>
+                <a:spcPts val="0"/>
+              </a:spcBef>
+              <a:spcAft>
+                <a:spcPts val="0"/>
+              </a:spcAft>
+              <a:buSzPts val="2100"/>
+              <a:buNone/>
+              <a:defRPr sz="2100"/>
+            </a:lvl5pPr>
+            <a:lvl6pPr lvl="5" algn="ctr" rtl="0">
+              <a:lnSpc>
+                <a:spcPct val="100000"/>
+              </a:lnSpc>
+              <a:spcBef>
+                <a:spcPts val="0"/>
+              </a:spcBef>
+              <a:spcAft>
+                <a:spcPts val="0"/>
+              </a:spcAft>
+              <a:buSzPts val="2100"/>
+              <a:buNone/>
+              <a:defRPr sz="2100"/>
+            </a:lvl6pPr>
+            <a:lvl7pPr lvl="6" algn="ctr" rtl="0">
+              <a:lnSpc>
+                <a:spcPct val="100000"/>
+              </a:lnSpc>
+              <a:spcBef>
+                <a:spcPts val="0"/>
+              </a:spcBef>
+              <a:spcAft>
+                <a:spcPts val="0"/>
+              </a:spcAft>
+              <a:buSzPts val="2100"/>
+              <a:buNone/>
+              <a:defRPr sz="2100"/>
+            </a:lvl7pPr>
+            <a:lvl8pPr lvl="7" algn="ctr" rtl="0">
+              <a:lnSpc>
+                <a:spcPct val="100000"/>
+              </a:lnSpc>
+              <a:spcBef>
+                <a:spcPts val="0"/>
+              </a:spcBef>
+              <a:spcAft>
+                <a:spcPts val="0"/>
+              </a:spcAft>
+              <a:buSzPts val="2100"/>
+              <a:buNone/>
+              <a:defRPr sz="2100"/>
+            </a:lvl8pPr>
+            <a:lvl9pPr lvl="8" algn="ctr" rtl="0">
+              <a:lnSpc>
+                <a:spcPct val="100000"/>
+              </a:lnSpc>
+              <a:spcBef>
+                <a:spcPts val="0"/>
+              </a:spcBef>
+              <a:spcAft>
+                <a:spcPts val="0"/>
+              </a:spcAft>
+              <a:buSzPts val="2100"/>
+              <a:buNone/>
+              <a:defRPr sz="2100"/>
+            </a:lvl9pPr>
+          </a:lstStyle>
+          <a:p>
+            <a:endParaRPr/>
+          </a:p>
+        </p:txBody>
+      </p:sp>
+      <p:sp>
+        <p:nvSpPr>
+          <p:cNvPr id="39" name="Google Shape;39;p9"/>
+          <p:cNvSpPr txBox="1">
+            <a:spLocks noGrp="1"/>
+          </p:cNvSpPr>
+          <p:nvPr>
+            <p:ph type="body" idx="2"/>
+          </p:nvPr>
+        </p:nvSpPr>
+        <p:spPr>
+          <a:xfrm>
+            <a:off x="4939500" y="724075"/>
+            <a:ext cx="3837000" cy="3695100"/>
+          </a:xfrm>
+          <a:prstGeom prst="rect">
+            <a:avLst/>
+          </a:prstGeom>
+        </p:spPr>
+        <p:txBody>
+          <a:bodyPr spcFirstLastPara="1" wrap="square" lIns="91425" tIns="91425" rIns="91425" bIns="91425" anchor="ctr" anchorCtr="0">
+            <a:normAutofit/>
+          </a:bodyPr>
+          <a:lstStyle>
+            <a:lvl1pPr marL="457200" lvl="0" indent="-342900" rtl="0">
+              <a:spcBef>
+                <a:spcPts val="0"/>
+              </a:spcBef>
+              <a:spcAft>
+                <a:spcPts val="0"/>
+              </a:spcAft>
+              <a:buSzPts val="1800"/>
+              <a:buChar char="●"/>
+              <a:defRPr/>
+            </a:lvl1pPr>
+            <a:lvl2pPr marL="914400" lvl="1" indent="-317500" rtl="0">
+              <a:spcBef>
+                <a:spcPts val="0"/>
+              </a:spcBef>
+              <a:spcAft>
+                <a:spcPts val="0"/>
+              </a:spcAft>
+              <a:buSzPts val="1400"/>
+              <a:buChar char="○"/>
+              <a:defRPr/>
+            </a:lvl2pPr>
+            <a:lvl3pPr marL="1371600" lvl="2" indent="-317500" rtl="0">
+              <a:spcBef>
+                <a:spcPts val="0"/>
+              </a:spcBef>
+              <a:spcAft>
+                <a:spcPts val="0"/>
+              </a:spcAft>
+              <a:buSzPts val="1400"/>
+              <a:buChar char="■"/>
+              <a:defRPr/>
+            </a:lvl3pPr>
+            <a:lvl4pPr marL="1828800" lvl="3" indent="-317500" rtl="0">
+              <a:spcBef>
+                <a:spcPts val="0"/>
+              </a:spcBef>
+              <a:spcAft>
+                <a:spcPts val="0"/>
+              </a:spcAft>
+              <a:buSzPts val="1400"/>
+              <a:buChar char="●"/>
+              <a:defRPr/>
+            </a:lvl4pPr>
+            <a:lvl5pPr marL="2286000" lvl="4" indent="-317500" rtl="0">
+              <a:spcBef>
+                <a:spcPts val="0"/>
+              </a:spcBef>
+              <a:spcAft>
+                <a:spcPts val="0"/>
+              </a:spcAft>
+              <a:buSzPts val="1400"/>
+              <a:buChar char="○"/>
+              <a:defRPr/>
+            </a:lvl5pPr>
+            <a:lvl6pPr marL="2743200" lvl="5" indent="-317500" rtl="0">
+              <a:spcBef>
+                <a:spcPts val="0"/>
+              </a:spcBef>
+              <a:spcAft>
+                <a:spcPts val="0"/>
+              </a:spcAft>
+              <a:buSzPts val="1400"/>
+              <a:buChar char="■"/>
+              <a:defRPr/>
+            </a:lvl6pPr>
+            <a:lvl7pPr marL="3200400" lvl="6" indent="-317500" rtl="0">
+              <a:spcBef>
+                <a:spcPts val="0"/>
+              </a:spcBef>
+              <a:spcAft>
+                <a:spcPts val="0"/>
+              </a:spcAft>
+              <a:buSzPts val="1400"/>
+              <a:buChar char="●"/>
+              <a:defRPr/>
+            </a:lvl7pPr>
+            <a:lvl8pPr marL="3657600" lvl="7" indent="-317500" rtl="0">
+              <a:spcBef>
+                <a:spcPts val="0"/>
+              </a:spcBef>
+              <a:spcAft>
+                <a:spcPts val="0"/>
+              </a:spcAft>
+              <a:buSzPts val="1400"/>
+              <a:buChar char="○"/>
+              <a:defRPr/>
+            </a:lvl8pPr>
+            <a:lvl9pPr marL="4114800" lvl="8" indent="-317500" rtl="0">
+              <a:spcBef>
+                <a:spcPts val="0"/>
+              </a:spcBef>
+              <a:spcAft>
+                <a:spcPts val="0"/>
+              </a:spcAft>
+              <a:buSzPts val="1400"/>
+              <a:buChar char="■"/>
+              <a:defRPr/>
+            </a:lvl9pPr>
+          </a:lstStyle>
+          <a:p>
+            <a:endParaRPr/>
+          </a:p>
+        </p:txBody>
+      </p:sp>
+      <p:sp>
+        <p:nvSpPr>
+          <p:cNvPr id="40" name="Google Shape;40;p9"/>
+          <p:cNvSpPr txBox="1">
+            <a:spLocks noGrp="1"/>
+          </p:cNvSpPr>
+          <p:nvPr>
+            <p:ph type="sldNum" idx="12"/>
+          </p:nvPr>
+        </p:nvSpPr>
+        <p:spPr>
+          <a:xfrm>
+            <a:off x="8472458" y="4663217"/>
+            <a:ext cx="548700" cy="393600"/>
+          </a:xfrm>
+          <a:prstGeom prst="rect">
+            <a:avLst/>
+          </a:prstGeom>
+        </p:spPr>
+        <p:txBody>
+          <a:bodyPr spcFirstLastPara="1" wrap="square" lIns="91425" tIns="91425" rIns="91425" bIns="91425" anchor="ctr" anchorCtr="0">
+            <a:normAutofit/>
+          </a:bodyPr>
+          <a:lstStyle>
+            <a:lvl1pPr lvl="0" rtl="0">
+              <a:buNone/>
+              <a:defRPr/>
+            </a:lvl1pPr>
+            <a:lvl2pPr lvl="1" rtl="0">
+              <a:buNone/>
+              <a:defRPr/>
+            </a:lvl2pPr>
+            <a:lvl3pPr lvl="2" rtl="0">
+              <a:buNone/>
+              <a:defRPr/>
+            </a:lvl3pPr>
+            <a:lvl4pPr lvl="3" rtl="0">
+              <a:buNone/>
+              <a:defRPr/>
+            </a:lvl4pPr>
+            <a:lvl5pPr lvl="4" rtl="0">
+              <a:buNone/>
+              <a:defRPr/>
+            </a:lvl5pPr>
+            <a:lvl6pPr lvl="5" rtl="0">
+              <a:buNone/>
+              <a:defRPr/>
+            </a:lvl6pPr>
+            <a:lvl7pPr lvl="6" rtl="0">
+              <a:buNone/>
+              <a:defRPr/>
+            </a:lvl7pPr>
+            <a:lvl8pPr lvl="7" rtl="0">
+              <a:buNone/>
+              <a:defRPr/>
+            </a:lvl8pPr>
+            <a:lvl9pPr lvl="8" rtl="0">
+              <a:buNone/>
+              <a:defRPr/>
+            </a:lvl9pPr>
+          </a:lstStyle>
+          <a:p>
+            <a:pPr marL="0" lvl="0" indent="0" algn="r" rtl="0">
+              <a:spcBef>
+                <a:spcPts val="0"/>
+              </a:spcBef>
+              <a:spcAft>
+                <a:spcPts val="0"/>
+              </a:spcAft>
+              <a:buNone/>
+            </a:pPr>
+            <a:fld id="{00000000-1234-1234-1234-123412341234}" type="slidenum">
+              <a:rPr lang="es"/>
+              <a:t>‹#›</a:t>
+            </a:fld>
+            <a:endParaRPr/>
+          </a:p>
+        </p:txBody>
+      </p:sp>
+    </p:spTree>
+  </p:cSld>
+  <p:clrMapOvr>
+    <a:masterClrMapping/>
+  </p:clrMapOvr>
+</p:sldLayout>
+</file>
+
+<file path=ppt/slideLayouts/slideLayout8.xml><?xml version="1.0" encoding="utf-8"?>
+<p:sldLayout xmlns:a="http://schemas.openxmlformats.org/drawingml/2006/main" xmlns:r="http://schemas.openxmlformats.org/officeDocument/2006/relationships" xmlns:p="http://schemas.openxmlformats.org/presentationml/2006/main" matchingName="Caption">
+  <p:cSld name="CAPTION_ONLY">
+    <p:spTree>
+      <p:nvGrpSpPr>
+        <p:cNvPr id="1" name="Shape 41"/>
+        <p:cNvGrpSpPr/>
+        <p:nvPr/>
+      </p:nvGrpSpPr>
+      <p:grpSpPr>
+        <a:xfrm>
+          <a:off x="0" y="0"/>
+          <a:ext cx="0" cy="0"/>
+          <a:chOff x="0" y="0"/>
+          <a:chExt cx="0" cy="0"/>
+        </a:xfrm>
+      </p:grpSpPr>
+      <p:sp>
+        <p:nvSpPr>
+          <p:cNvPr id="42" name="Google Shape;42;p10"/>
+          <p:cNvSpPr txBox="1">
+            <a:spLocks noGrp="1"/>
+          </p:cNvSpPr>
+          <p:nvPr>
+            <p:ph type="body" idx="1"/>
+          </p:nvPr>
+        </p:nvSpPr>
+        <p:spPr>
+          <a:xfrm>
+            <a:off x="311700" y="4230575"/>
+            <a:ext cx="5998800" cy="605100"/>
+          </a:xfrm>
+          <a:prstGeom prst="rect">
+            <a:avLst/>
+          </a:prstGeom>
+        </p:spPr>
+        <p:txBody>
+          <a:bodyPr spcFirstLastPara="1" wrap="square" lIns="91425" tIns="91425" rIns="91425" bIns="91425" anchor="ctr" anchorCtr="0">
+            <a:normAutofit/>
+          </a:bodyPr>
+          <a:lstStyle>
+            <a:lvl1pPr marL="457200" lvl="0" indent="-228600" rtl="0">
+              <a:lnSpc>
+                <a:spcPct val="100000"/>
+              </a:lnSpc>
+              <a:spcBef>
+                <a:spcPts val="0"/>
+              </a:spcBef>
+              <a:spcAft>
+                <a:spcPts val="0"/>
+              </a:spcAft>
+              <a:buSzPts val="1800"/>
+              <a:buNone/>
+              <a:defRPr/>
+            </a:lvl1pPr>
+          </a:lstStyle>
+          <a:p>
+            <a:endParaRPr/>
+          </a:p>
+        </p:txBody>
+      </p:sp>
+      <p:sp>
+        <p:nvSpPr>
+          <p:cNvPr id="43" name="Google Shape;43;p10"/>
+          <p:cNvSpPr txBox="1">
+            <a:spLocks noGrp="1"/>
+          </p:cNvSpPr>
+          <p:nvPr>
+            <p:ph type="sldNum" idx="12"/>
+          </p:nvPr>
+        </p:nvSpPr>
+        <p:spPr>
+          <a:xfrm>
+            <a:off x="8472458" y="4663217"/>
+            <a:ext cx="548700" cy="393600"/>
+          </a:xfrm>
+          <a:prstGeom prst="rect">
+            <a:avLst/>
+          </a:prstGeom>
+        </p:spPr>
+        <p:txBody>
+          <a:bodyPr spcFirstLastPara="1" wrap="square" lIns="91425" tIns="91425" rIns="91425" bIns="91425" anchor="ctr" anchorCtr="0">
+            <a:normAutofit/>
+          </a:bodyPr>
+          <a:lstStyle>
+            <a:lvl1pPr lvl="0" rtl="0">
+              <a:buNone/>
+              <a:defRPr/>
+            </a:lvl1pPr>
+            <a:lvl2pPr lvl="1" rtl="0">
+              <a:buNone/>
+              <a:defRPr/>
+            </a:lvl2pPr>
+            <a:lvl3pPr lvl="2" rtl="0">
+              <a:buNone/>
+              <a:defRPr/>
+            </a:lvl3pPr>
+            <a:lvl4pPr lvl="3" rtl="0">
+              <a:buNone/>
+              <a:defRPr/>
+            </a:lvl4pPr>
+            <a:lvl5pPr lvl="4" rtl="0">
+              <a:buNone/>
+              <a:defRPr/>
+            </a:lvl5pPr>
+            <a:lvl6pPr lvl="5" rtl="0">
+              <a:buNone/>
+              <a:defRPr/>
+            </a:lvl6pPr>
+            <a:lvl7pPr lvl="6" rtl="0">
+              <a:buNone/>
+              <a:defRPr/>
+            </a:lvl7pPr>
+            <a:lvl8pPr lvl="7" rtl="0">
+              <a:buNone/>
+              <a:defRPr/>
+            </a:lvl8pPr>
+            <a:lvl9pPr lvl="8" rtl="0">
+              <a:buNone/>
+              <a:defRPr/>
+            </a:lvl9pPr>
+          </a:lstStyle>
+          <a:p>
+            <a:pPr marL="0" lvl="0" indent="0" algn="r" rtl="0">
+              <a:spcBef>
+                <a:spcPts val="0"/>
+              </a:spcBef>
+              <a:spcAft>
+                <a:spcPts val="0"/>
+              </a:spcAft>
+              <a:buNone/>
+            </a:pPr>
+            <a:fld id="{00000000-1234-1234-1234-123412341234}" type="slidenum">
+              <a:rPr lang="es"/>
+              <a:t>‹#›</a:t>
+            </a:fld>
+            <a:endParaRPr/>
+          </a:p>
+        </p:txBody>
+      </p:sp>
+    </p:spTree>
+  </p:cSld>
+  <p:clrMapOvr>
+    <a:masterClrMapping/>
+  </p:clrMapOvr>
+</p:sldLayout>
+</file>
+
+<file path=ppt/slideLayouts/slideLayout9.xml><?xml version="1.0" encoding="utf-8"?>
 <p:sldLayout xmlns:a="http://schemas.openxmlformats.org/drawingml/2006/main" xmlns:r="http://schemas.openxmlformats.org/officeDocument/2006/relationships" xmlns:p="http://schemas.openxmlformats.org/presentationml/2006/main" matchingName="Big number">
   <p:cSld name="BIG_NUMBER">
     <p:spTree>
@@ -3563,2731 +6169,7 @@
             </a:pPr>
             <a:fld id="{00000000-1234-1234-1234-123412341234}" type="slidenum">
               <a:rPr lang="es"/>
-              <a:t>‹Nº›</a:t>
-            </a:fld>
-            <a:endParaRPr/>
-          </a:p>
-        </p:txBody>
-      </p:sp>
-    </p:spTree>
-  </p:cSld>
-  <p:clrMapOvr>
-    <a:masterClrMapping/>
-  </p:clrMapOvr>
-</p:sldLayout>
-</file>
-
-<file path=ppt/slideLayouts/slideLayout11.xml><?xml version="1.0" encoding="utf-8"?>
-<p:sldLayout xmlns:a="http://schemas.openxmlformats.org/drawingml/2006/main" xmlns:r="http://schemas.openxmlformats.org/officeDocument/2006/relationships" xmlns:p="http://schemas.openxmlformats.org/presentationml/2006/main" matchingName="Blank" type="blank">
-  <p:cSld name="BLANK">
-    <p:spTree>
-      <p:nvGrpSpPr>
-        <p:cNvPr id="1" name="Shape 48"/>
-        <p:cNvGrpSpPr/>
-        <p:nvPr/>
-      </p:nvGrpSpPr>
-      <p:grpSpPr>
-        <a:xfrm>
-          <a:off x="0" y="0"/>
-          <a:ext cx="0" cy="0"/>
-          <a:chOff x="0" y="0"/>
-          <a:chExt cx="0" cy="0"/>
-        </a:xfrm>
-      </p:grpSpPr>
-      <p:sp>
-        <p:nvSpPr>
-          <p:cNvPr id="49" name="Google Shape;49;p12"/>
-          <p:cNvSpPr txBox="1">
-            <a:spLocks noGrp="1"/>
-          </p:cNvSpPr>
-          <p:nvPr>
-            <p:ph type="sldNum" idx="12"/>
-          </p:nvPr>
-        </p:nvSpPr>
-        <p:spPr>
-          <a:xfrm>
-            <a:off x="8472458" y="4663217"/>
-            <a:ext cx="548700" cy="393600"/>
-          </a:xfrm>
-          <a:prstGeom prst="rect">
-            <a:avLst/>
-          </a:prstGeom>
-        </p:spPr>
-        <p:txBody>
-          <a:bodyPr spcFirstLastPara="1" wrap="square" lIns="91425" tIns="91425" rIns="91425" bIns="91425" anchor="ctr" anchorCtr="0">
-            <a:normAutofit/>
-          </a:bodyPr>
-          <a:lstStyle>
-            <a:lvl1pPr lvl="0" rtl="0">
-              <a:buNone/>
-              <a:defRPr/>
-            </a:lvl1pPr>
-            <a:lvl2pPr lvl="1" rtl="0">
-              <a:buNone/>
-              <a:defRPr/>
-            </a:lvl2pPr>
-            <a:lvl3pPr lvl="2" rtl="0">
-              <a:buNone/>
-              <a:defRPr/>
-            </a:lvl3pPr>
-            <a:lvl4pPr lvl="3" rtl="0">
-              <a:buNone/>
-              <a:defRPr/>
-            </a:lvl4pPr>
-            <a:lvl5pPr lvl="4" rtl="0">
-              <a:buNone/>
-              <a:defRPr/>
-            </a:lvl5pPr>
-            <a:lvl6pPr lvl="5" rtl="0">
-              <a:buNone/>
-              <a:defRPr/>
-            </a:lvl6pPr>
-            <a:lvl7pPr lvl="6" rtl="0">
-              <a:buNone/>
-              <a:defRPr/>
-            </a:lvl7pPr>
-            <a:lvl8pPr lvl="7" rtl="0">
-              <a:buNone/>
-              <a:defRPr/>
-            </a:lvl8pPr>
-            <a:lvl9pPr lvl="8" rtl="0">
-              <a:buNone/>
-              <a:defRPr/>
-            </a:lvl9pPr>
-          </a:lstStyle>
-          <a:p>
-            <a:pPr marL="0" lvl="0" indent="0" algn="r" rtl="0">
-              <a:spcBef>
-                <a:spcPts val="0"/>
-              </a:spcBef>
-              <a:spcAft>
-                <a:spcPts val="0"/>
-              </a:spcAft>
-              <a:buNone/>
-            </a:pPr>
-            <a:fld id="{00000000-1234-1234-1234-123412341234}" type="slidenum">
-              <a:rPr lang="es"/>
-              <a:t>‹Nº›</a:t>
-            </a:fld>
-            <a:endParaRPr/>
-          </a:p>
-        </p:txBody>
-      </p:sp>
-    </p:spTree>
-  </p:cSld>
-  <p:clrMapOvr>
-    <a:masterClrMapping/>
-  </p:clrMapOvr>
-</p:sldLayout>
-</file>
-
-<file path=ppt/slideLayouts/slideLayout2.xml><?xml version="1.0" encoding="utf-8"?>
-<p:sldLayout xmlns:a="http://schemas.openxmlformats.org/drawingml/2006/main" xmlns:r="http://schemas.openxmlformats.org/officeDocument/2006/relationships" xmlns:p="http://schemas.openxmlformats.org/presentationml/2006/main" matchingName="Section header" type="secHead">
-  <p:cSld name="SECTION_HEADER">
-    <p:spTree>
-      <p:nvGrpSpPr>
-        <p:cNvPr id="1" name="Shape 13"/>
-        <p:cNvGrpSpPr/>
-        <p:nvPr/>
-      </p:nvGrpSpPr>
-      <p:grpSpPr>
-        <a:xfrm>
-          <a:off x="0" y="0"/>
-          <a:ext cx="0" cy="0"/>
-          <a:chOff x="0" y="0"/>
-          <a:chExt cx="0" cy="0"/>
-        </a:xfrm>
-      </p:grpSpPr>
-      <p:sp>
-        <p:nvSpPr>
-          <p:cNvPr id="14" name="Google Shape;14;p3"/>
-          <p:cNvSpPr txBox="1">
-            <a:spLocks noGrp="1"/>
-          </p:cNvSpPr>
-          <p:nvPr>
-            <p:ph type="title"/>
-          </p:nvPr>
-        </p:nvSpPr>
-        <p:spPr>
-          <a:xfrm>
-            <a:off x="311700" y="2150850"/>
-            <a:ext cx="8520600" cy="841800"/>
-          </a:xfrm>
-          <a:prstGeom prst="rect">
-            <a:avLst/>
-          </a:prstGeom>
-        </p:spPr>
-        <p:txBody>
-          <a:bodyPr spcFirstLastPara="1" wrap="square" lIns="91425" tIns="91425" rIns="91425" bIns="91425" anchor="ctr" anchorCtr="0">
-            <a:normAutofit/>
-          </a:bodyPr>
-          <a:lstStyle>
-            <a:lvl1pPr lvl="0" algn="ctr" rtl="0">
-              <a:spcBef>
-                <a:spcPts val="0"/>
-              </a:spcBef>
-              <a:spcAft>
-                <a:spcPts val="0"/>
-              </a:spcAft>
-              <a:buSzPts val="3600"/>
-              <a:buNone/>
-              <a:defRPr sz="3600"/>
-            </a:lvl1pPr>
-            <a:lvl2pPr lvl="1" algn="ctr" rtl="0">
-              <a:spcBef>
-                <a:spcPts val="0"/>
-              </a:spcBef>
-              <a:spcAft>
-                <a:spcPts val="0"/>
-              </a:spcAft>
-              <a:buSzPts val="3600"/>
-              <a:buNone/>
-              <a:defRPr sz="3600"/>
-            </a:lvl2pPr>
-            <a:lvl3pPr lvl="2" algn="ctr" rtl="0">
-              <a:spcBef>
-                <a:spcPts val="0"/>
-              </a:spcBef>
-              <a:spcAft>
-                <a:spcPts val="0"/>
-              </a:spcAft>
-              <a:buSzPts val="3600"/>
-              <a:buNone/>
-              <a:defRPr sz="3600"/>
-            </a:lvl3pPr>
-            <a:lvl4pPr lvl="3" algn="ctr" rtl="0">
-              <a:spcBef>
-                <a:spcPts val="0"/>
-              </a:spcBef>
-              <a:spcAft>
-                <a:spcPts val="0"/>
-              </a:spcAft>
-              <a:buSzPts val="3600"/>
-              <a:buNone/>
-              <a:defRPr sz="3600"/>
-            </a:lvl4pPr>
-            <a:lvl5pPr lvl="4" algn="ctr" rtl="0">
-              <a:spcBef>
-                <a:spcPts val="0"/>
-              </a:spcBef>
-              <a:spcAft>
-                <a:spcPts val="0"/>
-              </a:spcAft>
-              <a:buSzPts val="3600"/>
-              <a:buNone/>
-              <a:defRPr sz="3600"/>
-            </a:lvl5pPr>
-            <a:lvl6pPr lvl="5" algn="ctr" rtl="0">
-              <a:spcBef>
-                <a:spcPts val="0"/>
-              </a:spcBef>
-              <a:spcAft>
-                <a:spcPts val="0"/>
-              </a:spcAft>
-              <a:buSzPts val="3600"/>
-              <a:buNone/>
-              <a:defRPr sz="3600"/>
-            </a:lvl6pPr>
-            <a:lvl7pPr lvl="6" algn="ctr" rtl="0">
-              <a:spcBef>
-                <a:spcPts val="0"/>
-              </a:spcBef>
-              <a:spcAft>
-                <a:spcPts val="0"/>
-              </a:spcAft>
-              <a:buSzPts val="3600"/>
-              <a:buNone/>
-              <a:defRPr sz="3600"/>
-            </a:lvl7pPr>
-            <a:lvl8pPr lvl="7" algn="ctr" rtl="0">
-              <a:spcBef>
-                <a:spcPts val="0"/>
-              </a:spcBef>
-              <a:spcAft>
-                <a:spcPts val="0"/>
-              </a:spcAft>
-              <a:buSzPts val="3600"/>
-              <a:buNone/>
-              <a:defRPr sz="3600"/>
-            </a:lvl8pPr>
-            <a:lvl9pPr lvl="8" algn="ctr" rtl="0">
-              <a:spcBef>
-                <a:spcPts val="0"/>
-              </a:spcBef>
-              <a:spcAft>
-                <a:spcPts val="0"/>
-              </a:spcAft>
-              <a:buSzPts val="3600"/>
-              <a:buNone/>
-              <a:defRPr sz="3600"/>
-            </a:lvl9pPr>
-          </a:lstStyle>
-          <a:p>
-            <a:endParaRPr/>
-          </a:p>
-        </p:txBody>
-      </p:sp>
-      <p:sp>
-        <p:nvSpPr>
-          <p:cNvPr id="15" name="Google Shape;15;p3"/>
-          <p:cNvSpPr txBox="1">
-            <a:spLocks noGrp="1"/>
-          </p:cNvSpPr>
-          <p:nvPr>
-            <p:ph type="sldNum" idx="12"/>
-          </p:nvPr>
-        </p:nvSpPr>
-        <p:spPr>
-          <a:xfrm>
-            <a:off x="8472458" y="4663217"/>
-            <a:ext cx="548700" cy="393600"/>
-          </a:xfrm>
-          <a:prstGeom prst="rect">
-            <a:avLst/>
-          </a:prstGeom>
-        </p:spPr>
-        <p:txBody>
-          <a:bodyPr spcFirstLastPara="1" wrap="square" lIns="91425" tIns="91425" rIns="91425" bIns="91425" anchor="ctr" anchorCtr="0">
-            <a:normAutofit/>
-          </a:bodyPr>
-          <a:lstStyle>
-            <a:lvl1pPr lvl="0" rtl="0">
-              <a:buNone/>
-              <a:defRPr/>
-            </a:lvl1pPr>
-            <a:lvl2pPr lvl="1" rtl="0">
-              <a:buNone/>
-              <a:defRPr/>
-            </a:lvl2pPr>
-            <a:lvl3pPr lvl="2" rtl="0">
-              <a:buNone/>
-              <a:defRPr/>
-            </a:lvl3pPr>
-            <a:lvl4pPr lvl="3" rtl="0">
-              <a:buNone/>
-              <a:defRPr/>
-            </a:lvl4pPr>
-            <a:lvl5pPr lvl="4" rtl="0">
-              <a:buNone/>
-              <a:defRPr/>
-            </a:lvl5pPr>
-            <a:lvl6pPr lvl="5" rtl="0">
-              <a:buNone/>
-              <a:defRPr/>
-            </a:lvl6pPr>
-            <a:lvl7pPr lvl="6" rtl="0">
-              <a:buNone/>
-              <a:defRPr/>
-            </a:lvl7pPr>
-            <a:lvl8pPr lvl="7" rtl="0">
-              <a:buNone/>
-              <a:defRPr/>
-            </a:lvl8pPr>
-            <a:lvl9pPr lvl="8" rtl="0">
-              <a:buNone/>
-              <a:defRPr/>
-            </a:lvl9pPr>
-          </a:lstStyle>
-          <a:p>
-            <a:pPr marL="0" lvl="0" indent="0" algn="r" rtl="0">
-              <a:spcBef>
-                <a:spcPts val="0"/>
-              </a:spcBef>
-              <a:spcAft>
-                <a:spcPts val="0"/>
-              </a:spcAft>
-              <a:buNone/>
-            </a:pPr>
-            <a:fld id="{00000000-1234-1234-1234-123412341234}" type="slidenum">
-              <a:rPr lang="es"/>
-              <a:t>‹Nº›</a:t>
-            </a:fld>
-            <a:endParaRPr/>
-          </a:p>
-        </p:txBody>
-      </p:sp>
-    </p:spTree>
-  </p:cSld>
-  <p:clrMapOvr>
-    <a:masterClrMapping/>
-  </p:clrMapOvr>
-</p:sldLayout>
-</file>
-
-<file path=ppt/slideLayouts/slideLayout3.xml><?xml version="1.0" encoding="utf-8"?>
-<p:sldLayout xmlns:a="http://schemas.openxmlformats.org/drawingml/2006/main" xmlns:r="http://schemas.openxmlformats.org/officeDocument/2006/relationships" xmlns:p="http://schemas.openxmlformats.org/presentationml/2006/main" matchingName="Title and body" type="tx">
-  <p:cSld name="TITLE_AND_BODY">
-    <p:spTree>
-      <p:nvGrpSpPr>
-        <p:cNvPr id="1" name="Shape 16"/>
-        <p:cNvGrpSpPr/>
-        <p:nvPr/>
-      </p:nvGrpSpPr>
-      <p:grpSpPr>
-        <a:xfrm>
-          <a:off x="0" y="0"/>
-          <a:ext cx="0" cy="0"/>
-          <a:chOff x="0" y="0"/>
-          <a:chExt cx="0" cy="0"/>
-        </a:xfrm>
-      </p:grpSpPr>
-      <p:sp>
-        <p:nvSpPr>
-          <p:cNvPr id="17" name="Google Shape;17;p4"/>
-          <p:cNvSpPr txBox="1">
-            <a:spLocks noGrp="1"/>
-          </p:cNvSpPr>
-          <p:nvPr>
-            <p:ph type="title"/>
-          </p:nvPr>
-        </p:nvSpPr>
-        <p:spPr>
-          <a:xfrm>
-            <a:off x="311700" y="445025"/>
-            <a:ext cx="8520600" cy="572700"/>
-          </a:xfrm>
-          <a:prstGeom prst="rect">
-            <a:avLst/>
-          </a:prstGeom>
-        </p:spPr>
-        <p:txBody>
-          <a:bodyPr spcFirstLastPara="1" wrap="square" lIns="91425" tIns="91425" rIns="91425" bIns="91425" anchor="t" anchorCtr="0">
-            <a:normAutofit/>
-          </a:bodyPr>
-          <a:lstStyle>
-            <a:lvl1pPr lvl="0" rtl="0">
-              <a:spcBef>
-                <a:spcPts val="0"/>
-              </a:spcBef>
-              <a:spcAft>
-                <a:spcPts val="0"/>
-              </a:spcAft>
-              <a:buSzPts val="2800"/>
-              <a:buNone/>
-              <a:defRPr/>
-            </a:lvl1pPr>
-            <a:lvl2pPr lvl="1" rtl="0">
-              <a:spcBef>
-                <a:spcPts val="0"/>
-              </a:spcBef>
-              <a:spcAft>
-                <a:spcPts val="0"/>
-              </a:spcAft>
-              <a:buSzPts val="2800"/>
-              <a:buNone/>
-              <a:defRPr/>
-            </a:lvl2pPr>
-            <a:lvl3pPr lvl="2" rtl="0">
-              <a:spcBef>
-                <a:spcPts val="0"/>
-              </a:spcBef>
-              <a:spcAft>
-                <a:spcPts val="0"/>
-              </a:spcAft>
-              <a:buSzPts val="2800"/>
-              <a:buNone/>
-              <a:defRPr/>
-            </a:lvl3pPr>
-            <a:lvl4pPr lvl="3" rtl="0">
-              <a:spcBef>
-                <a:spcPts val="0"/>
-              </a:spcBef>
-              <a:spcAft>
-                <a:spcPts val="0"/>
-              </a:spcAft>
-              <a:buSzPts val="2800"/>
-              <a:buNone/>
-              <a:defRPr/>
-            </a:lvl4pPr>
-            <a:lvl5pPr lvl="4" rtl="0">
-              <a:spcBef>
-                <a:spcPts val="0"/>
-              </a:spcBef>
-              <a:spcAft>
-                <a:spcPts val="0"/>
-              </a:spcAft>
-              <a:buSzPts val="2800"/>
-              <a:buNone/>
-              <a:defRPr/>
-            </a:lvl5pPr>
-            <a:lvl6pPr lvl="5" rtl="0">
-              <a:spcBef>
-                <a:spcPts val="0"/>
-              </a:spcBef>
-              <a:spcAft>
-                <a:spcPts val="0"/>
-              </a:spcAft>
-              <a:buSzPts val="2800"/>
-              <a:buNone/>
-              <a:defRPr/>
-            </a:lvl6pPr>
-            <a:lvl7pPr lvl="6" rtl="0">
-              <a:spcBef>
-                <a:spcPts val="0"/>
-              </a:spcBef>
-              <a:spcAft>
-                <a:spcPts val="0"/>
-              </a:spcAft>
-              <a:buSzPts val="2800"/>
-              <a:buNone/>
-              <a:defRPr/>
-            </a:lvl7pPr>
-            <a:lvl8pPr lvl="7" rtl="0">
-              <a:spcBef>
-                <a:spcPts val="0"/>
-              </a:spcBef>
-              <a:spcAft>
-                <a:spcPts val="0"/>
-              </a:spcAft>
-              <a:buSzPts val="2800"/>
-              <a:buNone/>
-              <a:defRPr/>
-            </a:lvl8pPr>
-            <a:lvl9pPr lvl="8" rtl="0">
-              <a:spcBef>
-                <a:spcPts val="0"/>
-              </a:spcBef>
-              <a:spcAft>
-                <a:spcPts val="0"/>
-              </a:spcAft>
-              <a:buSzPts val="2800"/>
-              <a:buNone/>
-              <a:defRPr/>
-            </a:lvl9pPr>
-          </a:lstStyle>
-          <a:p>
-            <a:endParaRPr/>
-          </a:p>
-        </p:txBody>
-      </p:sp>
-      <p:sp>
-        <p:nvSpPr>
-          <p:cNvPr id="18" name="Google Shape;18;p4"/>
-          <p:cNvSpPr txBox="1">
-            <a:spLocks noGrp="1"/>
-          </p:cNvSpPr>
-          <p:nvPr>
-            <p:ph type="body" idx="1"/>
-          </p:nvPr>
-        </p:nvSpPr>
-        <p:spPr>
-          <a:xfrm>
-            <a:off x="311700" y="1152475"/>
-            <a:ext cx="8520600" cy="3416400"/>
-          </a:xfrm>
-          <a:prstGeom prst="rect">
-            <a:avLst/>
-          </a:prstGeom>
-        </p:spPr>
-        <p:txBody>
-          <a:bodyPr spcFirstLastPara="1" wrap="square" lIns="91425" tIns="91425" rIns="91425" bIns="91425" anchor="t" anchorCtr="0">
-            <a:normAutofit/>
-          </a:bodyPr>
-          <a:lstStyle>
-            <a:lvl1pPr marL="457200" lvl="0" indent="-342900" rtl="0">
-              <a:spcBef>
-                <a:spcPts val="0"/>
-              </a:spcBef>
-              <a:spcAft>
-                <a:spcPts val="0"/>
-              </a:spcAft>
-              <a:buSzPts val="1800"/>
-              <a:buChar char="●"/>
-              <a:defRPr/>
-            </a:lvl1pPr>
-            <a:lvl2pPr marL="914400" lvl="1" indent="-317500" rtl="0">
-              <a:spcBef>
-                <a:spcPts val="0"/>
-              </a:spcBef>
-              <a:spcAft>
-                <a:spcPts val="0"/>
-              </a:spcAft>
-              <a:buSzPts val="1400"/>
-              <a:buChar char="○"/>
-              <a:defRPr/>
-            </a:lvl2pPr>
-            <a:lvl3pPr marL="1371600" lvl="2" indent="-317500" rtl="0">
-              <a:spcBef>
-                <a:spcPts val="0"/>
-              </a:spcBef>
-              <a:spcAft>
-                <a:spcPts val="0"/>
-              </a:spcAft>
-              <a:buSzPts val="1400"/>
-              <a:buChar char="■"/>
-              <a:defRPr/>
-            </a:lvl3pPr>
-            <a:lvl4pPr marL="1828800" lvl="3" indent="-317500" rtl="0">
-              <a:spcBef>
-                <a:spcPts val="0"/>
-              </a:spcBef>
-              <a:spcAft>
-                <a:spcPts val="0"/>
-              </a:spcAft>
-              <a:buSzPts val="1400"/>
-              <a:buChar char="●"/>
-              <a:defRPr/>
-            </a:lvl4pPr>
-            <a:lvl5pPr marL="2286000" lvl="4" indent="-317500" rtl="0">
-              <a:spcBef>
-                <a:spcPts val="0"/>
-              </a:spcBef>
-              <a:spcAft>
-                <a:spcPts val="0"/>
-              </a:spcAft>
-              <a:buSzPts val="1400"/>
-              <a:buChar char="○"/>
-              <a:defRPr/>
-            </a:lvl5pPr>
-            <a:lvl6pPr marL="2743200" lvl="5" indent="-317500" rtl="0">
-              <a:spcBef>
-                <a:spcPts val="0"/>
-              </a:spcBef>
-              <a:spcAft>
-                <a:spcPts val="0"/>
-              </a:spcAft>
-              <a:buSzPts val="1400"/>
-              <a:buChar char="■"/>
-              <a:defRPr/>
-            </a:lvl6pPr>
-            <a:lvl7pPr marL="3200400" lvl="6" indent="-317500" rtl="0">
-              <a:spcBef>
-                <a:spcPts val="0"/>
-              </a:spcBef>
-              <a:spcAft>
-                <a:spcPts val="0"/>
-              </a:spcAft>
-              <a:buSzPts val="1400"/>
-              <a:buChar char="●"/>
-              <a:defRPr/>
-            </a:lvl7pPr>
-            <a:lvl8pPr marL="3657600" lvl="7" indent="-317500" rtl="0">
-              <a:spcBef>
-                <a:spcPts val="0"/>
-              </a:spcBef>
-              <a:spcAft>
-                <a:spcPts val="0"/>
-              </a:spcAft>
-              <a:buSzPts val="1400"/>
-              <a:buChar char="○"/>
-              <a:defRPr/>
-            </a:lvl8pPr>
-            <a:lvl9pPr marL="4114800" lvl="8" indent="-317500" rtl="0">
-              <a:spcBef>
-                <a:spcPts val="0"/>
-              </a:spcBef>
-              <a:spcAft>
-                <a:spcPts val="0"/>
-              </a:spcAft>
-              <a:buSzPts val="1400"/>
-              <a:buChar char="■"/>
-              <a:defRPr/>
-            </a:lvl9pPr>
-          </a:lstStyle>
-          <a:p>
-            <a:endParaRPr/>
-          </a:p>
-        </p:txBody>
-      </p:sp>
-      <p:sp>
-        <p:nvSpPr>
-          <p:cNvPr id="19" name="Google Shape;19;p4"/>
-          <p:cNvSpPr txBox="1">
-            <a:spLocks noGrp="1"/>
-          </p:cNvSpPr>
-          <p:nvPr>
-            <p:ph type="sldNum" idx="12"/>
-          </p:nvPr>
-        </p:nvSpPr>
-        <p:spPr>
-          <a:xfrm>
-            <a:off x="8472458" y="4663217"/>
-            <a:ext cx="548700" cy="393600"/>
-          </a:xfrm>
-          <a:prstGeom prst="rect">
-            <a:avLst/>
-          </a:prstGeom>
-        </p:spPr>
-        <p:txBody>
-          <a:bodyPr spcFirstLastPara="1" wrap="square" lIns="91425" tIns="91425" rIns="91425" bIns="91425" anchor="ctr" anchorCtr="0">
-            <a:normAutofit/>
-          </a:bodyPr>
-          <a:lstStyle>
-            <a:lvl1pPr lvl="0" rtl="0">
-              <a:buNone/>
-              <a:defRPr/>
-            </a:lvl1pPr>
-            <a:lvl2pPr lvl="1" rtl="0">
-              <a:buNone/>
-              <a:defRPr/>
-            </a:lvl2pPr>
-            <a:lvl3pPr lvl="2" rtl="0">
-              <a:buNone/>
-              <a:defRPr/>
-            </a:lvl3pPr>
-            <a:lvl4pPr lvl="3" rtl="0">
-              <a:buNone/>
-              <a:defRPr/>
-            </a:lvl4pPr>
-            <a:lvl5pPr lvl="4" rtl="0">
-              <a:buNone/>
-              <a:defRPr/>
-            </a:lvl5pPr>
-            <a:lvl6pPr lvl="5" rtl="0">
-              <a:buNone/>
-              <a:defRPr/>
-            </a:lvl6pPr>
-            <a:lvl7pPr lvl="6" rtl="0">
-              <a:buNone/>
-              <a:defRPr/>
-            </a:lvl7pPr>
-            <a:lvl8pPr lvl="7" rtl="0">
-              <a:buNone/>
-              <a:defRPr/>
-            </a:lvl8pPr>
-            <a:lvl9pPr lvl="8" rtl="0">
-              <a:buNone/>
-              <a:defRPr/>
-            </a:lvl9pPr>
-          </a:lstStyle>
-          <a:p>
-            <a:pPr marL="0" lvl="0" indent="0" algn="r" rtl="0">
-              <a:spcBef>
-                <a:spcPts val="0"/>
-              </a:spcBef>
-              <a:spcAft>
-                <a:spcPts val="0"/>
-              </a:spcAft>
-              <a:buNone/>
-            </a:pPr>
-            <a:fld id="{00000000-1234-1234-1234-123412341234}" type="slidenum">
-              <a:rPr lang="es"/>
-              <a:t>‹Nº›</a:t>
-            </a:fld>
-            <a:endParaRPr/>
-          </a:p>
-        </p:txBody>
-      </p:sp>
-    </p:spTree>
-  </p:cSld>
-  <p:clrMapOvr>
-    <a:masterClrMapping/>
-  </p:clrMapOvr>
-</p:sldLayout>
-</file>
-
-<file path=ppt/slideLayouts/slideLayout4.xml><?xml version="1.0" encoding="utf-8"?>
-<p:sldLayout xmlns:a="http://schemas.openxmlformats.org/drawingml/2006/main" xmlns:r="http://schemas.openxmlformats.org/officeDocument/2006/relationships" xmlns:p="http://schemas.openxmlformats.org/presentationml/2006/main" matchingName="Title and two columns" type="twoColTx">
-  <p:cSld name="TITLE_AND_TWO_COLUMNS">
-    <p:spTree>
-      <p:nvGrpSpPr>
-        <p:cNvPr id="1" name="Shape 20"/>
-        <p:cNvGrpSpPr/>
-        <p:nvPr/>
-      </p:nvGrpSpPr>
-      <p:grpSpPr>
-        <a:xfrm>
-          <a:off x="0" y="0"/>
-          <a:ext cx="0" cy="0"/>
-          <a:chOff x="0" y="0"/>
-          <a:chExt cx="0" cy="0"/>
-        </a:xfrm>
-      </p:grpSpPr>
-      <p:sp>
-        <p:nvSpPr>
-          <p:cNvPr id="21" name="Google Shape;21;p5"/>
-          <p:cNvSpPr txBox="1">
-            <a:spLocks noGrp="1"/>
-          </p:cNvSpPr>
-          <p:nvPr>
-            <p:ph type="title"/>
-          </p:nvPr>
-        </p:nvSpPr>
-        <p:spPr>
-          <a:xfrm>
-            <a:off x="311700" y="445025"/>
-            <a:ext cx="8520600" cy="572700"/>
-          </a:xfrm>
-          <a:prstGeom prst="rect">
-            <a:avLst/>
-          </a:prstGeom>
-        </p:spPr>
-        <p:txBody>
-          <a:bodyPr spcFirstLastPara="1" wrap="square" lIns="91425" tIns="91425" rIns="91425" bIns="91425" anchor="t" anchorCtr="0">
-            <a:normAutofit/>
-          </a:bodyPr>
-          <a:lstStyle>
-            <a:lvl1pPr lvl="0" rtl="0">
-              <a:spcBef>
-                <a:spcPts val="0"/>
-              </a:spcBef>
-              <a:spcAft>
-                <a:spcPts val="0"/>
-              </a:spcAft>
-              <a:buSzPts val="2800"/>
-              <a:buNone/>
-              <a:defRPr/>
-            </a:lvl1pPr>
-            <a:lvl2pPr lvl="1" rtl="0">
-              <a:spcBef>
-                <a:spcPts val="0"/>
-              </a:spcBef>
-              <a:spcAft>
-                <a:spcPts val="0"/>
-              </a:spcAft>
-              <a:buSzPts val="2800"/>
-              <a:buNone/>
-              <a:defRPr/>
-            </a:lvl2pPr>
-            <a:lvl3pPr lvl="2" rtl="0">
-              <a:spcBef>
-                <a:spcPts val="0"/>
-              </a:spcBef>
-              <a:spcAft>
-                <a:spcPts val="0"/>
-              </a:spcAft>
-              <a:buSzPts val="2800"/>
-              <a:buNone/>
-              <a:defRPr/>
-            </a:lvl3pPr>
-            <a:lvl4pPr lvl="3" rtl="0">
-              <a:spcBef>
-                <a:spcPts val="0"/>
-              </a:spcBef>
-              <a:spcAft>
-                <a:spcPts val="0"/>
-              </a:spcAft>
-              <a:buSzPts val="2800"/>
-              <a:buNone/>
-              <a:defRPr/>
-            </a:lvl4pPr>
-            <a:lvl5pPr lvl="4" rtl="0">
-              <a:spcBef>
-                <a:spcPts val="0"/>
-              </a:spcBef>
-              <a:spcAft>
-                <a:spcPts val="0"/>
-              </a:spcAft>
-              <a:buSzPts val="2800"/>
-              <a:buNone/>
-              <a:defRPr/>
-            </a:lvl5pPr>
-            <a:lvl6pPr lvl="5" rtl="0">
-              <a:spcBef>
-                <a:spcPts val="0"/>
-              </a:spcBef>
-              <a:spcAft>
-                <a:spcPts val="0"/>
-              </a:spcAft>
-              <a:buSzPts val="2800"/>
-              <a:buNone/>
-              <a:defRPr/>
-            </a:lvl6pPr>
-            <a:lvl7pPr lvl="6" rtl="0">
-              <a:spcBef>
-                <a:spcPts val="0"/>
-              </a:spcBef>
-              <a:spcAft>
-                <a:spcPts val="0"/>
-              </a:spcAft>
-              <a:buSzPts val="2800"/>
-              <a:buNone/>
-              <a:defRPr/>
-            </a:lvl7pPr>
-            <a:lvl8pPr lvl="7" rtl="0">
-              <a:spcBef>
-                <a:spcPts val="0"/>
-              </a:spcBef>
-              <a:spcAft>
-                <a:spcPts val="0"/>
-              </a:spcAft>
-              <a:buSzPts val="2800"/>
-              <a:buNone/>
-              <a:defRPr/>
-            </a:lvl8pPr>
-            <a:lvl9pPr lvl="8" rtl="0">
-              <a:spcBef>
-                <a:spcPts val="0"/>
-              </a:spcBef>
-              <a:spcAft>
-                <a:spcPts val="0"/>
-              </a:spcAft>
-              <a:buSzPts val="2800"/>
-              <a:buNone/>
-              <a:defRPr/>
-            </a:lvl9pPr>
-          </a:lstStyle>
-          <a:p>
-            <a:endParaRPr/>
-          </a:p>
-        </p:txBody>
-      </p:sp>
-      <p:sp>
-        <p:nvSpPr>
-          <p:cNvPr id="22" name="Google Shape;22;p5"/>
-          <p:cNvSpPr txBox="1">
-            <a:spLocks noGrp="1"/>
-          </p:cNvSpPr>
-          <p:nvPr>
-            <p:ph type="body" idx="1"/>
-          </p:nvPr>
-        </p:nvSpPr>
-        <p:spPr>
-          <a:xfrm>
-            <a:off x="311700" y="1152475"/>
-            <a:ext cx="3999900" cy="3416400"/>
-          </a:xfrm>
-          <a:prstGeom prst="rect">
-            <a:avLst/>
-          </a:prstGeom>
-        </p:spPr>
-        <p:txBody>
-          <a:bodyPr spcFirstLastPara="1" wrap="square" lIns="91425" tIns="91425" rIns="91425" bIns="91425" anchor="t" anchorCtr="0">
-            <a:normAutofit/>
-          </a:bodyPr>
-          <a:lstStyle>
-            <a:lvl1pPr marL="457200" lvl="0" indent="-317500" rtl="0">
-              <a:spcBef>
-                <a:spcPts val="0"/>
-              </a:spcBef>
-              <a:spcAft>
-                <a:spcPts val="0"/>
-              </a:spcAft>
-              <a:buSzPts val="1400"/>
-              <a:buChar char="●"/>
-              <a:defRPr sz="1400"/>
-            </a:lvl1pPr>
-            <a:lvl2pPr marL="914400" lvl="1" indent="-304800" rtl="0">
-              <a:spcBef>
-                <a:spcPts val="0"/>
-              </a:spcBef>
-              <a:spcAft>
-                <a:spcPts val="0"/>
-              </a:spcAft>
-              <a:buSzPts val="1200"/>
-              <a:buChar char="○"/>
-              <a:defRPr sz="1200"/>
-            </a:lvl2pPr>
-            <a:lvl3pPr marL="1371600" lvl="2" indent="-304800" rtl="0">
-              <a:spcBef>
-                <a:spcPts val="0"/>
-              </a:spcBef>
-              <a:spcAft>
-                <a:spcPts val="0"/>
-              </a:spcAft>
-              <a:buSzPts val="1200"/>
-              <a:buChar char="■"/>
-              <a:defRPr sz="1200"/>
-            </a:lvl3pPr>
-            <a:lvl4pPr marL="1828800" lvl="3" indent="-304800" rtl="0">
-              <a:spcBef>
-                <a:spcPts val="0"/>
-              </a:spcBef>
-              <a:spcAft>
-                <a:spcPts val="0"/>
-              </a:spcAft>
-              <a:buSzPts val="1200"/>
-              <a:buChar char="●"/>
-              <a:defRPr sz="1200"/>
-            </a:lvl4pPr>
-            <a:lvl5pPr marL="2286000" lvl="4" indent="-304800" rtl="0">
-              <a:spcBef>
-                <a:spcPts val="0"/>
-              </a:spcBef>
-              <a:spcAft>
-                <a:spcPts val="0"/>
-              </a:spcAft>
-              <a:buSzPts val="1200"/>
-              <a:buChar char="○"/>
-              <a:defRPr sz="1200"/>
-            </a:lvl5pPr>
-            <a:lvl6pPr marL="2743200" lvl="5" indent="-304800" rtl="0">
-              <a:spcBef>
-                <a:spcPts val="0"/>
-              </a:spcBef>
-              <a:spcAft>
-                <a:spcPts val="0"/>
-              </a:spcAft>
-              <a:buSzPts val="1200"/>
-              <a:buChar char="■"/>
-              <a:defRPr sz="1200"/>
-            </a:lvl6pPr>
-            <a:lvl7pPr marL="3200400" lvl="6" indent="-304800" rtl="0">
-              <a:spcBef>
-                <a:spcPts val="0"/>
-              </a:spcBef>
-              <a:spcAft>
-                <a:spcPts val="0"/>
-              </a:spcAft>
-              <a:buSzPts val="1200"/>
-              <a:buChar char="●"/>
-              <a:defRPr sz="1200"/>
-            </a:lvl7pPr>
-            <a:lvl8pPr marL="3657600" lvl="7" indent="-304800" rtl="0">
-              <a:spcBef>
-                <a:spcPts val="0"/>
-              </a:spcBef>
-              <a:spcAft>
-                <a:spcPts val="0"/>
-              </a:spcAft>
-              <a:buSzPts val="1200"/>
-              <a:buChar char="○"/>
-              <a:defRPr sz="1200"/>
-            </a:lvl8pPr>
-            <a:lvl9pPr marL="4114800" lvl="8" indent="-304800" rtl="0">
-              <a:spcBef>
-                <a:spcPts val="0"/>
-              </a:spcBef>
-              <a:spcAft>
-                <a:spcPts val="0"/>
-              </a:spcAft>
-              <a:buSzPts val="1200"/>
-              <a:buChar char="■"/>
-              <a:defRPr sz="1200"/>
-            </a:lvl9pPr>
-          </a:lstStyle>
-          <a:p>
-            <a:endParaRPr/>
-          </a:p>
-        </p:txBody>
-      </p:sp>
-      <p:sp>
-        <p:nvSpPr>
-          <p:cNvPr id="23" name="Google Shape;23;p5"/>
-          <p:cNvSpPr txBox="1">
-            <a:spLocks noGrp="1"/>
-          </p:cNvSpPr>
-          <p:nvPr>
-            <p:ph type="body" idx="2"/>
-          </p:nvPr>
-        </p:nvSpPr>
-        <p:spPr>
-          <a:xfrm>
-            <a:off x="4832400" y="1152475"/>
-            <a:ext cx="3999900" cy="3416400"/>
-          </a:xfrm>
-          <a:prstGeom prst="rect">
-            <a:avLst/>
-          </a:prstGeom>
-        </p:spPr>
-        <p:txBody>
-          <a:bodyPr spcFirstLastPara="1" wrap="square" lIns="91425" tIns="91425" rIns="91425" bIns="91425" anchor="t" anchorCtr="0">
-            <a:normAutofit/>
-          </a:bodyPr>
-          <a:lstStyle>
-            <a:lvl1pPr marL="457200" lvl="0" indent="-317500" rtl="0">
-              <a:spcBef>
-                <a:spcPts val="0"/>
-              </a:spcBef>
-              <a:spcAft>
-                <a:spcPts val="0"/>
-              </a:spcAft>
-              <a:buSzPts val="1400"/>
-              <a:buChar char="●"/>
-              <a:defRPr sz="1400"/>
-            </a:lvl1pPr>
-            <a:lvl2pPr marL="914400" lvl="1" indent="-304800" rtl="0">
-              <a:spcBef>
-                <a:spcPts val="0"/>
-              </a:spcBef>
-              <a:spcAft>
-                <a:spcPts val="0"/>
-              </a:spcAft>
-              <a:buSzPts val="1200"/>
-              <a:buChar char="○"/>
-              <a:defRPr sz="1200"/>
-            </a:lvl2pPr>
-            <a:lvl3pPr marL="1371600" lvl="2" indent="-304800" rtl="0">
-              <a:spcBef>
-                <a:spcPts val="0"/>
-              </a:spcBef>
-              <a:spcAft>
-                <a:spcPts val="0"/>
-              </a:spcAft>
-              <a:buSzPts val="1200"/>
-              <a:buChar char="■"/>
-              <a:defRPr sz="1200"/>
-            </a:lvl3pPr>
-            <a:lvl4pPr marL="1828800" lvl="3" indent="-304800" rtl="0">
-              <a:spcBef>
-                <a:spcPts val="0"/>
-              </a:spcBef>
-              <a:spcAft>
-                <a:spcPts val="0"/>
-              </a:spcAft>
-              <a:buSzPts val="1200"/>
-              <a:buChar char="●"/>
-              <a:defRPr sz="1200"/>
-            </a:lvl4pPr>
-            <a:lvl5pPr marL="2286000" lvl="4" indent="-304800" rtl="0">
-              <a:spcBef>
-                <a:spcPts val="0"/>
-              </a:spcBef>
-              <a:spcAft>
-                <a:spcPts val="0"/>
-              </a:spcAft>
-              <a:buSzPts val="1200"/>
-              <a:buChar char="○"/>
-              <a:defRPr sz="1200"/>
-            </a:lvl5pPr>
-            <a:lvl6pPr marL="2743200" lvl="5" indent="-304800" rtl="0">
-              <a:spcBef>
-                <a:spcPts val="0"/>
-              </a:spcBef>
-              <a:spcAft>
-                <a:spcPts val="0"/>
-              </a:spcAft>
-              <a:buSzPts val="1200"/>
-              <a:buChar char="■"/>
-              <a:defRPr sz="1200"/>
-            </a:lvl6pPr>
-            <a:lvl7pPr marL="3200400" lvl="6" indent="-304800" rtl="0">
-              <a:spcBef>
-                <a:spcPts val="0"/>
-              </a:spcBef>
-              <a:spcAft>
-                <a:spcPts val="0"/>
-              </a:spcAft>
-              <a:buSzPts val="1200"/>
-              <a:buChar char="●"/>
-              <a:defRPr sz="1200"/>
-            </a:lvl7pPr>
-            <a:lvl8pPr marL="3657600" lvl="7" indent="-304800" rtl="0">
-              <a:spcBef>
-                <a:spcPts val="0"/>
-              </a:spcBef>
-              <a:spcAft>
-                <a:spcPts val="0"/>
-              </a:spcAft>
-              <a:buSzPts val="1200"/>
-              <a:buChar char="○"/>
-              <a:defRPr sz="1200"/>
-            </a:lvl8pPr>
-            <a:lvl9pPr marL="4114800" lvl="8" indent="-304800" rtl="0">
-              <a:spcBef>
-                <a:spcPts val="0"/>
-              </a:spcBef>
-              <a:spcAft>
-                <a:spcPts val="0"/>
-              </a:spcAft>
-              <a:buSzPts val="1200"/>
-              <a:buChar char="■"/>
-              <a:defRPr sz="1200"/>
-            </a:lvl9pPr>
-          </a:lstStyle>
-          <a:p>
-            <a:endParaRPr/>
-          </a:p>
-        </p:txBody>
-      </p:sp>
-      <p:sp>
-        <p:nvSpPr>
-          <p:cNvPr id="24" name="Google Shape;24;p5"/>
-          <p:cNvSpPr txBox="1">
-            <a:spLocks noGrp="1"/>
-          </p:cNvSpPr>
-          <p:nvPr>
-            <p:ph type="sldNum" idx="12"/>
-          </p:nvPr>
-        </p:nvSpPr>
-        <p:spPr>
-          <a:xfrm>
-            <a:off x="8472458" y="4663217"/>
-            <a:ext cx="548700" cy="393600"/>
-          </a:xfrm>
-          <a:prstGeom prst="rect">
-            <a:avLst/>
-          </a:prstGeom>
-        </p:spPr>
-        <p:txBody>
-          <a:bodyPr spcFirstLastPara="1" wrap="square" lIns="91425" tIns="91425" rIns="91425" bIns="91425" anchor="ctr" anchorCtr="0">
-            <a:normAutofit/>
-          </a:bodyPr>
-          <a:lstStyle>
-            <a:lvl1pPr lvl="0" rtl="0">
-              <a:buNone/>
-              <a:defRPr/>
-            </a:lvl1pPr>
-            <a:lvl2pPr lvl="1" rtl="0">
-              <a:buNone/>
-              <a:defRPr/>
-            </a:lvl2pPr>
-            <a:lvl3pPr lvl="2" rtl="0">
-              <a:buNone/>
-              <a:defRPr/>
-            </a:lvl3pPr>
-            <a:lvl4pPr lvl="3" rtl="0">
-              <a:buNone/>
-              <a:defRPr/>
-            </a:lvl4pPr>
-            <a:lvl5pPr lvl="4" rtl="0">
-              <a:buNone/>
-              <a:defRPr/>
-            </a:lvl5pPr>
-            <a:lvl6pPr lvl="5" rtl="0">
-              <a:buNone/>
-              <a:defRPr/>
-            </a:lvl6pPr>
-            <a:lvl7pPr lvl="6" rtl="0">
-              <a:buNone/>
-              <a:defRPr/>
-            </a:lvl7pPr>
-            <a:lvl8pPr lvl="7" rtl="0">
-              <a:buNone/>
-              <a:defRPr/>
-            </a:lvl8pPr>
-            <a:lvl9pPr lvl="8" rtl="0">
-              <a:buNone/>
-              <a:defRPr/>
-            </a:lvl9pPr>
-          </a:lstStyle>
-          <a:p>
-            <a:pPr marL="0" lvl="0" indent="0" algn="r" rtl="0">
-              <a:spcBef>
-                <a:spcPts val="0"/>
-              </a:spcBef>
-              <a:spcAft>
-                <a:spcPts val="0"/>
-              </a:spcAft>
-              <a:buNone/>
-            </a:pPr>
-            <a:fld id="{00000000-1234-1234-1234-123412341234}" type="slidenum">
-              <a:rPr lang="es"/>
-              <a:t>‹Nº›</a:t>
-            </a:fld>
-            <a:endParaRPr/>
-          </a:p>
-        </p:txBody>
-      </p:sp>
-    </p:spTree>
-  </p:cSld>
-  <p:clrMapOvr>
-    <a:masterClrMapping/>
-  </p:clrMapOvr>
-</p:sldLayout>
-</file>
-
-<file path=ppt/slideLayouts/slideLayout5.xml><?xml version="1.0" encoding="utf-8"?>
-<p:sldLayout xmlns:a="http://schemas.openxmlformats.org/drawingml/2006/main" xmlns:r="http://schemas.openxmlformats.org/officeDocument/2006/relationships" xmlns:p="http://schemas.openxmlformats.org/presentationml/2006/main" matchingName="Title only" type="titleOnly">
-  <p:cSld name="TITLE_ONLY">
-    <p:spTree>
-      <p:nvGrpSpPr>
-        <p:cNvPr id="1" name="Shape 25"/>
-        <p:cNvGrpSpPr/>
-        <p:nvPr/>
-      </p:nvGrpSpPr>
-      <p:grpSpPr>
-        <a:xfrm>
-          <a:off x="0" y="0"/>
-          <a:ext cx="0" cy="0"/>
-          <a:chOff x="0" y="0"/>
-          <a:chExt cx="0" cy="0"/>
-        </a:xfrm>
-      </p:grpSpPr>
-      <p:sp>
-        <p:nvSpPr>
-          <p:cNvPr id="26" name="Google Shape;26;p6"/>
-          <p:cNvSpPr txBox="1">
-            <a:spLocks noGrp="1"/>
-          </p:cNvSpPr>
-          <p:nvPr>
-            <p:ph type="title"/>
-          </p:nvPr>
-        </p:nvSpPr>
-        <p:spPr>
-          <a:xfrm>
-            <a:off x="311700" y="445025"/>
-            <a:ext cx="8520600" cy="572700"/>
-          </a:xfrm>
-          <a:prstGeom prst="rect">
-            <a:avLst/>
-          </a:prstGeom>
-        </p:spPr>
-        <p:txBody>
-          <a:bodyPr spcFirstLastPara="1" wrap="square" lIns="91425" tIns="91425" rIns="91425" bIns="91425" anchor="t" anchorCtr="0">
-            <a:normAutofit/>
-          </a:bodyPr>
-          <a:lstStyle>
-            <a:lvl1pPr lvl="0" rtl="0">
-              <a:spcBef>
-                <a:spcPts val="0"/>
-              </a:spcBef>
-              <a:spcAft>
-                <a:spcPts val="0"/>
-              </a:spcAft>
-              <a:buSzPts val="2800"/>
-              <a:buNone/>
-              <a:defRPr/>
-            </a:lvl1pPr>
-            <a:lvl2pPr lvl="1" rtl="0">
-              <a:spcBef>
-                <a:spcPts val="0"/>
-              </a:spcBef>
-              <a:spcAft>
-                <a:spcPts val="0"/>
-              </a:spcAft>
-              <a:buSzPts val="2800"/>
-              <a:buNone/>
-              <a:defRPr/>
-            </a:lvl2pPr>
-            <a:lvl3pPr lvl="2" rtl="0">
-              <a:spcBef>
-                <a:spcPts val="0"/>
-              </a:spcBef>
-              <a:spcAft>
-                <a:spcPts val="0"/>
-              </a:spcAft>
-              <a:buSzPts val="2800"/>
-              <a:buNone/>
-              <a:defRPr/>
-            </a:lvl3pPr>
-            <a:lvl4pPr lvl="3" rtl="0">
-              <a:spcBef>
-                <a:spcPts val="0"/>
-              </a:spcBef>
-              <a:spcAft>
-                <a:spcPts val="0"/>
-              </a:spcAft>
-              <a:buSzPts val="2800"/>
-              <a:buNone/>
-              <a:defRPr/>
-            </a:lvl4pPr>
-            <a:lvl5pPr lvl="4" rtl="0">
-              <a:spcBef>
-                <a:spcPts val="0"/>
-              </a:spcBef>
-              <a:spcAft>
-                <a:spcPts val="0"/>
-              </a:spcAft>
-              <a:buSzPts val="2800"/>
-              <a:buNone/>
-              <a:defRPr/>
-            </a:lvl5pPr>
-            <a:lvl6pPr lvl="5" rtl="0">
-              <a:spcBef>
-                <a:spcPts val="0"/>
-              </a:spcBef>
-              <a:spcAft>
-                <a:spcPts val="0"/>
-              </a:spcAft>
-              <a:buSzPts val="2800"/>
-              <a:buNone/>
-              <a:defRPr/>
-            </a:lvl6pPr>
-            <a:lvl7pPr lvl="6" rtl="0">
-              <a:spcBef>
-                <a:spcPts val="0"/>
-              </a:spcBef>
-              <a:spcAft>
-                <a:spcPts val="0"/>
-              </a:spcAft>
-              <a:buSzPts val="2800"/>
-              <a:buNone/>
-              <a:defRPr/>
-            </a:lvl7pPr>
-            <a:lvl8pPr lvl="7" rtl="0">
-              <a:spcBef>
-                <a:spcPts val="0"/>
-              </a:spcBef>
-              <a:spcAft>
-                <a:spcPts val="0"/>
-              </a:spcAft>
-              <a:buSzPts val="2800"/>
-              <a:buNone/>
-              <a:defRPr/>
-            </a:lvl8pPr>
-            <a:lvl9pPr lvl="8" rtl="0">
-              <a:spcBef>
-                <a:spcPts val="0"/>
-              </a:spcBef>
-              <a:spcAft>
-                <a:spcPts val="0"/>
-              </a:spcAft>
-              <a:buSzPts val="2800"/>
-              <a:buNone/>
-              <a:defRPr/>
-            </a:lvl9pPr>
-          </a:lstStyle>
-          <a:p>
-            <a:endParaRPr/>
-          </a:p>
-        </p:txBody>
-      </p:sp>
-      <p:sp>
-        <p:nvSpPr>
-          <p:cNvPr id="27" name="Google Shape;27;p6"/>
-          <p:cNvSpPr txBox="1">
-            <a:spLocks noGrp="1"/>
-          </p:cNvSpPr>
-          <p:nvPr>
-            <p:ph type="sldNum" idx="12"/>
-          </p:nvPr>
-        </p:nvSpPr>
-        <p:spPr>
-          <a:xfrm>
-            <a:off x="8472458" y="4663217"/>
-            <a:ext cx="548700" cy="393600"/>
-          </a:xfrm>
-          <a:prstGeom prst="rect">
-            <a:avLst/>
-          </a:prstGeom>
-        </p:spPr>
-        <p:txBody>
-          <a:bodyPr spcFirstLastPara="1" wrap="square" lIns="91425" tIns="91425" rIns="91425" bIns="91425" anchor="ctr" anchorCtr="0">
-            <a:normAutofit/>
-          </a:bodyPr>
-          <a:lstStyle>
-            <a:lvl1pPr lvl="0" rtl="0">
-              <a:buNone/>
-              <a:defRPr/>
-            </a:lvl1pPr>
-            <a:lvl2pPr lvl="1" rtl="0">
-              <a:buNone/>
-              <a:defRPr/>
-            </a:lvl2pPr>
-            <a:lvl3pPr lvl="2" rtl="0">
-              <a:buNone/>
-              <a:defRPr/>
-            </a:lvl3pPr>
-            <a:lvl4pPr lvl="3" rtl="0">
-              <a:buNone/>
-              <a:defRPr/>
-            </a:lvl4pPr>
-            <a:lvl5pPr lvl="4" rtl="0">
-              <a:buNone/>
-              <a:defRPr/>
-            </a:lvl5pPr>
-            <a:lvl6pPr lvl="5" rtl="0">
-              <a:buNone/>
-              <a:defRPr/>
-            </a:lvl6pPr>
-            <a:lvl7pPr lvl="6" rtl="0">
-              <a:buNone/>
-              <a:defRPr/>
-            </a:lvl7pPr>
-            <a:lvl8pPr lvl="7" rtl="0">
-              <a:buNone/>
-              <a:defRPr/>
-            </a:lvl8pPr>
-            <a:lvl9pPr lvl="8" rtl="0">
-              <a:buNone/>
-              <a:defRPr/>
-            </a:lvl9pPr>
-          </a:lstStyle>
-          <a:p>
-            <a:pPr marL="0" lvl="0" indent="0" algn="r" rtl="0">
-              <a:spcBef>
-                <a:spcPts val="0"/>
-              </a:spcBef>
-              <a:spcAft>
-                <a:spcPts val="0"/>
-              </a:spcAft>
-              <a:buNone/>
-            </a:pPr>
-            <a:fld id="{00000000-1234-1234-1234-123412341234}" type="slidenum">
-              <a:rPr lang="es"/>
-              <a:t>‹Nº›</a:t>
-            </a:fld>
-            <a:endParaRPr/>
-          </a:p>
-        </p:txBody>
-      </p:sp>
-    </p:spTree>
-  </p:cSld>
-  <p:clrMapOvr>
-    <a:masterClrMapping/>
-  </p:clrMapOvr>
-</p:sldLayout>
-</file>
-
-<file path=ppt/slideLayouts/slideLayout6.xml><?xml version="1.0" encoding="utf-8"?>
-<p:sldLayout xmlns:a="http://schemas.openxmlformats.org/drawingml/2006/main" xmlns:r="http://schemas.openxmlformats.org/officeDocument/2006/relationships" xmlns:p="http://schemas.openxmlformats.org/presentationml/2006/main" matchingName="One column text">
-  <p:cSld name="ONE_COLUMN_TEXT">
-    <p:spTree>
-      <p:nvGrpSpPr>
-        <p:cNvPr id="1" name="Shape 28"/>
-        <p:cNvGrpSpPr/>
-        <p:nvPr/>
-      </p:nvGrpSpPr>
-      <p:grpSpPr>
-        <a:xfrm>
-          <a:off x="0" y="0"/>
-          <a:ext cx="0" cy="0"/>
-          <a:chOff x="0" y="0"/>
-          <a:chExt cx="0" cy="0"/>
-        </a:xfrm>
-      </p:grpSpPr>
-      <p:sp>
-        <p:nvSpPr>
-          <p:cNvPr id="29" name="Google Shape;29;p7"/>
-          <p:cNvSpPr txBox="1">
-            <a:spLocks noGrp="1"/>
-          </p:cNvSpPr>
-          <p:nvPr>
-            <p:ph type="title"/>
-          </p:nvPr>
-        </p:nvSpPr>
-        <p:spPr>
-          <a:xfrm>
-            <a:off x="311700" y="555600"/>
-            <a:ext cx="2808000" cy="755700"/>
-          </a:xfrm>
-          <a:prstGeom prst="rect">
-            <a:avLst/>
-          </a:prstGeom>
-        </p:spPr>
-        <p:txBody>
-          <a:bodyPr spcFirstLastPara="1" wrap="square" lIns="91425" tIns="91425" rIns="91425" bIns="91425" anchor="b" anchorCtr="0">
-            <a:normAutofit/>
-          </a:bodyPr>
-          <a:lstStyle>
-            <a:lvl1pPr lvl="0" rtl="0">
-              <a:spcBef>
-                <a:spcPts val="0"/>
-              </a:spcBef>
-              <a:spcAft>
-                <a:spcPts val="0"/>
-              </a:spcAft>
-              <a:buSzPts val="2400"/>
-              <a:buNone/>
-              <a:defRPr sz="2400"/>
-            </a:lvl1pPr>
-            <a:lvl2pPr lvl="1" rtl="0">
-              <a:spcBef>
-                <a:spcPts val="0"/>
-              </a:spcBef>
-              <a:spcAft>
-                <a:spcPts val="0"/>
-              </a:spcAft>
-              <a:buSzPts val="2400"/>
-              <a:buNone/>
-              <a:defRPr sz="2400"/>
-            </a:lvl2pPr>
-            <a:lvl3pPr lvl="2" rtl="0">
-              <a:spcBef>
-                <a:spcPts val="0"/>
-              </a:spcBef>
-              <a:spcAft>
-                <a:spcPts val="0"/>
-              </a:spcAft>
-              <a:buSzPts val="2400"/>
-              <a:buNone/>
-              <a:defRPr sz="2400"/>
-            </a:lvl3pPr>
-            <a:lvl4pPr lvl="3" rtl="0">
-              <a:spcBef>
-                <a:spcPts val="0"/>
-              </a:spcBef>
-              <a:spcAft>
-                <a:spcPts val="0"/>
-              </a:spcAft>
-              <a:buSzPts val="2400"/>
-              <a:buNone/>
-              <a:defRPr sz="2400"/>
-            </a:lvl4pPr>
-            <a:lvl5pPr lvl="4" rtl="0">
-              <a:spcBef>
-                <a:spcPts val="0"/>
-              </a:spcBef>
-              <a:spcAft>
-                <a:spcPts val="0"/>
-              </a:spcAft>
-              <a:buSzPts val="2400"/>
-              <a:buNone/>
-              <a:defRPr sz="2400"/>
-            </a:lvl5pPr>
-            <a:lvl6pPr lvl="5" rtl="0">
-              <a:spcBef>
-                <a:spcPts val="0"/>
-              </a:spcBef>
-              <a:spcAft>
-                <a:spcPts val="0"/>
-              </a:spcAft>
-              <a:buSzPts val="2400"/>
-              <a:buNone/>
-              <a:defRPr sz="2400"/>
-            </a:lvl6pPr>
-            <a:lvl7pPr lvl="6" rtl="0">
-              <a:spcBef>
-                <a:spcPts val="0"/>
-              </a:spcBef>
-              <a:spcAft>
-                <a:spcPts val="0"/>
-              </a:spcAft>
-              <a:buSzPts val="2400"/>
-              <a:buNone/>
-              <a:defRPr sz="2400"/>
-            </a:lvl7pPr>
-            <a:lvl8pPr lvl="7" rtl="0">
-              <a:spcBef>
-                <a:spcPts val="0"/>
-              </a:spcBef>
-              <a:spcAft>
-                <a:spcPts val="0"/>
-              </a:spcAft>
-              <a:buSzPts val="2400"/>
-              <a:buNone/>
-              <a:defRPr sz="2400"/>
-            </a:lvl8pPr>
-            <a:lvl9pPr lvl="8" rtl="0">
-              <a:spcBef>
-                <a:spcPts val="0"/>
-              </a:spcBef>
-              <a:spcAft>
-                <a:spcPts val="0"/>
-              </a:spcAft>
-              <a:buSzPts val="2400"/>
-              <a:buNone/>
-              <a:defRPr sz="2400"/>
-            </a:lvl9pPr>
-          </a:lstStyle>
-          <a:p>
-            <a:endParaRPr/>
-          </a:p>
-        </p:txBody>
-      </p:sp>
-      <p:sp>
-        <p:nvSpPr>
-          <p:cNvPr id="30" name="Google Shape;30;p7"/>
-          <p:cNvSpPr txBox="1">
-            <a:spLocks noGrp="1"/>
-          </p:cNvSpPr>
-          <p:nvPr>
-            <p:ph type="body" idx="1"/>
-          </p:nvPr>
-        </p:nvSpPr>
-        <p:spPr>
-          <a:xfrm>
-            <a:off x="311700" y="1389600"/>
-            <a:ext cx="2808000" cy="3179400"/>
-          </a:xfrm>
-          <a:prstGeom prst="rect">
-            <a:avLst/>
-          </a:prstGeom>
-        </p:spPr>
-        <p:txBody>
-          <a:bodyPr spcFirstLastPara="1" wrap="square" lIns="91425" tIns="91425" rIns="91425" bIns="91425" anchor="t" anchorCtr="0">
-            <a:normAutofit/>
-          </a:bodyPr>
-          <a:lstStyle>
-            <a:lvl1pPr marL="457200" lvl="0" indent="-304800" rtl="0">
-              <a:spcBef>
-                <a:spcPts val="0"/>
-              </a:spcBef>
-              <a:spcAft>
-                <a:spcPts val="0"/>
-              </a:spcAft>
-              <a:buSzPts val="1200"/>
-              <a:buChar char="●"/>
-              <a:defRPr sz="1200"/>
-            </a:lvl1pPr>
-            <a:lvl2pPr marL="914400" lvl="1" indent="-304800" rtl="0">
-              <a:spcBef>
-                <a:spcPts val="0"/>
-              </a:spcBef>
-              <a:spcAft>
-                <a:spcPts val="0"/>
-              </a:spcAft>
-              <a:buSzPts val="1200"/>
-              <a:buChar char="○"/>
-              <a:defRPr sz="1200"/>
-            </a:lvl2pPr>
-            <a:lvl3pPr marL="1371600" lvl="2" indent="-304800" rtl="0">
-              <a:spcBef>
-                <a:spcPts val="0"/>
-              </a:spcBef>
-              <a:spcAft>
-                <a:spcPts val="0"/>
-              </a:spcAft>
-              <a:buSzPts val="1200"/>
-              <a:buChar char="■"/>
-              <a:defRPr sz="1200"/>
-            </a:lvl3pPr>
-            <a:lvl4pPr marL="1828800" lvl="3" indent="-304800" rtl="0">
-              <a:spcBef>
-                <a:spcPts val="0"/>
-              </a:spcBef>
-              <a:spcAft>
-                <a:spcPts val="0"/>
-              </a:spcAft>
-              <a:buSzPts val="1200"/>
-              <a:buChar char="●"/>
-              <a:defRPr sz="1200"/>
-            </a:lvl4pPr>
-            <a:lvl5pPr marL="2286000" lvl="4" indent="-304800" rtl="0">
-              <a:spcBef>
-                <a:spcPts val="0"/>
-              </a:spcBef>
-              <a:spcAft>
-                <a:spcPts val="0"/>
-              </a:spcAft>
-              <a:buSzPts val="1200"/>
-              <a:buChar char="○"/>
-              <a:defRPr sz="1200"/>
-            </a:lvl5pPr>
-            <a:lvl6pPr marL="2743200" lvl="5" indent="-304800" rtl="0">
-              <a:spcBef>
-                <a:spcPts val="0"/>
-              </a:spcBef>
-              <a:spcAft>
-                <a:spcPts val="0"/>
-              </a:spcAft>
-              <a:buSzPts val="1200"/>
-              <a:buChar char="■"/>
-              <a:defRPr sz="1200"/>
-            </a:lvl6pPr>
-            <a:lvl7pPr marL="3200400" lvl="6" indent="-304800" rtl="0">
-              <a:spcBef>
-                <a:spcPts val="0"/>
-              </a:spcBef>
-              <a:spcAft>
-                <a:spcPts val="0"/>
-              </a:spcAft>
-              <a:buSzPts val="1200"/>
-              <a:buChar char="●"/>
-              <a:defRPr sz="1200"/>
-            </a:lvl7pPr>
-            <a:lvl8pPr marL="3657600" lvl="7" indent="-304800" rtl="0">
-              <a:spcBef>
-                <a:spcPts val="0"/>
-              </a:spcBef>
-              <a:spcAft>
-                <a:spcPts val="0"/>
-              </a:spcAft>
-              <a:buSzPts val="1200"/>
-              <a:buChar char="○"/>
-              <a:defRPr sz="1200"/>
-            </a:lvl8pPr>
-            <a:lvl9pPr marL="4114800" lvl="8" indent="-304800" rtl="0">
-              <a:spcBef>
-                <a:spcPts val="0"/>
-              </a:spcBef>
-              <a:spcAft>
-                <a:spcPts val="0"/>
-              </a:spcAft>
-              <a:buSzPts val="1200"/>
-              <a:buChar char="■"/>
-              <a:defRPr sz="1200"/>
-            </a:lvl9pPr>
-          </a:lstStyle>
-          <a:p>
-            <a:endParaRPr/>
-          </a:p>
-        </p:txBody>
-      </p:sp>
-      <p:sp>
-        <p:nvSpPr>
-          <p:cNvPr id="31" name="Google Shape;31;p7"/>
-          <p:cNvSpPr txBox="1">
-            <a:spLocks noGrp="1"/>
-          </p:cNvSpPr>
-          <p:nvPr>
-            <p:ph type="sldNum" idx="12"/>
-          </p:nvPr>
-        </p:nvSpPr>
-        <p:spPr>
-          <a:xfrm>
-            <a:off x="8472458" y="4663217"/>
-            <a:ext cx="548700" cy="393600"/>
-          </a:xfrm>
-          <a:prstGeom prst="rect">
-            <a:avLst/>
-          </a:prstGeom>
-        </p:spPr>
-        <p:txBody>
-          <a:bodyPr spcFirstLastPara="1" wrap="square" lIns="91425" tIns="91425" rIns="91425" bIns="91425" anchor="ctr" anchorCtr="0">
-            <a:normAutofit/>
-          </a:bodyPr>
-          <a:lstStyle>
-            <a:lvl1pPr lvl="0" rtl="0">
-              <a:buNone/>
-              <a:defRPr/>
-            </a:lvl1pPr>
-            <a:lvl2pPr lvl="1" rtl="0">
-              <a:buNone/>
-              <a:defRPr/>
-            </a:lvl2pPr>
-            <a:lvl3pPr lvl="2" rtl="0">
-              <a:buNone/>
-              <a:defRPr/>
-            </a:lvl3pPr>
-            <a:lvl4pPr lvl="3" rtl="0">
-              <a:buNone/>
-              <a:defRPr/>
-            </a:lvl4pPr>
-            <a:lvl5pPr lvl="4" rtl="0">
-              <a:buNone/>
-              <a:defRPr/>
-            </a:lvl5pPr>
-            <a:lvl6pPr lvl="5" rtl="0">
-              <a:buNone/>
-              <a:defRPr/>
-            </a:lvl6pPr>
-            <a:lvl7pPr lvl="6" rtl="0">
-              <a:buNone/>
-              <a:defRPr/>
-            </a:lvl7pPr>
-            <a:lvl8pPr lvl="7" rtl="0">
-              <a:buNone/>
-              <a:defRPr/>
-            </a:lvl8pPr>
-            <a:lvl9pPr lvl="8" rtl="0">
-              <a:buNone/>
-              <a:defRPr/>
-            </a:lvl9pPr>
-          </a:lstStyle>
-          <a:p>
-            <a:pPr marL="0" lvl="0" indent="0" algn="r" rtl="0">
-              <a:spcBef>
-                <a:spcPts val="0"/>
-              </a:spcBef>
-              <a:spcAft>
-                <a:spcPts val="0"/>
-              </a:spcAft>
-              <a:buNone/>
-            </a:pPr>
-            <a:fld id="{00000000-1234-1234-1234-123412341234}" type="slidenum">
-              <a:rPr lang="es"/>
-              <a:t>‹Nº›</a:t>
-            </a:fld>
-            <a:endParaRPr/>
-          </a:p>
-        </p:txBody>
-      </p:sp>
-    </p:spTree>
-  </p:cSld>
-  <p:clrMapOvr>
-    <a:masterClrMapping/>
-  </p:clrMapOvr>
-</p:sldLayout>
-</file>
-
-<file path=ppt/slideLayouts/slideLayout7.xml><?xml version="1.0" encoding="utf-8"?>
-<p:sldLayout xmlns:a="http://schemas.openxmlformats.org/drawingml/2006/main" xmlns:r="http://schemas.openxmlformats.org/officeDocument/2006/relationships" xmlns:p="http://schemas.openxmlformats.org/presentationml/2006/main" matchingName="Main point">
-  <p:cSld name="MAIN_POINT">
-    <p:spTree>
-      <p:nvGrpSpPr>
-        <p:cNvPr id="1" name="Shape 32"/>
-        <p:cNvGrpSpPr/>
-        <p:nvPr/>
-      </p:nvGrpSpPr>
-      <p:grpSpPr>
-        <a:xfrm>
-          <a:off x="0" y="0"/>
-          <a:ext cx="0" cy="0"/>
-          <a:chOff x="0" y="0"/>
-          <a:chExt cx="0" cy="0"/>
-        </a:xfrm>
-      </p:grpSpPr>
-      <p:sp>
-        <p:nvSpPr>
-          <p:cNvPr id="33" name="Google Shape;33;p8"/>
-          <p:cNvSpPr txBox="1">
-            <a:spLocks noGrp="1"/>
-          </p:cNvSpPr>
-          <p:nvPr>
-            <p:ph type="title"/>
-          </p:nvPr>
-        </p:nvSpPr>
-        <p:spPr>
-          <a:xfrm>
-            <a:off x="490250" y="450150"/>
-            <a:ext cx="6367800" cy="4090800"/>
-          </a:xfrm>
-          <a:prstGeom prst="rect">
-            <a:avLst/>
-          </a:prstGeom>
-        </p:spPr>
-        <p:txBody>
-          <a:bodyPr spcFirstLastPara="1" wrap="square" lIns="91425" tIns="91425" rIns="91425" bIns="91425" anchor="ctr" anchorCtr="0">
-            <a:normAutofit/>
-          </a:bodyPr>
-          <a:lstStyle>
-            <a:lvl1pPr lvl="0" rtl="0">
-              <a:spcBef>
-                <a:spcPts val="0"/>
-              </a:spcBef>
-              <a:spcAft>
-                <a:spcPts val="0"/>
-              </a:spcAft>
-              <a:buSzPts val="4800"/>
-              <a:buNone/>
-              <a:defRPr sz="4800"/>
-            </a:lvl1pPr>
-            <a:lvl2pPr lvl="1" rtl="0">
-              <a:spcBef>
-                <a:spcPts val="0"/>
-              </a:spcBef>
-              <a:spcAft>
-                <a:spcPts val="0"/>
-              </a:spcAft>
-              <a:buSzPts val="4800"/>
-              <a:buNone/>
-              <a:defRPr sz="4800"/>
-            </a:lvl2pPr>
-            <a:lvl3pPr lvl="2" rtl="0">
-              <a:spcBef>
-                <a:spcPts val="0"/>
-              </a:spcBef>
-              <a:spcAft>
-                <a:spcPts val="0"/>
-              </a:spcAft>
-              <a:buSzPts val="4800"/>
-              <a:buNone/>
-              <a:defRPr sz="4800"/>
-            </a:lvl3pPr>
-            <a:lvl4pPr lvl="3" rtl="0">
-              <a:spcBef>
-                <a:spcPts val="0"/>
-              </a:spcBef>
-              <a:spcAft>
-                <a:spcPts val="0"/>
-              </a:spcAft>
-              <a:buSzPts val="4800"/>
-              <a:buNone/>
-              <a:defRPr sz="4800"/>
-            </a:lvl4pPr>
-            <a:lvl5pPr lvl="4" rtl="0">
-              <a:spcBef>
-                <a:spcPts val="0"/>
-              </a:spcBef>
-              <a:spcAft>
-                <a:spcPts val="0"/>
-              </a:spcAft>
-              <a:buSzPts val="4800"/>
-              <a:buNone/>
-              <a:defRPr sz="4800"/>
-            </a:lvl5pPr>
-            <a:lvl6pPr lvl="5" rtl="0">
-              <a:spcBef>
-                <a:spcPts val="0"/>
-              </a:spcBef>
-              <a:spcAft>
-                <a:spcPts val="0"/>
-              </a:spcAft>
-              <a:buSzPts val="4800"/>
-              <a:buNone/>
-              <a:defRPr sz="4800"/>
-            </a:lvl6pPr>
-            <a:lvl7pPr lvl="6" rtl="0">
-              <a:spcBef>
-                <a:spcPts val="0"/>
-              </a:spcBef>
-              <a:spcAft>
-                <a:spcPts val="0"/>
-              </a:spcAft>
-              <a:buSzPts val="4800"/>
-              <a:buNone/>
-              <a:defRPr sz="4800"/>
-            </a:lvl7pPr>
-            <a:lvl8pPr lvl="7" rtl="0">
-              <a:spcBef>
-                <a:spcPts val="0"/>
-              </a:spcBef>
-              <a:spcAft>
-                <a:spcPts val="0"/>
-              </a:spcAft>
-              <a:buSzPts val="4800"/>
-              <a:buNone/>
-              <a:defRPr sz="4800"/>
-            </a:lvl8pPr>
-            <a:lvl9pPr lvl="8" rtl="0">
-              <a:spcBef>
-                <a:spcPts val="0"/>
-              </a:spcBef>
-              <a:spcAft>
-                <a:spcPts val="0"/>
-              </a:spcAft>
-              <a:buSzPts val="4800"/>
-              <a:buNone/>
-              <a:defRPr sz="4800"/>
-            </a:lvl9pPr>
-          </a:lstStyle>
-          <a:p>
-            <a:endParaRPr/>
-          </a:p>
-        </p:txBody>
-      </p:sp>
-      <p:sp>
-        <p:nvSpPr>
-          <p:cNvPr id="34" name="Google Shape;34;p8"/>
-          <p:cNvSpPr txBox="1">
-            <a:spLocks noGrp="1"/>
-          </p:cNvSpPr>
-          <p:nvPr>
-            <p:ph type="sldNum" idx="12"/>
-          </p:nvPr>
-        </p:nvSpPr>
-        <p:spPr>
-          <a:xfrm>
-            <a:off x="8472458" y="4663217"/>
-            <a:ext cx="548700" cy="393600"/>
-          </a:xfrm>
-          <a:prstGeom prst="rect">
-            <a:avLst/>
-          </a:prstGeom>
-        </p:spPr>
-        <p:txBody>
-          <a:bodyPr spcFirstLastPara="1" wrap="square" lIns="91425" tIns="91425" rIns="91425" bIns="91425" anchor="ctr" anchorCtr="0">
-            <a:normAutofit/>
-          </a:bodyPr>
-          <a:lstStyle>
-            <a:lvl1pPr lvl="0" rtl="0">
-              <a:buNone/>
-              <a:defRPr/>
-            </a:lvl1pPr>
-            <a:lvl2pPr lvl="1" rtl="0">
-              <a:buNone/>
-              <a:defRPr/>
-            </a:lvl2pPr>
-            <a:lvl3pPr lvl="2" rtl="0">
-              <a:buNone/>
-              <a:defRPr/>
-            </a:lvl3pPr>
-            <a:lvl4pPr lvl="3" rtl="0">
-              <a:buNone/>
-              <a:defRPr/>
-            </a:lvl4pPr>
-            <a:lvl5pPr lvl="4" rtl="0">
-              <a:buNone/>
-              <a:defRPr/>
-            </a:lvl5pPr>
-            <a:lvl6pPr lvl="5" rtl="0">
-              <a:buNone/>
-              <a:defRPr/>
-            </a:lvl6pPr>
-            <a:lvl7pPr lvl="6" rtl="0">
-              <a:buNone/>
-              <a:defRPr/>
-            </a:lvl7pPr>
-            <a:lvl8pPr lvl="7" rtl="0">
-              <a:buNone/>
-              <a:defRPr/>
-            </a:lvl8pPr>
-            <a:lvl9pPr lvl="8" rtl="0">
-              <a:buNone/>
-              <a:defRPr/>
-            </a:lvl9pPr>
-          </a:lstStyle>
-          <a:p>
-            <a:pPr marL="0" lvl="0" indent="0" algn="r" rtl="0">
-              <a:spcBef>
-                <a:spcPts val="0"/>
-              </a:spcBef>
-              <a:spcAft>
-                <a:spcPts val="0"/>
-              </a:spcAft>
-              <a:buNone/>
-            </a:pPr>
-            <a:fld id="{00000000-1234-1234-1234-123412341234}" type="slidenum">
-              <a:rPr lang="es"/>
-              <a:t>‹Nº›</a:t>
-            </a:fld>
-            <a:endParaRPr/>
-          </a:p>
-        </p:txBody>
-      </p:sp>
-    </p:spTree>
-  </p:cSld>
-  <p:clrMapOvr>
-    <a:masterClrMapping/>
-  </p:clrMapOvr>
-</p:sldLayout>
-</file>
-
-<file path=ppt/slideLayouts/slideLayout8.xml><?xml version="1.0" encoding="utf-8"?>
-<p:sldLayout xmlns:a="http://schemas.openxmlformats.org/drawingml/2006/main" xmlns:r="http://schemas.openxmlformats.org/officeDocument/2006/relationships" xmlns:p="http://schemas.openxmlformats.org/presentationml/2006/main" matchingName="Section title and description">
-  <p:cSld name="SECTION_TITLE_AND_DESCRIPTION">
-    <p:spTree>
-      <p:nvGrpSpPr>
-        <p:cNvPr id="1" name="Shape 35"/>
-        <p:cNvGrpSpPr/>
-        <p:nvPr/>
-      </p:nvGrpSpPr>
-      <p:grpSpPr>
-        <a:xfrm>
-          <a:off x="0" y="0"/>
-          <a:ext cx="0" cy="0"/>
-          <a:chOff x="0" y="0"/>
-          <a:chExt cx="0" cy="0"/>
-        </a:xfrm>
-      </p:grpSpPr>
-      <p:sp>
-        <p:nvSpPr>
-          <p:cNvPr id="36" name="Google Shape;36;p9"/>
-          <p:cNvSpPr/>
-          <p:nvPr/>
-        </p:nvSpPr>
-        <p:spPr>
-          <a:xfrm>
-            <a:off x="4572000" y="-125"/>
-            <a:ext cx="4572000" cy="5143500"/>
-          </a:xfrm>
-          <a:prstGeom prst="rect">
-            <a:avLst/>
-          </a:prstGeom>
-          <a:solidFill>
-            <a:schemeClr val="lt2"/>
-          </a:solidFill>
-          <a:ln>
-            <a:noFill/>
-          </a:ln>
-        </p:spPr>
-        <p:txBody>
-          <a:bodyPr spcFirstLastPara="1" wrap="square" lIns="91425" tIns="91425" rIns="91425" bIns="91425" anchor="ctr" anchorCtr="0">
-            <a:noAutofit/>
-          </a:bodyPr>
-          <a:lstStyle/>
-          <a:p>
-            <a:pPr marL="0" lvl="0" indent="0" algn="l" rtl="0">
-              <a:spcBef>
-                <a:spcPts val="0"/>
-              </a:spcBef>
-              <a:spcAft>
-                <a:spcPts val="0"/>
-              </a:spcAft>
-              <a:buNone/>
-            </a:pPr>
-            <a:endParaRPr/>
-          </a:p>
-        </p:txBody>
-      </p:sp>
-      <p:sp>
-        <p:nvSpPr>
-          <p:cNvPr id="37" name="Google Shape;37;p9"/>
-          <p:cNvSpPr txBox="1">
-            <a:spLocks noGrp="1"/>
-          </p:cNvSpPr>
-          <p:nvPr>
-            <p:ph type="title"/>
-          </p:nvPr>
-        </p:nvSpPr>
-        <p:spPr>
-          <a:xfrm>
-            <a:off x="265500" y="1233175"/>
-            <a:ext cx="4045200" cy="1482300"/>
-          </a:xfrm>
-          <a:prstGeom prst="rect">
-            <a:avLst/>
-          </a:prstGeom>
-        </p:spPr>
-        <p:txBody>
-          <a:bodyPr spcFirstLastPara="1" wrap="square" lIns="91425" tIns="91425" rIns="91425" bIns="91425" anchor="b" anchorCtr="0">
-            <a:normAutofit/>
-          </a:bodyPr>
-          <a:lstStyle>
-            <a:lvl1pPr lvl="0" algn="ctr" rtl="0">
-              <a:spcBef>
-                <a:spcPts val="0"/>
-              </a:spcBef>
-              <a:spcAft>
-                <a:spcPts val="0"/>
-              </a:spcAft>
-              <a:buSzPts val="4200"/>
-              <a:buNone/>
-              <a:defRPr sz="4200"/>
-            </a:lvl1pPr>
-            <a:lvl2pPr lvl="1" algn="ctr" rtl="0">
-              <a:spcBef>
-                <a:spcPts val="0"/>
-              </a:spcBef>
-              <a:spcAft>
-                <a:spcPts val="0"/>
-              </a:spcAft>
-              <a:buSzPts val="4200"/>
-              <a:buNone/>
-              <a:defRPr sz="4200"/>
-            </a:lvl2pPr>
-            <a:lvl3pPr lvl="2" algn="ctr" rtl="0">
-              <a:spcBef>
-                <a:spcPts val="0"/>
-              </a:spcBef>
-              <a:spcAft>
-                <a:spcPts val="0"/>
-              </a:spcAft>
-              <a:buSzPts val="4200"/>
-              <a:buNone/>
-              <a:defRPr sz="4200"/>
-            </a:lvl3pPr>
-            <a:lvl4pPr lvl="3" algn="ctr" rtl="0">
-              <a:spcBef>
-                <a:spcPts val="0"/>
-              </a:spcBef>
-              <a:spcAft>
-                <a:spcPts val="0"/>
-              </a:spcAft>
-              <a:buSzPts val="4200"/>
-              <a:buNone/>
-              <a:defRPr sz="4200"/>
-            </a:lvl4pPr>
-            <a:lvl5pPr lvl="4" algn="ctr" rtl="0">
-              <a:spcBef>
-                <a:spcPts val="0"/>
-              </a:spcBef>
-              <a:spcAft>
-                <a:spcPts val="0"/>
-              </a:spcAft>
-              <a:buSzPts val="4200"/>
-              <a:buNone/>
-              <a:defRPr sz="4200"/>
-            </a:lvl5pPr>
-            <a:lvl6pPr lvl="5" algn="ctr" rtl="0">
-              <a:spcBef>
-                <a:spcPts val="0"/>
-              </a:spcBef>
-              <a:spcAft>
-                <a:spcPts val="0"/>
-              </a:spcAft>
-              <a:buSzPts val="4200"/>
-              <a:buNone/>
-              <a:defRPr sz="4200"/>
-            </a:lvl6pPr>
-            <a:lvl7pPr lvl="6" algn="ctr" rtl="0">
-              <a:spcBef>
-                <a:spcPts val="0"/>
-              </a:spcBef>
-              <a:spcAft>
-                <a:spcPts val="0"/>
-              </a:spcAft>
-              <a:buSzPts val="4200"/>
-              <a:buNone/>
-              <a:defRPr sz="4200"/>
-            </a:lvl7pPr>
-            <a:lvl8pPr lvl="7" algn="ctr" rtl="0">
-              <a:spcBef>
-                <a:spcPts val="0"/>
-              </a:spcBef>
-              <a:spcAft>
-                <a:spcPts val="0"/>
-              </a:spcAft>
-              <a:buSzPts val="4200"/>
-              <a:buNone/>
-              <a:defRPr sz="4200"/>
-            </a:lvl8pPr>
-            <a:lvl9pPr lvl="8" algn="ctr" rtl="0">
-              <a:spcBef>
-                <a:spcPts val="0"/>
-              </a:spcBef>
-              <a:spcAft>
-                <a:spcPts val="0"/>
-              </a:spcAft>
-              <a:buSzPts val="4200"/>
-              <a:buNone/>
-              <a:defRPr sz="4200"/>
-            </a:lvl9pPr>
-          </a:lstStyle>
-          <a:p>
-            <a:endParaRPr/>
-          </a:p>
-        </p:txBody>
-      </p:sp>
-      <p:sp>
-        <p:nvSpPr>
-          <p:cNvPr id="38" name="Google Shape;38;p9"/>
-          <p:cNvSpPr txBox="1">
-            <a:spLocks noGrp="1"/>
-          </p:cNvSpPr>
-          <p:nvPr>
-            <p:ph type="subTitle" idx="1"/>
-          </p:nvPr>
-        </p:nvSpPr>
-        <p:spPr>
-          <a:xfrm>
-            <a:off x="265500" y="2803075"/>
-            <a:ext cx="4045200" cy="1235100"/>
-          </a:xfrm>
-          <a:prstGeom prst="rect">
-            <a:avLst/>
-          </a:prstGeom>
-        </p:spPr>
-        <p:txBody>
-          <a:bodyPr spcFirstLastPara="1" wrap="square" lIns="91425" tIns="91425" rIns="91425" bIns="91425" anchor="t" anchorCtr="0">
-            <a:normAutofit/>
-          </a:bodyPr>
-          <a:lstStyle>
-            <a:lvl1pPr lvl="0" algn="ctr" rtl="0">
-              <a:lnSpc>
-                <a:spcPct val="100000"/>
-              </a:lnSpc>
-              <a:spcBef>
-                <a:spcPts val="0"/>
-              </a:spcBef>
-              <a:spcAft>
-                <a:spcPts val="0"/>
-              </a:spcAft>
-              <a:buSzPts val="2100"/>
-              <a:buNone/>
-              <a:defRPr sz="2100"/>
-            </a:lvl1pPr>
-            <a:lvl2pPr lvl="1" algn="ctr" rtl="0">
-              <a:lnSpc>
-                <a:spcPct val="100000"/>
-              </a:lnSpc>
-              <a:spcBef>
-                <a:spcPts val="0"/>
-              </a:spcBef>
-              <a:spcAft>
-                <a:spcPts val="0"/>
-              </a:spcAft>
-              <a:buSzPts val="2100"/>
-              <a:buNone/>
-              <a:defRPr sz="2100"/>
-            </a:lvl2pPr>
-            <a:lvl3pPr lvl="2" algn="ctr" rtl="0">
-              <a:lnSpc>
-                <a:spcPct val="100000"/>
-              </a:lnSpc>
-              <a:spcBef>
-                <a:spcPts val="0"/>
-              </a:spcBef>
-              <a:spcAft>
-                <a:spcPts val="0"/>
-              </a:spcAft>
-              <a:buSzPts val="2100"/>
-              <a:buNone/>
-              <a:defRPr sz="2100"/>
-            </a:lvl3pPr>
-            <a:lvl4pPr lvl="3" algn="ctr" rtl="0">
-              <a:lnSpc>
-                <a:spcPct val="100000"/>
-              </a:lnSpc>
-              <a:spcBef>
-                <a:spcPts val="0"/>
-              </a:spcBef>
-              <a:spcAft>
-                <a:spcPts val="0"/>
-              </a:spcAft>
-              <a:buSzPts val="2100"/>
-              <a:buNone/>
-              <a:defRPr sz="2100"/>
-            </a:lvl4pPr>
-            <a:lvl5pPr lvl="4" algn="ctr" rtl="0">
-              <a:lnSpc>
-                <a:spcPct val="100000"/>
-              </a:lnSpc>
-              <a:spcBef>
-                <a:spcPts val="0"/>
-              </a:spcBef>
-              <a:spcAft>
-                <a:spcPts val="0"/>
-              </a:spcAft>
-              <a:buSzPts val="2100"/>
-              <a:buNone/>
-              <a:defRPr sz="2100"/>
-            </a:lvl5pPr>
-            <a:lvl6pPr lvl="5" algn="ctr" rtl="0">
-              <a:lnSpc>
-                <a:spcPct val="100000"/>
-              </a:lnSpc>
-              <a:spcBef>
-                <a:spcPts val="0"/>
-              </a:spcBef>
-              <a:spcAft>
-                <a:spcPts val="0"/>
-              </a:spcAft>
-              <a:buSzPts val="2100"/>
-              <a:buNone/>
-              <a:defRPr sz="2100"/>
-            </a:lvl6pPr>
-            <a:lvl7pPr lvl="6" algn="ctr" rtl="0">
-              <a:lnSpc>
-                <a:spcPct val="100000"/>
-              </a:lnSpc>
-              <a:spcBef>
-                <a:spcPts val="0"/>
-              </a:spcBef>
-              <a:spcAft>
-                <a:spcPts val="0"/>
-              </a:spcAft>
-              <a:buSzPts val="2100"/>
-              <a:buNone/>
-              <a:defRPr sz="2100"/>
-            </a:lvl7pPr>
-            <a:lvl8pPr lvl="7" algn="ctr" rtl="0">
-              <a:lnSpc>
-                <a:spcPct val="100000"/>
-              </a:lnSpc>
-              <a:spcBef>
-                <a:spcPts val="0"/>
-              </a:spcBef>
-              <a:spcAft>
-                <a:spcPts val="0"/>
-              </a:spcAft>
-              <a:buSzPts val="2100"/>
-              <a:buNone/>
-              <a:defRPr sz="2100"/>
-            </a:lvl8pPr>
-            <a:lvl9pPr lvl="8" algn="ctr" rtl="0">
-              <a:lnSpc>
-                <a:spcPct val="100000"/>
-              </a:lnSpc>
-              <a:spcBef>
-                <a:spcPts val="0"/>
-              </a:spcBef>
-              <a:spcAft>
-                <a:spcPts val="0"/>
-              </a:spcAft>
-              <a:buSzPts val="2100"/>
-              <a:buNone/>
-              <a:defRPr sz="2100"/>
-            </a:lvl9pPr>
-          </a:lstStyle>
-          <a:p>
-            <a:endParaRPr/>
-          </a:p>
-        </p:txBody>
-      </p:sp>
-      <p:sp>
-        <p:nvSpPr>
-          <p:cNvPr id="39" name="Google Shape;39;p9"/>
-          <p:cNvSpPr txBox="1">
-            <a:spLocks noGrp="1"/>
-          </p:cNvSpPr>
-          <p:nvPr>
-            <p:ph type="body" idx="2"/>
-          </p:nvPr>
-        </p:nvSpPr>
-        <p:spPr>
-          <a:xfrm>
-            <a:off x="4939500" y="724075"/>
-            <a:ext cx="3837000" cy="3695100"/>
-          </a:xfrm>
-          <a:prstGeom prst="rect">
-            <a:avLst/>
-          </a:prstGeom>
-        </p:spPr>
-        <p:txBody>
-          <a:bodyPr spcFirstLastPara="1" wrap="square" lIns="91425" tIns="91425" rIns="91425" bIns="91425" anchor="ctr" anchorCtr="0">
-            <a:normAutofit/>
-          </a:bodyPr>
-          <a:lstStyle>
-            <a:lvl1pPr marL="457200" lvl="0" indent="-342900" rtl="0">
-              <a:spcBef>
-                <a:spcPts val="0"/>
-              </a:spcBef>
-              <a:spcAft>
-                <a:spcPts val="0"/>
-              </a:spcAft>
-              <a:buSzPts val="1800"/>
-              <a:buChar char="●"/>
-              <a:defRPr/>
-            </a:lvl1pPr>
-            <a:lvl2pPr marL="914400" lvl="1" indent="-317500" rtl="0">
-              <a:spcBef>
-                <a:spcPts val="0"/>
-              </a:spcBef>
-              <a:spcAft>
-                <a:spcPts val="0"/>
-              </a:spcAft>
-              <a:buSzPts val="1400"/>
-              <a:buChar char="○"/>
-              <a:defRPr/>
-            </a:lvl2pPr>
-            <a:lvl3pPr marL="1371600" lvl="2" indent="-317500" rtl="0">
-              <a:spcBef>
-                <a:spcPts val="0"/>
-              </a:spcBef>
-              <a:spcAft>
-                <a:spcPts val="0"/>
-              </a:spcAft>
-              <a:buSzPts val="1400"/>
-              <a:buChar char="■"/>
-              <a:defRPr/>
-            </a:lvl3pPr>
-            <a:lvl4pPr marL="1828800" lvl="3" indent="-317500" rtl="0">
-              <a:spcBef>
-                <a:spcPts val="0"/>
-              </a:spcBef>
-              <a:spcAft>
-                <a:spcPts val="0"/>
-              </a:spcAft>
-              <a:buSzPts val="1400"/>
-              <a:buChar char="●"/>
-              <a:defRPr/>
-            </a:lvl4pPr>
-            <a:lvl5pPr marL="2286000" lvl="4" indent="-317500" rtl="0">
-              <a:spcBef>
-                <a:spcPts val="0"/>
-              </a:spcBef>
-              <a:spcAft>
-                <a:spcPts val="0"/>
-              </a:spcAft>
-              <a:buSzPts val="1400"/>
-              <a:buChar char="○"/>
-              <a:defRPr/>
-            </a:lvl5pPr>
-            <a:lvl6pPr marL="2743200" lvl="5" indent="-317500" rtl="0">
-              <a:spcBef>
-                <a:spcPts val="0"/>
-              </a:spcBef>
-              <a:spcAft>
-                <a:spcPts val="0"/>
-              </a:spcAft>
-              <a:buSzPts val="1400"/>
-              <a:buChar char="■"/>
-              <a:defRPr/>
-            </a:lvl6pPr>
-            <a:lvl7pPr marL="3200400" lvl="6" indent="-317500" rtl="0">
-              <a:spcBef>
-                <a:spcPts val="0"/>
-              </a:spcBef>
-              <a:spcAft>
-                <a:spcPts val="0"/>
-              </a:spcAft>
-              <a:buSzPts val="1400"/>
-              <a:buChar char="●"/>
-              <a:defRPr/>
-            </a:lvl7pPr>
-            <a:lvl8pPr marL="3657600" lvl="7" indent="-317500" rtl="0">
-              <a:spcBef>
-                <a:spcPts val="0"/>
-              </a:spcBef>
-              <a:spcAft>
-                <a:spcPts val="0"/>
-              </a:spcAft>
-              <a:buSzPts val="1400"/>
-              <a:buChar char="○"/>
-              <a:defRPr/>
-            </a:lvl8pPr>
-            <a:lvl9pPr marL="4114800" lvl="8" indent="-317500" rtl="0">
-              <a:spcBef>
-                <a:spcPts val="0"/>
-              </a:spcBef>
-              <a:spcAft>
-                <a:spcPts val="0"/>
-              </a:spcAft>
-              <a:buSzPts val="1400"/>
-              <a:buChar char="■"/>
-              <a:defRPr/>
-            </a:lvl9pPr>
-          </a:lstStyle>
-          <a:p>
-            <a:endParaRPr/>
-          </a:p>
-        </p:txBody>
-      </p:sp>
-      <p:sp>
-        <p:nvSpPr>
-          <p:cNvPr id="40" name="Google Shape;40;p9"/>
-          <p:cNvSpPr txBox="1">
-            <a:spLocks noGrp="1"/>
-          </p:cNvSpPr>
-          <p:nvPr>
-            <p:ph type="sldNum" idx="12"/>
-          </p:nvPr>
-        </p:nvSpPr>
-        <p:spPr>
-          <a:xfrm>
-            <a:off x="8472458" y="4663217"/>
-            <a:ext cx="548700" cy="393600"/>
-          </a:xfrm>
-          <a:prstGeom prst="rect">
-            <a:avLst/>
-          </a:prstGeom>
-        </p:spPr>
-        <p:txBody>
-          <a:bodyPr spcFirstLastPara="1" wrap="square" lIns="91425" tIns="91425" rIns="91425" bIns="91425" anchor="ctr" anchorCtr="0">
-            <a:normAutofit/>
-          </a:bodyPr>
-          <a:lstStyle>
-            <a:lvl1pPr lvl="0" rtl="0">
-              <a:buNone/>
-              <a:defRPr/>
-            </a:lvl1pPr>
-            <a:lvl2pPr lvl="1" rtl="0">
-              <a:buNone/>
-              <a:defRPr/>
-            </a:lvl2pPr>
-            <a:lvl3pPr lvl="2" rtl="0">
-              <a:buNone/>
-              <a:defRPr/>
-            </a:lvl3pPr>
-            <a:lvl4pPr lvl="3" rtl="0">
-              <a:buNone/>
-              <a:defRPr/>
-            </a:lvl4pPr>
-            <a:lvl5pPr lvl="4" rtl="0">
-              <a:buNone/>
-              <a:defRPr/>
-            </a:lvl5pPr>
-            <a:lvl6pPr lvl="5" rtl="0">
-              <a:buNone/>
-              <a:defRPr/>
-            </a:lvl6pPr>
-            <a:lvl7pPr lvl="6" rtl="0">
-              <a:buNone/>
-              <a:defRPr/>
-            </a:lvl7pPr>
-            <a:lvl8pPr lvl="7" rtl="0">
-              <a:buNone/>
-              <a:defRPr/>
-            </a:lvl8pPr>
-            <a:lvl9pPr lvl="8" rtl="0">
-              <a:buNone/>
-              <a:defRPr/>
-            </a:lvl9pPr>
-          </a:lstStyle>
-          <a:p>
-            <a:pPr marL="0" lvl="0" indent="0" algn="r" rtl="0">
-              <a:spcBef>
-                <a:spcPts val="0"/>
-              </a:spcBef>
-              <a:spcAft>
-                <a:spcPts val="0"/>
-              </a:spcAft>
-              <a:buNone/>
-            </a:pPr>
-            <a:fld id="{00000000-1234-1234-1234-123412341234}" type="slidenum">
-              <a:rPr lang="es"/>
-              <a:t>‹Nº›</a:t>
-            </a:fld>
-            <a:endParaRPr/>
-          </a:p>
-        </p:txBody>
-      </p:sp>
-    </p:spTree>
-  </p:cSld>
-  <p:clrMapOvr>
-    <a:masterClrMapping/>
-  </p:clrMapOvr>
-</p:sldLayout>
-</file>
-
-<file path=ppt/slideLayouts/slideLayout9.xml><?xml version="1.0" encoding="utf-8"?>
-<p:sldLayout xmlns:a="http://schemas.openxmlformats.org/drawingml/2006/main" xmlns:r="http://schemas.openxmlformats.org/officeDocument/2006/relationships" xmlns:p="http://schemas.openxmlformats.org/presentationml/2006/main" matchingName="Caption">
-  <p:cSld name="CAPTION_ONLY">
-    <p:spTree>
-      <p:nvGrpSpPr>
-        <p:cNvPr id="1" name="Shape 41"/>
-        <p:cNvGrpSpPr/>
-        <p:nvPr/>
-      </p:nvGrpSpPr>
-      <p:grpSpPr>
-        <a:xfrm>
-          <a:off x="0" y="0"/>
-          <a:ext cx="0" cy="0"/>
-          <a:chOff x="0" y="0"/>
-          <a:chExt cx="0" cy="0"/>
-        </a:xfrm>
-      </p:grpSpPr>
-      <p:sp>
-        <p:nvSpPr>
-          <p:cNvPr id="42" name="Google Shape;42;p10"/>
-          <p:cNvSpPr txBox="1">
-            <a:spLocks noGrp="1"/>
-          </p:cNvSpPr>
-          <p:nvPr>
-            <p:ph type="body" idx="1"/>
-          </p:nvPr>
-        </p:nvSpPr>
-        <p:spPr>
-          <a:xfrm>
-            <a:off x="311700" y="4230575"/>
-            <a:ext cx="5998800" cy="605100"/>
-          </a:xfrm>
-          <a:prstGeom prst="rect">
-            <a:avLst/>
-          </a:prstGeom>
-        </p:spPr>
-        <p:txBody>
-          <a:bodyPr spcFirstLastPara="1" wrap="square" lIns="91425" tIns="91425" rIns="91425" bIns="91425" anchor="ctr" anchorCtr="0">
-            <a:normAutofit/>
-          </a:bodyPr>
-          <a:lstStyle>
-            <a:lvl1pPr marL="457200" lvl="0" indent="-228600" rtl="0">
-              <a:lnSpc>
-                <a:spcPct val="100000"/>
-              </a:lnSpc>
-              <a:spcBef>
-                <a:spcPts val="0"/>
-              </a:spcBef>
-              <a:spcAft>
-                <a:spcPts val="0"/>
-              </a:spcAft>
-              <a:buSzPts val="1800"/>
-              <a:buNone/>
-              <a:defRPr/>
-            </a:lvl1pPr>
-          </a:lstStyle>
-          <a:p>
-            <a:endParaRPr/>
-          </a:p>
-        </p:txBody>
-      </p:sp>
-      <p:sp>
-        <p:nvSpPr>
-          <p:cNvPr id="43" name="Google Shape;43;p10"/>
-          <p:cNvSpPr txBox="1">
-            <a:spLocks noGrp="1"/>
-          </p:cNvSpPr>
-          <p:nvPr>
-            <p:ph type="sldNum" idx="12"/>
-          </p:nvPr>
-        </p:nvSpPr>
-        <p:spPr>
-          <a:xfrm>
-            <a:off x="8472458" y="4663217"/>
-            <a:ext cx="548700" cy="393600"/>
-          </a:xfrm>
-          <a:prstGeom prst="rect">
-            <a:avLst/>
-          </a:prstGeom>
-        </p:spPr>
-        <p:txBody>
-          <a:bodyPr spcFirstLastPara="1" wrap="square" lIns="91425" tIns="91425" rIns="91425" bIns="91425" anchor="ctr" anchorCtr="0">
-            <a:normAutofit/>
-          </a:bodyPr>
-          <a:lstStyle>
-            <a:lvl1pPr lvl="0" rtl="0">
-              <a:buNone/>
-              <a:defRPr/>
-            </a:lvl1pPr>
-            <a:lvl2pPr lvl="1" rtl="0">
-              <a:buNone/>
-              <a:defRPr/>
-            </a:lvl2pPr>
-            <a:lvl3pPr lvl="2" rtl="0">
-              <a:buNone/>
-              <a:defRPr/>
-            </a:lvl3pPr>
-            <a:lvl4pPr lvl="3" rtl="0">
-              <a:buNone/>
-              <a:defRPr/>
-            </a:lvl4pPr>
-            <a:lvl5pPr lvl="4" rtl="0">
-              <a:buNone/>
-              <a:defRPr/>
-            </a:lvl5pPr>
-            <a:lvl6pPr lvl="5" rtl="0">
-              <a:buNone/>
-              <a:defRPr/>
-            </a:lvl6pPr>
-            <a:lvl7pPr lvl="6" rtl="0">
-              <a:buNone/>
-              <a:defRPr/>
-            </a:lvl7pPr>
-            <a:lvl8pPr lvl="7" rtl="0">
-              <a:buNone/>
-              <a:defRPr/>
-            </a:lvl8pPr>
-            <a:lvl9pPr lvl="8" rtl="0">
-              <a:buNone/>
-              <a:defRPr/>
-            </a:lvl9pPr>
-          </a:lstStyle>
-          <a:p>
-            <a:pPr marL="0" lvl="0" indent="0" algn="r" rtl="0">
-              <a:spcBef>
-                <a:spcPts val="0"/>
-              </a:spcBef>
-              <a:spcAft>
-                <a:spcPts val="0"/>
-              </a:spcAft>
-              <a:buNone/>
-            </a:pPr>
-            <a:fld id="{00000000-1234-1234-1234-123412341234}" type="slidenum">
-              <a:rPr lang="es"/>
-              <a:t>‹Nº›</a:t>
+              <a:t>‹#›</a:t>
             </a:fld>
             <a:endParaRPr/>
           </a:p>
@@ -6858,7 +6740,7 @@
             </a:pPr>
             <a:fld id="{00000000-1234-1234-1234-123412341234}" type="slidenum">
               <a:rPr lang="es"/>
-              <a:t>‹Nº›</a:t>
+              <a:t>‹#›</a:t>
             </a:fld>
             <a:endParaRPr/>
           </a:p>
@@ -6869,16 +6751,15 @@
   <p:clrMap bg1="lt1" tx1="dk1" bg2="dk2" tx2="lt2" accent1="accent1" accent2="accent2" accent3="accent3" accent4="accent4" accent5="accent5" accent6="accent6" hlink="hlink" folHlink="folHlink"/>
   <p:sldLayoutIdLst>
     <p:sldLayoutId id="2147483648" r:id="rId1"/>
-    <p:sldLayoutId id="2147483649" r:id="rId2"/>
-    <p:sldLayoutId id="2147483650" r:id="rId3"/>
-    <p:sldLayoutId id="2147483651" r:id="rId4"/>
-    <p:sldLayoutId id="2147483652" r:id="rId5"/>
-    <p:sldLayoutId id="2147483653" r:id="rId6"/>
-    <p:sldLayoutId id="2147483654" r:id="rId7"/>
-    <p:sldLayoutId id="2147483655" r:id="rId8"/>
-    <p:sldLayoutId id="2147483656" r:id="rId9"/>
-    <p:sldLayoutId id="2147483657" r:id="rId10"/>
-    <p:sldLayoutId id="2147483658" r:id="rId11"/>
+    <p:sldLayoutId id="2147483650" r:id="rId2"/>
+    <p:sldLayoutId id="2147483651" r:id="rId3"/>
+    <p:sldLayoutId id="2147483652" r:id="rId4"/>
+    <p:sldLayoutId id="2147483653" r:id="rId5"/>
+    <p:sldLayoutId id="2147483654" r:id="rId6"/>
+    <p:sldLayoutId id="2147483655" r:id="rId7"/>
+    <p:sldLayoutId id="2147483656" r:id="rId8"/>
+    <p:sldLayoutId id="2147483657" r:id="rId9"/>
+    <p:sldLayoutId id="2147483658" r:id="rId10"/>
   </p:sldLayoutIdLst>
   <p:hf sldNum="0" hdr="0" ftr="0" dt="0"/>
   <p:txStyles>
@@ -7602,7 +7483,7 @@
         </p:nvSpPr>
         <p:spPr>
           <a:xfrm>
-            <a:off x="311708" y="744575"/>
+            <a:off x="328887" y="0"/>
             <a:ext cx="8520600" cy="2052600"/>
           </a:xfrm>
           <a:prstGeom prst="rect">
@@ -7625,10 +7506,10 @@
               <a:buNone/>
             </a:pPr>
             <a:r>
-              <a:rPr lang="es"/>
+              <a:rPr lang="es" dirty="0"/>
               <a:t>Análisis de datos ecommerce</a:t>
             </a:r>
-            <a:endParaRPr/>
+            <a:endParaRPr dirty="0"/>
           </a:p>
         </p:txBody>
       </p:sp>
@@ -7667,10 +7548,10 @@
               <a:buNone/>
             </a:pPr>
             <a:r>
-              <a:rPr lang="es"/>
+              <a:rPr lang="es" dirty="0"/>
               <a:t>Para las marcas:</a:t>
             </a:r>
-            <a:endParaRPr/>
+            <a:endParaRPr dirty="0"/>
           </a:p>
         </p:txBody>
       </p:sp>
@@ -7831,6 +7712,86 @@
           </a:ln>
         </p:spPr>
       </p:pic>
+      <p:sp>
+        <p:nvSpPr>
+          <p:cNvPr id="10" name="TextBox 9">
+            <a:extLst>
+              <a:ext uri="{FF2B5EF4-FFF2-40B4-BE49-F238E27FC236}">
+                <a16:creationId xmlns:a16="http://schemas.microsoft.com/office/drawing/2014/main" id="{ADB98F39-5D2F-4131-AB5B-102AD0EC4F6A}"/>
+              </a:ext>
+            </a:extLst>
+          </p:cNvPr>
+          <p:cNvSpPr txBox="1"/>
+          <p:nvPr/>
+        </p:nvSpPr>
+        <p:spPr>
+          <a:xfrm>
+            <a:off x="311700" y="4681412"/>
+            <a:ext cx="5614713" cy="307777"/>
+          </a:xfrm>
+          <a:prstGeom prst="rect">
+            <a:avLst/>
+          </a:prstGeom>
+          <a:noFill/>
+        </p:spPr>
+        <p:txBody>
+          <a:bodyPr wrap="square">
+            <a:spAutoFit/>
+          </a:bodyPr>
+          <a:lstStyle/>
+          <a:p>
+            <a:r>
+              <a:rPr kumimoji="0" lang="es-AR" altLang="es-AR" sz="1400" b="0" i="0" u="none" strike="noStrike" cap="none" normalizeH="0" baseline="0" dirty="0">
+                <a:ln>
+                  <a:noFill/>
+                </a:ln>
+                <a:solidFill>
+                  <a:srgbClr val="000000"/>
+                </a:solidFill>
+                <a:effectLst/>
+                <a:latin typeface="Amasis MT Pro Light" panose="020B0604020202020204" pitchFamily="18" charset="0"/>
+                <a:ea typeface="FangSong" panose="02010609060101010101" pitchFamily="49" charset="-122"/>
+                <a:cs typeface="Courier New" panose="02070309020205020404" pitchFamily="49" charset="0"/>
+              </a:rPr>
+              <a:t>Uso de algoritmos de clasificación y </a:t>
+            </a:r>
+            <a:r>
+              <a:rPr kumimoji="0" lang="es-AR" altLang="es-AR" sz="1400" b="0" i="0" u="none" strike="noStrike" cap="none" normalizeH="0" baseline="0" dirty="0" err="1">
+                <a:ln>
+                  <a:noFill/>
+                </a:ln>
+                <a:solidFill>
+                  <a:srgbClr val="000000"/>
+                </a:solidFill>
+                <a:effectLst/>
+                <a:latin typeface="Amasis MT Pro Light" panose="020B0604020202020204" pitchFamily="18" charset="0"/>
+                <a:ea typeface="FangSong" panose="02010609060101010101" pitchFamily="49" charset="-122"/>
+                <a:cs typeface="Courier New" panose="02070309020205020404" pitchFamily="49" charset="0"/>
+              </a:rPr>
+              <a:t>clusteing</a:t>
+            </a:r>
+            <a:r>
+              <a:rPr kumimoji="0" lang="es-AR" altLang="es-AR" sz="1400" b="0" i="0" u="none" strike="noStrike" cap="none" normalizeH="0" baseline="0" dirty="0">
+                <a:ln>
+                  <a:noFill/>
+                </a:ln>
+                <a:solidFill>
+                  <a:srgbClr val="000000"/>
+                </a:solidFill>
+                <a:effectLst/>
+                <a:latin typeface="Amasis MT Pro Light" panose="020B0604020202020204" pitchFamily="18" charset="0"/>
+                <a:ea typeface="FangSong" panose="020B0503020204020204" pitchFamily="49" charset="-122"/>
+                <a:cs typeface="Courier New" panose="02070309020205020404" pitchFamily="49" charset="0"/>
+              </a:rPr>
+              <a:t>.</a:t>
+            </a:r>
+            <a:endParaRPr lang="en-US" dirty="0">
+              <a:latin typeface="Amasis MT Pro Light" panose="020B0604020202020204" pitchFamily="18" charset="0"/>
+              <a:ea typeface="FangSong" panose="020B0503020204020204" pitchFamily="49" charset="-122"/>
+            </a:endParaRPr>
+          </a:p>
+        </p:txBody>
+      </p:sp>
     </p:spTree>
   </p:cSld>
   <p:clrMapOvr>
@@ -9298,10 +9259,10 @@
               <a:buNone/>
             </a:pPr>
             <a:r>
-              <a:rPr lang="es" sz="4380"/>
+              <a:rPr lang="es" sz="4380" dirty="0"/>
               <a:t>Análisis de datos ecommerce</a:t>
             </a:r>
-            <a:endParaRPr sz="4380"/>
+            <a:endParaRPr sz="4380" dirty="0"/>
           </a:p>
         </p:txBody>
       </p:sp>
@@ -9369,7 +9330,7 @@
             </a:pPr>
             <a:r>
               <a:rPr lang="es" dirty="0"/>
-              <a:t>Analisis de clientes y recurrencia de compra:</a:t>
+              <a:t>Analisis de clientes y su recurrencia de compra:</a:t>
             </a:r>
             <a:endParaRPr dirty="0"/>
           </a:p>
@@ -9389,7 +9350,7 @@
         </p:nvSpPr>
         <p:spPr>
           <a:xfrm>
-            <a:off x="390940" y="1769166"/>
+            <a:off x="390940" y="1714607"/>
             <a:ext cx="7533860" cy="523220"/>
           </a:xfrm>
           <a:prstGeom prst="rect">
@@ -9404,8 +9365,12 @@
           <a:lstStyle/>
           <a:p>
             <a:r>
+              <a:rPr lang="es-ES" dirty="0" err="1"/>
+              <a:t>Análsis</a:t>
+            </a:r>
+            <a:r>
               <a:rPr lang="es-ES" dirty="0"/>
-              <a:t>Se analizo con el algoritmo K-</a:t>
+              <a:t> de grupos de clientes a través del algoritmo K-</a:t>
             </a:r>
             <a:r>
               <a:rPr lang="es-ES" dirty="0" err="1"/>
@@ -9413,7 +9378,7 @@
             </a:r>
             <a:r>
               <a:rPr lang="es-ES" dirty="0"/>
-              <a:t> y se logró establecer mediante el </a:t>
+              <a:t>. Se logró establecer mediante el </a:t>
             </a:r>
             <a:r>
               <a:rPr lang="es-AR" b="0" i="0" dirty="0" err="1">
@@ -9485,8 +9450,8 @@
         </p:blipFill>
         <p:spPr>
           <a:xfrm>
-            <a:off x="2478247" y="2366109"/>
-            <a:ext cx="3359246" cy="2252222"/>
+            <a:off x="2308126" y="2280535"/>
+            <a:ext cx="3986348" cy="2672665"/>
           </a:xfrm>
           <a:prstGeom prst="rect">
             <a:avLst/>
@@ -9645,7 +9610,7 @@
         </p:nvSpPr>
         <p:spPr>
           <a:xfrm>
-            <a:off x="311700" y="1632176"/>
+            <a:off x="311700" y="1556087"/>
             <a:ext cx="7533860" cy="2031325"/>
           </a:xfrm>
           <a:prstGeom prst="rect">
@@ -10264,16 +10229,8 @@
               <a:buNone/>
             </a:pPr>
             <a:r>
-              <a:rPr lang="es" dirty="0"/>
-              <a:t>Selecci</a:t>
-            </a:r>
-            <a:r>
               <a:rPr lang="es-AR" dirty="0"/>
-              <a:t>o</a:t>
-            </a:r>
-            <a:r>
-              <a:rPr lang="es" dirty="0"/>
-              <a:t>n de Algoritmo de predicción para ecommerce</a:t>
+              <a:t>Performance de los modelos seleccionados</a:t>
             </a:r>
             <a:endParaRPr dirty="0"/>
           </a:p>
@@ -10295,8 +10252,8 @@
         </p:nvSpPr>
         <p:spPr bwMode="auto">
           <a:xfrm>
-            <a:off x="311700" y="1616788"/>
-            <a:ext cx="8358293" cy="2246769"/>
+            <a:off x="311700" y="1882675"/>
+            <a:ext cx="8358293" cy="2492990"/>
           </a:xfrm>
           <a:prstGeom prst="rect">
             <a:avLst/>
@@ -10488,7 +10445,7 @@
               <a:tabLst/>
             </a:pPr>
             <a:r>
-              <a:rPr kumimoji="0" lang="es-AR" altLang="es-AR" sz="1000" b="1" i="0" u="none" strike="noStrike" cap="none" normalizeH="0" baseline="0" dirty="0">
+              <a:rPr kumimoji="0" lang="es-AR" altLang="es-AR" sz="1100" b="1" i="0" u="none" strike="noStrike" cap="none" normalizeH="0" baseline="0" dirty="0">
                 <a:ln>
                   <a:noFill/>
                 </a:ln>
@@ -10520,7 +10477,7 @@
               <a:tabLst/>
             </a:pPr>
             <a:r>
-              <a:rPr kumimoji="0" lang="es-AR" altLang="es-AR" sz="1000" b="0" i="0" u="none" strike="noStrike" cap="none" normalizeH="0" baseline="0" dirty="0">
+              <a:rPr kumimoji="0" lang="es-AR" altLang="es-AR" sz="1100" b="0" i="0" u="none" strike="noStrike" cap="none" normalizeH="0" baseline="0" dirty="0" err="1">
                 <a:ln>
                   <a:noFill/>
                 </a:ln>
@@ -10531,28 +10488,10 @@
                 <a:latin typeface="Courier New" panose="02070309020205020404" pitchFamily="49" charset="0"/>
                 <a:cs typeface="Courier New" panose="02070309020205020404" pitchFamily="49" charset="0"/>
               </a:rPr>
-              <a:t>% de aciertos sobre el set de entrenamiento: 0.8936290401807643 (89%)</a:t>
+              <a:t>Accuracy</a:t>
             </a:r>
-          </a:p>
-          <a:p>
-            <a:pPr marL="0" marR="0" lvl="0" indent="0" algn="l" defTabSz="914400" rtl="0" eaLnBrk="0" fontAlgn="base" latinLnBrk="0" hangingPunct="0">
-              <a:lnSpc>
-                <a:spcPct val="100000"/>
-              </a:lnSpc>
-              <a:spcBef>
-                <a:spcPct val="0"/>
-              </a:spcBef>
-              <a:spcAft>
-                <a:spcPct val="0"/>
-              </a:spcAft>
-              <a:buClrTx/>
-              <a:buSzTx/>
-              <a:buFontTx/>
-              <a:buNone/>
-              <a:tabLst/>
-            </a:pPr>
             <a:r>
-              <a:rPr kumimoji="0" lang="es-AR" altLang="es-AR" sz="1000" b="0" i="0" u="none" strike="noStrike" cap="none" normalizeH="0" baseline="0" dirty="0">
+              <a:rPr kumimoji="0" lang="es-AR" altLang="es-AR" sz="1100" b="0" i="0" u="none" strike="noStrike" cap="none" normalizeH="0" baseline="0" dirty="0">
                 <a:ln>
                   <a:noFill/>
                 </a:ln>
@@ -10563,27 +10502,33 @@
                 <a:latin typeface="Courier New" panose="02070309020205020404" pitchFamily="49" charset="0"/>
                 <a:cs typeface="Courier New" panose="02070309020205020404" pitchFamily="49" charset="0"/>
               </a:rPr>
-              <a:t>% de aciertos sobre el set de evaluación: 0.8801214830095696 (88%)</a:t>
+              <a:t> score del </a:t>
             </a:r>
-          </a:p>
-          <a:p>
-            <a:pPr marL="0" marR="0" lvl="0" indent="0" algn="l" defTabSz="914400" rtl="0" eaLnBrk="0" fontAlgn="base" latinLnBrk="0" hangingPunct="0">
-              <a:lnSpc>
-                <a:spcPct val="100000"/>
-              </a:lnSpc>
-              <a:spcBef>
-                <a:spcPct val="0"/>
-              </a:spcBef>
-              <a:spcAft>
-                <a:spcPct val="0"/>
-              </a:spcAft>
-              <a:buClrTx/>
-              <a:buSzTx/>
-              <a:buFontTx/>
-              <a:buNone/>
-              <a:tabLst/>
-            </a:pPr>
-            <a:endParaRPr kumimoji="0" lang="es-AR" altLang="es-AR" sz="1000" b="0" i="0" u="none" strike="noStrike" cap="none" normalizeH="0" baseline="0" dirty="0">
+            <a:r>
+              <a:rPr lang="es-AR" altLang="es-AR" sz="1100" dirty="0">
+                <a:solidFill>
+                  <a:srgbClr val="000000"/>
+                </a:solidFill>
+                <a:latin typeface="Courier New" panose="02070309020205020404" pitchFamily="49" charset="0"/>
+                <a:cs typeface="Courier New" panose="02070309020205020404" pitchFamily="49" charset="0"/>
+              </a:rPr>
+              <a:t>T</a:t>
+            </a:r>
+            <a:r>
+              <a:rPr kumimoji="0" lang="es-AR" altLang="es-AR" sz="1100" b="0" i="0" u="none" strike="noStrike" cap="none" normalizeH="0" baseline="0" dirty="0">
+                <a:ln>
+                  <a:noFill/>
+                </a:ln>
+                <a:solidFill>
+                  <a:srgbClr val="000000"/>
+                </a:solidFill>
+                <a:effectLst/>
+                <a:latin typeface="Courier New" panose="02070309020205020404" pitchFamily="49" charset="0"/>
+                <a:cs typeface="Courier New" panose="02070309020205020404" pitchFamily="49" charset="0"/>
+              </a:rPr>
+              <a:t>rain: 0.8936290401807643 (89%)</a:t>
+            </a:r>
+            <a:endParaRPr kumimoji="0" lang="es-AR" altLang="es-AR" sz="1100" b="1" i="0" u="none" strike="noStrike" cap="none" normalizeH="0" baseline="0" dirty="0">
               <a:ln>
                 <a:noFill/>
               </a:ln>
@@ -10613,7 +10558,82 @@
               <a:tabLst/>
             </a:pPr>
             <a:r>
-              <a:rPr kumimoji="0" lang="es-AR" altLang="es-AR" sz="1000" b="1" i="0" u="none" strike="noStrike" cap="none" normalizeH="0" baseline="0" dirty="0">
+              <a:rPr kumimoji="0" lang="es-AR" altLang="es-AR" sz="1100" b="1" i="0" u="none" strike="noStrike" cap="none" normalizeH="0" baseline="0" dirty="0" err="1">
+                <a:ln>
+                  <a:noFill/>
+                </a:ln>
+                <a:solidFill>
+                  <a:srgbClr val="000000"/>
+                </a:solidFill>
+                <a:effectLst/>
+                <a:latin typeface="Courier New" panose="02070309020205020404" pitchFamily="49" charset="0"/>
+                <a:cs typeface="Courier New" panose="02070309020205020404" pitchFamily="49" charset="0"/>
+              </a:rPr>
+              <a:t>Accuracy</a:t>
+            </a:r>
+            <a:r>
+              <a:rPr kumimoji="0" lang="es-AR" altLang="es-AR" sz="1100" b="1" i="0" u="none" strike="noStrike" cap="none" normalizeH="0" baseline="0" dirty="0">
+                <a:ln>
+                  <a:noFill/>
+                </a:ln>
+                <a:solidFill>
+                  <a:srgbClr val="000000"/>
+                </a:solidFill>
+                <a:effectLst/>
+                <a:latin typeface="Courier New" panose="02070309020205020404" pitchFamily="49" charset="0"/>
+                <a:cs typeface="Courier New" panose="02070309020205020404" pitchFamily="49" charset="0"/>
+              </a:rPr>
+              <a:t> score del Test: 0.8801214830095696 (88%)</a:t>
+            </a:r>
+          </a:p>
+          <a:p>
+            <a:pPr marL="0" marR="0" lvl="0" indent="0" algn="l" defTabSz="914400" rtl="0" eaLnBrk="0" fontAlgn="base" latinLnBrk="0" hangingPunct="0">
+              <a:lnSpc>
+                <a:spcPct val="100000"/>
+              </a:lnSpc>
+              <a:spcBef>
+                <a:spcPct val="0"/>
+              </a:spcBef>
+              <a:spcAft>
+                <a:spcPct val="0"/>
+              </a:spcAft>
+              <a:buClrTx/>
+              <a:buSzTx/>
+              <a:buFontTx/>
+              <a:buNone/>
+              <a:tabLst/>
+            </a:pPr>
+            <a:endParaRPr kumimoji="0" lang="es-AR" altLang="es-AR" sz="1100" b="0" i="0" u="none" strike="noStrike" cap="none" normalizeH="0" baseline="0" dirty="0">
+              <a:ln>
+                <a:noFill/>
+              </a:ln>
+              <a:solidFill>
+                <a:srgbClr val="000000"/>
+              </a:solidFill>
+              <a:effectLst/>
+              <a:latin typeface="Courier New" panose="02070309020205020404" pitchFamily="49" charset="0"/>
+              <a:cs typeface="Courier New" panose="02070309020205020404" pitchFamily="49" charset="0"/>
+            </a:endParaRPr>
+          </a:p>
+          <a:p>
+            <a:pPr marL="0" marR="0" lvl="0" indent="0" algn="l" defTabSz="914400" rtl="0" eaLnBrk="0" fontAlgn="base" latinLnBrk="0" hangingPunct="0">
+              <a:lnSpc>
+                <a:spcPct val="100000"/>
+              </a:lnSpc>
+              <a:spcBef>
+                <a:spcPct val="0"/>
+              </a:spcBef>
+              <a:spcAft>
+                <a:spcPct val="0"/>
+              </a:spcAft>
+              <a:buClrTx/>
+              <a:buSzTx/>
+              <a:buFontTx/>
+              <a:buNone/>
+              <a:tabLst/>
+            </a:pPr>
+            <a:r>
+              <a:rPr kumimoji="0" lang="es-AR" altLang="es-AR" sz="1100" b="1" i="0" u="none" strike="noStrike" cap="none" normalizeH="0" baseline="0" dirty="0">
                 <a:ln>
                   <a:noFill/>
                 </a:ln>
@@ -10645,7 +10665,7 @@
               <a:tabLst/>
             </a:pPr>
             <a:r>
-              <a:rPr kumimoji="0" lang="es-AR" altLang="es-AR" sz="1000" b="0" i="0" u="none" strike="noStrike" cap="none" normalizeH="0" baseline="0" dirty="0">
+              <a:rPr kumimoji="0" lang="es-AR" altLang="es-AR" sz="1100" b="0" i="0" u="none" strike="noStrike" cap="none" normalizeH="0" baseline="0" dirty="0" err="1">
                 <a:ln>
                   <a:noFill/>
                 </a:ln>
@@ -10656,15 +10676,10 @@
                 <a:latin typeface="Courier New" panose="02070309020205020404" pitchFamily="49" charset="0"/>
                 <a:cs typeface="Courier New" panose="02070309020205020404" pitchFamily="49" charset="0"/>
               </a:rPr>
-              <a:t>% de aciertos sobre el set de entrenamiento: 0.8652126927988997 (86%)</a:t>
+              <a:t>Accuracy</a:t>
             </a:r>
-          </a:p>
-          <a:p>
-            <a:pPr>
-              <a:buClrTx/>
-            </a:pPr>
             <a:r>
-              <a:rPr kumimoji="0" lang="es-AR" altLang="es-AR" sz="1000" b="0" i="0" u="none" strike="noStrike" cap="none" normalizeH="0" baseline="0" dirty="0">
+              <a:rPr kumimoji="0" lang="es-AR" altLang="es-AR" sz="1100" b="0" i="0" u="none" strike="noStrike" cap="none" normalizeH="0" baseline="0" dirty="0">
                 <a:ln>
                   <a:noFill/>
                 </a:ln>
@@ -10675,7 +10690,64 @@
                 <a:latin typeface="Courier New" panose="02070309020205020404" pitchFamily="49" charset="0"/>
                 <a:cs typeface="Courier New" panose="02070309020205020404" pitchFamily="49" charset="0"/>
               </a:rPr>
-              <a:t>% de aciertos sobre el set de evaluación: 0.861325998510114 (86%)</a:t>
+              <a:t> score del </a:t>
+            </a:r>
+            <a:r>
+              <a:rPr lang="es-AR" altLang="es-AR" sz="1100" dirty="0">
+                <a:solidFill>
+                  <a:srgbClr val="000000"/>
+                </a:solidFill>
+                <a:latin typeface="Courier New" panose="02070309020205020404" pitchFamily="49" charset="0"/>
+                <a:cs typeface="Courier New" panose="02070309020205020404" pitchFamily="49" charset="0"/>
+              </a:rPr>
+              <a:t>T</a:t>
+            </a:r>
+            <a:r>
+              <a:rPr kumimoji="0" lang="es-AR" altLang="es-AR" sz="1100" b="0" i="0" u="none" strike="noStrike" cap="none" normalizeH="0" baseline="0" dirty="0">
+                <a:ln>
+                  <a:noFill/>
+                </a:ln>
+                <a:solidFill>
+                  <a:srgbClr val="000000"/>
+                </a:solidFill>
+                <a:effectLst/>
+                <a:latin typeface="Courier New" panose="02070309020205020404" pitchFamily="49" charset="0"/>
+                <a:cs typeface="Courier New" panose="02070309020205020404" pitchFamily="49" charset="0"/>
+              </a:rPr>
+              <a:t>rain: 0.8652126927988997 (86%)</a:t>
+            </a:r>
+          </a:p>
+          <a:p>
+            <a:pPr>
+              <a:buClrTx/>
+            </a:pPr>
+            <a:r>
+              <a:rPr kumimoji="0" lang="es-AR" altLang="es-AR" sz="1100" b="0" i="0" u="none" strike="noStrike" cap="none" normalizeH="0" baseline="0" dirty="0" err="1">
+                <a:ln>
+                  <a:noFill/>
+                </a:ln>
+                <a:solidFill>
+                  <a:srgbClr val="000000"/>
+                </a:solidFill>
+                <a:effectLst/>
+                <a:latin typeface="Courier New" panose="02070309020205020404" pitchFamily="49" charset="0"/>
+                <a:cs typeface="Courier New" panose="02070309020205020404" pitchFamily="49" charset="0"/>
+              </a:rPr>
+              <a:t>Accuracy</a:t>
+            </a:r>
+            <a:r>
+              <a:rPr kumimoji="0" lang="es-AR" altLang="es-AR" sz="1100" b="0" i="0" u="none" strike="noStrike" cap="none" normalizeH="0" baseline="0" dirty="0">
+                <a:ln>
+                  <a:noFill/>
+                </a:ln>
+                <a:solidFill>
+                  <a:srgbClr val="000000"/>
+                </a:solidFill>
+                <a:effectLst/>
+                <a:latin typeface="Courier New" panose="02070309020205020404" pitchFamily="49" charset="0"/>
+                <a:cs typeface="Courier New" panose="02070309020205020404" pitchFamily="49" charset="0"/>
+              </a:rPr>
+              <a:t> score del Test : 0.861325998510114 (86%)</a:t>
             </a:r>
           </a:p>
           <a:p>
@@ -10695,7 +10767,7 @@
               <a:buNone/>
               <a:tabLst/>
             </a:pPr>
-            <a:endParaRPr lang="es-AR" altLang="es-AR" sz="1000" dirty="0">
+            <a:endParaRPr lang="es-AR" altLang="es-AR" sz="1100" dirty="0">
               <a:solidFill>
                 <a:srgbClr val="000000"/>
               </a:solidFill>
@@ -10721,7 +10793,7 @@
               <a:tabLst/>
             </a:pPr>
             <a:r>
-              <a:rPr kumimoji="0" lang="es-AR" altLang="es-AR" sz="1000" b="1" i="0" u="none" strike="noStrike" cap="none" normalizeH="0" baseline="0" dirty="0" err="1">
+              <a:rPr kumimoji="0" lang="es-AR" altLang="es-AR" sz="1100" b="1" i="0" u="none" strike="noStrike" cap="none" normalizeH="0" baseline="0" dirty="0" err="1">
                 <a:ln>
                   <a:noFill/>
                 </a:ln>
@@ -10735,7 +10807,7 @@
               <a:t>Random</a:t>
             </a:r>
             <a:r>
-              <a:rPr kumimoji="0" lang="es-AR" altLang="es-AR" sz="1000" b="1" i="0" u="none" strike="noStrike" cap="none" normalizeH="0" baseline="0" dirty="0">
+              <a:rPr kumimoji="0" lang="es-AR" altLang="es-AR" sz="1100" b="1" i="0" u="none" strike="noStrike" cap="none" normalizeH="0" baseline="0" dirty="0">
                 <a:ln>
                   <a:noFill/>
                 </a:ln>
@@ -10754,7 +10826,7 @@
               <a:buClrTx/>
             </a:pPr>
             <a:r>
-              <a:rPr kumimoji="0" lang="es-AR" altLang="es-AR" sz="1000" b="0" i="0" u="none" strike="noStrike" cap="none" normalizeH="0" baseline="0" dirty="0">
+              <a:rPr kumimoji="0" lang="es-AR" altLang="es-AR" sz="1100" b="0" i="0" u="none" strike="noStrike" cap="none" normalizeH="0" baseline="0" dirty="0" err="1">
                 <a:ln>
                   <a:noFill/>
                 </a:ln>
@@ -10765,15 +10837,10 @@
                 <a:latin typeface="Courier New" panose="02070309020205020404" pitchFamily="49" charset="0"/>
                 <a:cs typeface="Courier New" panose="02070309020205020404" pitchFamily="49" charset="0"/>
               </a:rPr>
-              <a:t>% de aciertos sobre el set de entrenamiento: 0.9130317319972492 (91%) </a:t>
+              <a:t>Accuracy</a:t>
             </a:r>
-          </a:p>
-          <a:p>
-            <a:pPr>
-              <a:buClrTx/>
-            </a:pPr>
             <a:r>
-              <a:rPr kumimoji="0" lang="es-AR" altLang="es-AR" sz="1000" b="0" i="0" u="none" strike="noStrike" cap="none" normalizeH="0" baseline="0" dirty="0">
+              <a:rPr kumimoji="0" lang="es-AR" altLang="es-AR" sz="1100" b="0" i="0" u="none" strike="noStrike" cap="none" normalizeH="0" baseline="0" dirty="0">
                 <a:ln>
                   <a:noFill/>
                 </a:ln>
@@ -10784,7 +10851,64 @@
                 <a:latin typeface="Courier New" panose="02070309020205020404" pitchFamily="49" charset="0"/>
                 <a:cs typeface="Courier New" panose="02070309020205020404" pitchFamily="49" charset="0"/>
               </a:rPr>
-              <a:t>% de aciertos sobre el set de evaluación: 0.9014383129906596 (90%)</a:t>
+              <a:t> score del </a:t>
+            </a:r>
+            <a:r>
+              <a:rPr lang="es-AR" altLang="es-AR" sz="1100" dirty="0">
+                <a:solidFill>
+                  <a:srgbClr val="000000"/>
+                </a:solidFill>
+                <a:latin typeface="Courier New" panose="02070309020205020404" pitchFamily="49" charset="0"/>
+                <a:cs typeface="Courier New" panose="02070309020205020404" pitchFamily="49" charset="0"/>
+              </a:rPr>
+              <a:t>T</a:t>
+            </a:r>
+            <a:r>
+              <a:rPr kumimoji="0" lang="es-AR" altLang="es-AR" sz="1100" b="0" i="0" u="none" strike="noStrike" cap="none" normalizeH="0" baseline="0" dirty="0">
+                <a:ln>
+                  <a:noFill/>
+                </a:ln>
+                <a:solidFill>
+                  <a:srgbClr val="000000"/>
+                </a:solidFill>
+                <a:effectLst/>
+                <a:latin typeface="Courier New" panose="02070309020205020404" pitchFamily="49" charset="0"/>
+                <a:cs typeface="Courier New" panose="02070309020205020404" pitchFamily="49" charset="0"/>
+              </a:rPr>
+              <a:t>rain : 0.9130317319972492 (91%) </a:t>
+            </a:r>
+          </a:p>
+          <a:p>
+            <a:pPr>
+              <a:buClrTx/>
+            </a:pPr>
+            <a:r>
+              <a:rPr kumimoji="0" lang="es-AR" altLang="es-AR" sz="1100" b="0" i="0" u="none" strike="noStrike" cap="none" normalizeH="0" baseline="0" dirty="0" err="1">
+                <a:ln>
+                  <a:noFill/>
+                </a:ln>
+                <a:solidFill>
+                  <a:srgbClr val="000000"/>
+                </a:solidFill>
+                <a:effectLst/>
+                <a:latin typeface="Courier New" panose="02070309020205020404" pitchFamily="49" charset="0"/>
+                <a:cs typeface="Courier New" panose="02070309020205020404" pitchFamily="49" charset="0"/>
+              </a:rPr>
+              <a:t>Accuracy</a:t>
+            </a:r>
+            <a:r>
+              <a:rPr kumimoji="0" lang="es-AR" altLang="es-AR" sz="1100" b="0" i="0" u="none" strike="noStrike" cap="none" normalizeH="0" baseline="0" dirty="0">
+                <a:ln>
+                  <a:noFill/>
+                </a:ln>
+                <a:solidFill>
+                  <a:srgbClr val="000000"/>
+                </a:solidFill>
+                <a:effectLst/>
+                <a:latin typeface="Courier New" panose="02070309020205020404" pitchFamily="49" charset="0"/>
+                <a:cs typeface="Courier New" panose="02070309020205020404" pitchFamily="49" charset="0"/>
+              </a:rPr>
+              <a:t> score del Test 0.9014383129906596 (90%)</a:t>
             </a:r>
           </a:p>
           <a:p>
@@ -10804,7 +10928,7 @@
               <a:buNone/>
               <a:tabLst/>
             </a:pPr>
-            <a:endParaRPr kumimoji="0" lang="es-AR" altLang="es-AR" sz="600" b="0" i="0" u="none" strike="noStrike" cap="none" normalizeH="0" baseline="0" dirty="0">
+            <a:endParaRPr kumimoji="0" lang="es-AR" altLang="es-AR" sz="800" b="0" i="0" u="none" strike="noStrike" cap="none" normalizeH="0" baseline="0" dirty="0">
               <a:ln>
                 <a:noFill/>
               </a:ln>
@@ -10832,7 +10956,7 @@
               <a:tabLst/>
             </a:pPr>
             <a:r>
-              <a:rPr kumimoji="0" lang="es-AR" altLang="es-AR" sz="1000" b="1" i="0" u="none" strike="noStrike" cap="none" normalizeH="0" baseline="0" dirty="0">
+              <a:rPr kumimoji="0" lang="es-AR" altLang="es-AR" sz="1100" b="1" i="0" u="none" strike="noStrike" cap="none" normalizeH="0" baseline="0" dirty="0">
                 <a:ln>
                   <a:noFill/>
                 </a:ln>
@@ -10864,7 +10988,7 @@
               <a:tabLst/>
             </a:pPr>
             <a:r>
-              <a:rPr kumimoji="0" lang="es-AR" altLang="es-AR" sz="1000" b="0" i="0" u="none" strike="noStrike" cap="none" normalizeH="0" baseline="0" dirty="0">
+              <a:rPr kumimoji="0" lang="es-AR" altLang="es-AR" sz="1100" b="0" i="0" u="none" strike="noStrike" cap="none" normalizeH="0" baseline="0" dirty="0">
                 <a:ln>
                   <a:noFill/>
                 </a:ln>
@@ -10878,7 +11002,7 @@
               <a:t>De acuerdo al </a:t>
             </a:r>
             <a:r>
-              <a:rPr kumimoji="0" lang="es-AR" altLang="es-AR" sz="1000" b="0" i="0" u="none" strike="noStrike" cap="none" normalizeH="0" baseline="0" dirty="0" err="1">
+              <a:rPr kumimoji="0" lang="es-AR" altLang="es-AR" sz="1100" b="0" i="0" u="none" strike="noStrike" cap="none" normalizeH="0" baseline="0" dirty="0" err="1">
                 <a:ln>
                   <a:noFill/>
                 </a:ln>
@@ -10892,7 +11016,7 @@
               <a:t>accuracy</a:t>
             </a:r>
             <a:r>
-              <a:rPr kumimoji="0" lang="es-AR" altLang="es-AR" sz="1000" b="0" i="0" u="none" strike="noStrike" cap="none" normalizeH="0" baseline="0" dirty="0">
+              <a:rPr kumimoji="0" lang="es-AR" altLang="es-AR" sz="1100" b="0" i="0" u="none" strike="noStrike" cap="none" normalizeH="0" baseline="0" dirty="0">
                 <a:ln>
                   <a:noFill/>
                 </a:ln>
@@ -10903,38 +11027,10 @@
                 <a:latin typeface="Roboto" panose="02000000000000000000" pitchFamily="2" charset="0"/>
                 <a:ea typeface="Roboto" panose="02000000000000000000" pitchFamily="2" charset="0"/>
               </a:rPr>
-              <a:t> todos tienen similares valores entre </a:t>
+              <a:t> todos tienen similares valores entre Train y Test, pero el </a:t>
             </a:r>
             <a:r>
-              <a:rPr kumimoji="0" lang="es-AR" altLang="es-AR" sz="1000" b="0" i="0" u="none" strike="noStrike" cap="none" normalizeH="0" baseline="0" dirty="0" err="1">
-                <a:ln>
-                  <a:noFill/>
-                </a:ln>
-                <a:solidFill>
-                  <a:srgbClr val="000000"/>
-                </a:solidFill>
-                <a:effectLst/>
-                <a:latin typeface="Roboto" panose="02000000000000000000" pitchFamily="2" charset="0"/>
-                <a:ea typeface="Roboto" panose="02000000000000000000" pitchFamily="2" charset="0"/>
-              </a:rPr>
-              <a:t>train</a:t>
-            </a:r>
-            <a:r>
-              <a:rPr kumimoji="0" lang="es-AR" altLang="es-AR" sz="1000" b="0" i="0" u="none" strike="noStrike" cap="none" normalizeH="0" baseline="0" dirty="0">
-                <a:ln>
-                  <a:noFill/>
-                </a:ln>
-                <a:solidFill>
-                  <a:srgbClr val="000000"/>
-                </a:solidFill>
-                <a:effectLst/>
-                <a:latin typeface="Roboto" panose="02000000000000000000" pitchFamily="2" charset="0"/>
-                <a:ea typeface="Roboto" panose="02000000000000000000" pitchFamily="2" charset="0"/>
-              </a:rPr>
-              <a:t> y test, pero el </a:t>
-            </a:r>
-            <a:r>
-              <a:rPr kumimoji="0" lang="es-AR" altLang="es-AR" sz="1000" b="0" i="0" u="none" strike="noStrike" cap="none" normalizeH="0" baseline="0" dirty="0" err="1">
+              <a:rPr kumimoji="0" lang="es-AR" altLang="es-AR" sz="1100" b="0" i="0" u="none" strike="noStrike" cap="none" normalizeH="0" baseline="0" dirty="0" err="1">
                 <a:ln>
                   <a:noFill/>
                 </a:ln>
@@ -10948,7 +11044,7 @@
               <a:t>Random</a:t>
             </a:r>
             <a:r>
-              <a:rPr kumimoji="0" lang="es-AR" altLang="es-AR" sz="1000" b="0" i="0" u="none" strike="noStrike" cap="none" normalizeH="0" baseline="0" dirty="0">
+              <a:rPr kumimoji="0" lang="es-AR" altLang="es-AR" sz="1100" b="0" i="0" u="none" strike="noStrike" cap="none" normalizeH="0" baseline="0" dirty="0">
                 <a:ln>
                   <a:noFill/>
                 </a:ln>
@@ -10959,9 +11055,9 @@
                 <a:latin typeface="Roboto" panose="02000000000000000000" pitchFamily="2" charset="0"/>
                 <a:ea typeface="Roboto" panose="02000000000000000000" pitchFamily="2" charset="0"/>
               </a:rPr>
-              <a:t> Forest alcanzó un 90% de precisión sobre el set de evaluación, por lo que es un muy buen modelo y el mejor a elegir para este caso</a:t>
+              <a:t> Forest alcanzó un 90% de precisión sobre el set de test, por lo que es el mejor a elegir para este caso.</a:t>
             </a:r>
-            <a:endParaRPr kumimoji="0" lang="es-AR" altLang="es-AR" sz="1800" b="0" i="0" u="none" strike="noStrike" cap="none" normalizeH="0" baseline="0" dirty="0">
+            <a:endParaRPr kumimoji="0" lang="es-AR" altLang="es-AR" sz="2400" b="0" i="0" u="none" strike="noStrike" cap="none" normalizeH="0" baseline="0" dirty="0">
               <a:ln>
                 <a:noFill/>
               </a:ln>
@@ -11097,7 +11193,7 @@
         </p:spPr>
         <p:txBody>
           <a:bodyPr spcFirstLastPara="1" wrap="square" lIns="91425" tIns="91425" rIns="91425" bIns="91425" anchor="t" anchorCtr="0">
-            <a:normAutofit fontScale="92500"/>
+            <a:normAutofit fontScale="92500" lnSpcReduction="10000"/>
           </a:bodyPr>
           <a:lstStyle/>
           <a:p>
@@ -11236,7 +11332,7 @@
             </a:pPr>
             <a:r>
               <a:rPr lang="es" sz="1200" b="1" dirty="0"/>
-              <a:t>Análisis de datos ecommerce</a:t>
+              <a:t>Conclusiones parciales</a:t>
             </a:r>
             <a:endParaRPr sz="1200" b="1" dirty="0"/>
           </a:p>
@@ -11308,7 +11404,7 @@
         </p:nvSpPr>
         <p:spPr bwMode="auto">
           <a:xfrm>
-            <a:off x="357733" y="1049806"/>
+            <a:off x="318558" y="1043228"/>
             <a:ext cx="2616957" cy="430887"/>
           </a:xfrm>
           <a:prstGeom prst="rect">
@@ -11691,6 +11787,1507 @@
     <p:extLst>
       <p:ext uri="{BB962C8B-B14F-4D97-AF65-F5344CB8AC3E}">
         <p14:creationId xmlns:p14="http://schemas.microsoft.com/office/powerpoint/2010/main" val="1831475629"/>
+      </p:ext>
+    </p:extLst>
+  </p:cSld>
+  <p:clrMapOvr>
+    <a:masterClrMapping/>
+  </p:clrMapOvr>
+</p:sld>
+</file>
+
+<file path=ppt/slides/slide21.xml><?xml version="1.0" encoding="utf-8"?>
+<p:sld xmlns:a="http://schemas.openxmlformats.org/drawingml/2006/main" xmlns:r="http://schemas.openxmlformats.org/officeDocument/2006/relationships" xmlns:p="http://schemas.openxmlformats.org/presentationml/2006/main">
+  <p:cSld>
+    <p:spTree>
+      <p:nvGrpSpPr>
+        <p:cNvPr id="1" name="Shape 73"/>
+        <p:cNvGrpSpPr/>
+        <p:nvPr/>
+      </p:nvGrpSpPr>
+      <p:grpSpPr>
+        <a:xfrm>
+          <a:off x="0" y="0"/>
+          <a:ext cx="0" cy="0"/>
+          <a:chOff x="0" y="0"/>
+          <a:chExt cx="0" cy="0"/>
+        </a:xfrm>
+      </p:grpSpPr>
+      <p:sp>
+        <p:nvSpPr>
+          <p:cNvPr id="74" name="Google Shape;74;p15"/>
+          <p:cNvSpPr txBox="1">
+            <a:spLocks noGrp="1"/>
+          </p:cNvSpPr>
+          <p:nvPr>
+            <p:ph type="ctrTitle"/>
+          </p:nvPr>
+        </p:nvSpPr>
+        <p:spPr>
+          <a:xfrm>
+            <a:off x="651941" y="675158"/>
+            <a:ext cx="7056664" cy="386171"/>
+          </a:xfrm>
+          <a:prstGeom prst="rect">
+            <a:avLst/>
+          </a:prstGeom>
+        </p:spPr>
+        <p:txBody>
+          <a:bodyPr spcFirstLastPara="1" wrap="square" lIns="91425" tIns="91425" rIns="91425" bIns="91425" anchor="b" anchorCtr="0">
+            <a:noAutofit/>
+          </a:bodyPr>
+          <a:lstStyle/>
+          <a:p>
+            <a:pPr marL="0" lvl="0" indent="0" rtl="0">
+              <a:spcBef>
+                <a:spcPts val="0"/>
+              </a:spcBef>
+              <a:spcAft>
+                <a:spcPts val="0"/>
+              </a:spcAft>
+              <a:buSzPts val="990"/>
+              <a:buNone/>
+            </a:pPr>
+            <a:r>
+              <a:rPr lang="es" sz="2800" b="1" dirty="0"/>
+              <a:t>Consideraciones</a:t>
+            </a:r>
+            <a:r>
+              <a:rPr lang="es" sz="2000" b="1" dirty="0"/>
+              <a:t> </a:t>
+            </a:r>
+            <a:r>
+              <a:rPr lang="es" sz="2800" b="1" dirty="0"/>
+              <a:t>a tener en cuneta para la siguiente entrega</a:t>
+            </a:r>
+            <a:endParaRPr sz="2800" b="1" dirty="0"/>
+          </a:p>
+        </p:txBody>
+      </p:sp>
+      <p:sp>
+        <p:nvSpPr>
+          <p:cNvPr id="5" name="Rectangle 3">
+            <a:extLst>
+              <a:ext uri="{FF2B5EF4-FFF2-40B4-BE49-F238E27FC236}">
+                <a16:creationId xmlns:a16="http://schemas.microsoft.com/office/drawing/2014/main" id="{FC224CF3-FBB7-4885-992C-9C68E6C30202}"/>
+              </a:ext>
+            </a:extLst>
+          </p:cNvPr>
+          <p:cNvSpPr>
+            <a:spLocks noChangeArrowheads="1"/>
+          </p:cNvSpPr>
+          <p:nvPr/>
+        </p:nvSpPr>
+        <p:spPr bwMode="auto">
+          <a:xfrm>
+            <a:off x="311699" y="1210340"/>
+            <a:ext cx="7737148" cy="1661993"/>
+          </a:xfrm>
+          <a:prstGeom prst="rect">
+            <a:avLst/>
+          </a:prstGeom>
+          <a:noFill/>
+          <a:ln>
+            <a:noFill/>
+          </a:ln>
+          <a:effectLst/>
+          <a:extLst>
+            <a:ext uri="{909E8E84-426E-40DD-AFC4-6F175D3DCCD1}">
+              <a14:hiddenFill xmlns:a14="http://schemas.microsoft.com/office/drawing/2010/main">
+                <a:solidFill>
+                  <a:schemeClr val="accent1"/>
+                </a:solidFill>
+              </a14:hiddenFill>
+            </a:ext>
+            <a:ext uri="{91240B29-F687-4F45-9708-019B960494DF}">
+              <a14:hiddenLine xmlns:a14="http://schemas.microsoft.com/office/drawing/2010/main" w="9525">
+                <a:solidFill>
+                  <a:schemeClr val="tx1"/>
+                </a:solidFill>
+                <a:miter lim="800000"/>
+                <a:headEnd/>
+                <a:tailEnd/>
+              </a14:hiddenLine>
+            </a:ext>
+            <a:ext uri="{AF507438-7753-43E0-B8FC-AC1667EBCBE1}">
+              <a14:hiddenEffects xmlns:a14="http://schemas.microsoft.com/office/drawing/2010/main">
+                <a:effectLst>
+                  <a:outerShdw dist="35921" dir="2700000" algn="ctr" rotWithShape="0">
+                    <a:schemeClr val="bg2"/>
+                  </a:outerShdw>
+                </a:effectLst>
+              </a14:hiddenEffects>
+            </a:ext>
+          </a:extLst>
+        </p:spPr>
+        <p:txBody>
+          <a:bodyPr vert="horz" wrap="square" lIns="0" tIns="0" rIns="0" bIns="0" numCol="1" anchor="ctr" anchorCtr="0" compatLnSpc="1">
+            <a:prstTxWarp prst="textNoShape">
+              <a:avLst/>
+            </a:prstTxWarp>
+            <a:spAutoFit/>
+          </a:bodyPr>
+          <a:lstStyle>
+            <a:lvl1pPr eaLnBrk="0" fontAlgn="base" hangingPunct="0">
+              <a:spcBef>
+                <a:spcPct val="0"/>
+              </a:spcBef>
+              <a:spcAft>
+                <a:spcPct val="0"/>
+              </a:spcAft>
+              <a:defRPr>
+                <a:solidFill>
+                  <a:schemeClr val="tx1"/>
+                </a:solidFill>
+                <a:latin typeface="Arial" panose="020B0604020202020204" pitchFamily="34" charset="0"/>
+              </a:defRPr>
+            </a:lvl1pPr>
+            <a:lvl2pPr marL="457200" eaLnBrk="0" fontAlgn="base" hangingPunct="0">
+              <a:spcBef>
+                <a:spcPct val="0"/>
+              </a:spcBef>
+              <a:spcAft>
+                <a:spcPct val="0"/>
+              </a:spcAft>
+              <a:defRPr>
+                <a:solidFill>
+                  <a:schemeClr val="tx1"/>
+                </a:solidFill>
+                <a:latin typeface="Arial" panose="020B0604020202020204" pitchFamily="34" charset="0"/>
+              </a:defRPr>
+            </a:lvl2pPr>
+            <a:lvl3pPr marL="914400" eaLnBrk="0" fontAlgn="base" hangingPunct="0">
+              <a:spcBef>
+                <a:spcPct val="0"/>
+              </a:spcBef>
+              <a:spcAft>
+                <a:spcPct val="0"/>
+              </a:spcAft>
+              <a:defRPr>
+                <a:solidFill>
+                  <a:schemeClr val="tx1"/>
+                </a:solidFill>
+                <a:latin typeface="Arial" panose="020B0604020202020204" pitchFamily="34" charset="0"/>
+              </a:defRPr>
+            </a:lvl3pPr>
+            <a:lvl4pPr marL="1371600" eaLnBrk="0" fontAlgn="base" hangingPunct="0">
+              <a:spcBef>
+                <a:spcPct val="0"/>
+              </a:spcBef>
+              <a:spcAft>
+                <a:spcPct val="0"/>
+              </a:spcAft>
+              <a:defRPr>
+                <a:solidFill>
+                  <a:schemeClr val="tx1"/>
+                </a:solidFill>
+                <a:latin typeface="Arial" panose="020B0604020202020204" pitchFamily="34" charset="0"/>
+              </a:defRPr>
+            </a:lvl4pPr>
+            <a:lvl5pPr marL="1828800" eaLnBrk="0" fontAlgn="base" hangingPunct="0">
+              <a:spcBef>
+                <a:spcPct val="0"/>
+              </a:spcBef>
+              <a:spcAft>
+                <a:spcPct val="0"/>
+              </a:spcAft>
+              <a:defRPr>
+                <a:solidFill>
+                  <a:schemeClr val="tx1"/>
+                </a:solidFill>
+                <a:latin typeface="Arial" panose="020B0604020202020204" pitchFamily="34" charset="0"/>
+              </a:defRPr>
+            </a:lvl5pPr>
+            <a:lvl6pPr marL="2286000" eaLnBrk="0" fontAlgn="base" hangingPunct="0">
+              <a:spcBef>
+                <a:spcPct val="0"/>
+              </a:spcBef>
+              <a:spcAft>
+                <a:spcPct val="0"/>
+              </a:spcAft>
+              <a:defRPr>
+                <a:solidFill>
+                  <a:schemeClr val="tx1"/>
+                </a:solidFill>
+                <a:latin typeface="Arial" panose="020B0604020202020204" pitchFamily="34" charset="0"/>
+              </a:defRPr>
+            </a:lvl6pPr>
+            <a:lvl7pPr marL="2743200" eaLnBrk="0" fontAlgn="base" hangingPunct="0">
+              <a:spcBef>
+                <a:spcPct val="0"/>
+              </a:spcBef>
+              <a:spcAft>
+                <a:spcPct val="0"/>
+              </a:spcAft>
+              <a:defRPr>
+                <a:solidFill>
+                  <a:schemeClr val="tx1"/>
+                </a:solidFill>
+                <a:latin typeface="Arial" panose="020B0604020202020204" pitchFamily="34" charset="0"/>
+              </a:defRPr>
+            </a:lvl7pPr>
+            <a:lvl8pPr marL="3200400" eaLnBrk="0" fontAlgn="base" hangingPunct="0">
+              <a:spcBef>
+                <a:spcPct val="0"/>
+              </a:spcBef>
+              <a:spcAft>
+                <a:spcPct val="0"/>
+              </a:spcAft>
+              <a:defRPr>
+                <a:solidFill>
+                  <a:schemeClr val="tx1"/>
+                </a:solidFill>
+                <a:latin typeface="Arial" panose="020B0604020202020204" pitchFamily="34" charset="0"/>
+              </a:defRPr>
+            </a:lvl8pPr>
+            <a:lvl9pPr marL="3657600" eaLnBrk="0" fontAlgn="base" hangingPunct="0">
+              <a:spcBef>
+                <a:spcPct val="0"/>
+              </a:spcBef>
+              <a:spcAft>
+                <a:spcPct val="0"/>
+              </a:spcAft>
+              <a:defRPr>
+                <a:solidFill>
+                  <a:schemeClr val="tx1"/>
+                </a:solidFill>
+                <a:latin typeface="Arial" panose="020B0604020202020204" pitchFamily="34" charset="0"/>
+              </a:defRPr>
+            </a:lvl9pPr>
+          </a:lstStyle>
+          <a:p>
+            <a:pPr marL="285750" marR="0" lvl="0" indent="-285750" algn="just" defTabSz="914400" rtl="0" eaLnBrk="0" fontAlgn="base" latinLnBrk="0" hangingPunct="0">
+              <a:lnSpc>
+                <a:spcPct val="100000"/>
+              </a:lnSpc>
+              <a:spcBef>
+                <a:spcPct val="0"/>
+              </a:spcBef>
+              <a:spcAft>
+                <a:spcPct val="0"/>
+              </a:spcAft>
+              <a:buClrTx/>
+              <a:buSzTx/>
+              <a:buFont typeface="Arial" panose="020B0604020202020204" pitchFamily="34" charset="0"/>
+              <a:buChar char="•"/>
+              <a:tabLst/>
+            </a:pPr>
+            <a:r>
+              <a:rPr kumimoji="0" lang="es-AR" altLang="es-AR" sz="1800" b="0" i="0" u="none" strike="noStrike" cap="none" normalizeH="0" baseline="0" dirty="0">
+                <a:ln>
+                  <a:noFill/>
+                </a:ln>
+                <a:solidFill>
+                  <a:schemeClr val="tx1"/>
+                </a:solidFill>
+                <a:effectLst/>
+                <a:latin typeface="Arial" panose="020B0604020202020204" pitchFamily="34" charset="0"/>
+              </a:rPr>
+              <a:t>Combinar el PCA obtenido con el análisis del K-</a:t>
+            </a:r>
+            <a:r>
+              <a:rPr kumimoji="0" lang="es-AR" altLang="es-AR" sz="1800" b="0" i="0" u="none" strike="noStrike" cap="none" normalizeH="0" baseline="0" dirty="0" err="1">
+                <a:ln>
+                  <a:noFill/>
+                </a:ln>
+                <a:solidFill>
+                  <a:schemeClr val="tx1"/>
+                </a:solidFill>
+                <a:effectLst/>
+                <a:latin typeface="Arial" panose="020B0604020202020204" pitchFamily="34" charset="0"/>
+              </a:rPr>
+              <a:t>means</a:t>
+            </a:r>
+            <a:r>
+              <a:rPr kumimoji="0" lang="es-AR" altLang="es-AR" sz="1800" b="0" i="0" u="none" strike="noStrike" cap="none" normalizeH="0" baseline="0" dirty="0">
+                <a:ln>
+                  <a:noFill/>
+                </a:ln>
+                <a:solidFill>
+                  <a:schemeClr val="tx1"/>
+                </a:solidFill>
+                <a:effectLst/>
+                <a:latin typeface="Arial" panose="020B0604020202020204" pitchFamily="34" charset="0"/>
+              </a:rPr>
+              <a:t>.</a:t>
+            </a:r>
+          </a:p>
+          <a:p>
+            <a:pPr marL="285750" marR="0" lvl="0" indent="-285750" algn="just" defTabSz="914400" rtl="0" eaLnBrk="0" fontAlgn="base" latinLnBrk="0" hangingPunct="0">
+              <a:lnSpc>
+                <a:spcPct val="100000"/>
+              </a:lnSpc>
+              <a:spcBef>
+                <a:spcPct val="0"/>
+              </a:spcBef>
+              <a:spcAft>
+                <a:spcPct val="0"/>
+              </a:spcAft>
+              <a:buClrTx/>
+              <a:buSzTx/>
+              <a:buFont typeface="Arial" panose="020B0604020202020204" pitchFamily="34" charset="0"/>
+              <a:buChar char="•"/>
+              <a:tabLst/>
+            </a:pPr>
+            <a:r>
+              <a:rPr kumimoji="0" lang="es-AR" altLang="es-AR" sz="1800" b="0" i="0" u="none" strike="noStrike" cap="none" normalizeH="0" baseline="0" dirty="0">
+                <a:ln>
+                  <a:noFill/>
+                </a:ln>
+                <a:solidFill>
+                  <a:schemeClr val="tx1"/>
+                </a:solidFill>
+                <a:effectLst/>
+                <a:latin typeface="Arial" panose="020B0604020202020204" pitchFamily="34" charset="0"/>
+              </a:rPr>
+              <a:t>Hacer un análisis profundo de los grupos que arroja el algoritmo K-</a:t>
+            </a:r>
+            <a:r>
+              <a:rPr kumimoji="0" lang="es-AR" altLang="es-AR" sz="1800" b="0" i="0" u="none" strike="noStrike" cap="none" normalizeH="0" baseline="0" dirty="0" err="1">
+                <a:ln>
+                  <a:noFill/>
+                </a:ln>
+                <a:solidFill>
+                  <a:schemeClr val="tx1"/>
+                </a:solidFill>
+                <a:effectLst/>
+                <a:latin typeface="Arial" panose="020B0604020202020204" pitchFamily="34" charset="0"/>
+              </a:rPr>
+              <a:t>means</a:t>
+            </a:r>
+            <a:r>
+              <a:rPr kumimoji="0" lang="es-AR" altLang="es-AR" sz="1800" b="0" i="0" u="none" strike="noStrike" cap="none" normalizeH="0" baseline="0" dirty="0">
+                <a:ln>
+                  <a:noFill/>
+                </a:ln>
+                <a:solidFill>
+                  <a:schemeClr val="tx1"/>
+                </a:solidFill>
+                <a:effectLst/>
+                <a:latin typeface="Arial" panose="020B0604020202020204" pitchFamily="34" charset="0"/>
+              </a:rPr>
+              <a:t>.</a:t>
+            </a:r>
+          </a:p>
+          <a:p>
+            <a:pPr marL="285750" marR="0" lvl="0" indent="-285750" algn="just" defTabSz="914400" rtl="0" eaLnBrk="0" fontAlgn="base" latinLnBrk="0" hangingPunct="0">
+              <a:lnSpc>
+                <a:spcPct val="100000"/>
+              </a:lnSpc>
+              <a:spcBef>
+                <a:spcPct val="0"/>
+              </a:spcBef>
+              <a:spcAft>
+                <a:spcPct val="0"/>
+              </a:spcAft>
+              <a:buClrTx/>
+              <a:buSzTx/>
+              <a:buFont typeface="Arial" panose="020B0604020202020204" pitchFamily="34" charset="0"/>
+              <a:buChar char="•"/>
+              <a:tabLst/>
+            </a:pPr>
+            <a:r>
+              <a:rPr kumimoji="0" lang="es-AR" altLang="es-AR" sz="1800" b="0" i="0" u="none" strike="noStrike" cap="none" normalizeH="0" baseline="0" dirty="0">
+                <a:ln>
+                  <a:noFill/>
+                </a:ln>
+                <a:solidFill>
+                  <a:schemeClr val="tx1"/>
+                </a:solidFill>
+                <a:effectLst/>
+                <a:latin typeface="Arial" panose="020B0604020202020204" pitchFamily="34" charset="0"/>
+              </a:rPr>
+              <a:t>Combinar el análisis de K-</a:t>
+            </a:r>
+            <a:r>
+              <a:rPr kumimoji="0" lang="es-AR" altLang="es-AR" sz="1800" b="0" i="0" u="none" strike="noStrike" cap="none" normalizeH="0" baseline="0" dirty="0" err="1">
+                <a:ln>
+                  <a:noFill/>
+                </a:ln>
+                <a:solidFill>
+                  <a:schemeClr val="tx1"/>
+                </a:solidFill>
+                <a:effectLst/>
+                <a:latin typeface="Arial" panose="020B0604020202020204" pitchFamily="34" charset="0"/>
+              </a:rPr>
+              <a:t>means</a:t>
+            </a:r>
+            <a:r>
+              <a:rPr kumimoji="0" lang="es-AR" altLang="es-AR" sz="1800" b="0" i="0" u="none" strike="noStrike" cap="none" normalizeH="0" baseline="0" dirty="0">
+                <a:ln>
+                  <a:noFill/>
+                </a:ln>
+                <a:solidFill>
+                  <a:schemeClr val="tx1"/>
+                </a:solidFill>
+                <a:effectLst/>
+                <a:latin typeface="Arial" panose="020B0604020202020204" pitchFamily="34" charset="0"/>
+              </a:rPr>
+              <a:t> con el algoritmo de clasificación.</a:t>
+            </a:r>
+          </a:p>
+          <a:p>
+            <a:pPr marL="285750" marR="0" lvl="0" indent="-285750" algn="just" defTabSz="914400" rtl="0" eaLnBrk="0" fontAlgn="base" latinLnBrk="0" hangingPunct="0">
+              <a:lnSpc>
+                <a:spcPct val="100000"/>
+              </a:lnSpc>
+              <a:spcBef>
+                <a:spcPct val="0"/>
+              </a:spcBef>
+              <a:spcAft>
+                <a:spcPct val="0"/>
+              </a:spcAft>
+              <a:buClrTx/>
+              <a:buSzTx/>
+              <a:buFont typeface="Arial" panose="020B0604020202020204" pitchFamily="34" charset="0"/>
+              <a:buChar char="•"/>
+              <a:tabLst/>
+            </a:pPr>
+            <a:r>
+              <a:rPr lang="es-AR" altLang="es-AR" sz="1800" dirty="0"/>
+              <a:t>Probar utilizando nuevas métricas de evaluación de modelos (</a:t>
+            </a:r>
+            <a:r>
+              <a:rPr lang="es-AR" altLang="es-AR" sz="1800" dirty="0" err="1"/>
+              <a:t>ej</a:t>
+            </a:r>
+            <a:r>
+              <a:rPr lang="es-AR" altLang="es-AR" sz="1800" dirty="0"/>
+              <a:t>: Matriz de confusión o curva ROC).</a:t>
+            </a:r>
+            <a:endParaRPr kumimoji="0" lang="es-AR" altLang="es-AR" sz="1800" b="0" i="0" u="none" strike="noStrike" cap="none" normalizeH="0" baseline="0" dirty="0">
+              <a:ln>
+                <a:noFill/>
+              </a:ln>
+              <a:solidFill>
+                <a:schemeClr val="tx1"/>
+              </a:solidFill>
+              <a:effectLst/>
+              <a:latin typeface="Arial" panose="020B0604020202020204" pitchFamily="34" charset="0"/>
+            </a:endParaRPr>
+          </a:p>
+        </p:txBody>
+      </p:sp>
+      <p:pic>
+        <p:nvPicPr>
+          <p:cNvPr id="75" name="Google Shape;75;p15"/>
+          <p:cNvPicPr preferRelativeResize="0"/>
+          <p:nvPr/>
+        </p:nvPicPr>
+        <p:blipFill>
+          <a:blip r:embed="rId3">
+            <a:alphaModFix/>
+          </a:blip>
+          <a:stretch>
+            <a:fillRect/>
+          </a:stretch>
+        </p:blipFill>
+        <p:spPr>
+          <a:xfrm>
+            <a:off x="7483312" y="3577176"/>
+            <a:ext cx="1130601" cy="1130601"/>
+          </a:xfrm>
+          <a:prstGeom prst="rect">
+            <a:avLst/>
+          </a:prstGeom>
+          <a:noFill/>
+          <a:ln>
+            <a:noFill/>
+          </a:ln>
+        </p:spPr>
+      </p:pic>
+      <p:grpSp>
+        <p:nvGrpSpPr>
+          <p:cNvPr id="11" name="Group 10">
+            <a:extLst>
+              <a:ext uri="{FF2B5EF4-FFF2-40B4-BE49-F238E27FC236}">
+                <a16:creationId xmlns:a16="http://schemas.microsoft.com/office/drawing/2014/main" id="{EE215078-213C-4F15-8DA8-C74EC1AB8EAF}"/>
+              </a:ext>
+            </a:extLst>
+          </p:cNvPr>
+          <p:cNvGrpSpPr/>
+          <p:nvPr/>
+        </p:nvGrpSpPr>
+        <p:grpSpPr>
+          <a:xfrm>
+            <a:off x="651941" y="3400446"/>
+            <a:ext cx="1241562" cy="1307331"/>
+            <a:chOff x="5995988" y="2712903"/>
+            <a:chExt cx="2457450" cy="2587625"/>
+          </a:xfrm>
+          <a:solidFill>
+            <a:schemeClr val="accent2"/>
+          </a:solidFill>
+        </p:grpSpPr>
+        <p:sp>
+          <p:nvSpPr>
+            <p:cNvPr id="12" name="Freeform 6">
+              <a:extLst>
+                <a:ext uri="{FF2B5EF4-FFF2-40B4-BE49-F238E27FC236}">
+                  <a16:creationId xmlns:a16="http://schemas.microsoft.com/office/drawing/2014/main" id="{D07799D9-9F24-4CDE-8A32-D5A4B3C77AB2}"/>
+                </a:ext>
+              </a:extLst>
+            </p:cNvPr>
+            <p:cNvSpPr>
+              <a:spLocks/>
+            </p:cNvSpPr>
+            <p:nvPr/>
+          </p:nvSpPr>
+          <p:spPr bwMode="auto">
+            <a:xfrm>
+              <a:off x="5995988" y="2712903"/>
+              <a:ext cx="2457450" cy="2587625"/>
+            </a:xfrm>
+            <a:custGeom>
+              <a:avLst/>
+              <a:gdLst>
+                <a:gd name="T0" fmla="*/ 707 w 771"/>
+                <a:gd name="T1" fmla="*/ 219 h 812"/>
+                <a:gd name="T2" fmla="*/ 760 w 771"/>
+                <a:gd name="T3" fmla="*/ 369 h 812"/>
+                <a:gd name="T4" fmla="*/ 685 w 771"/>
+                <a:gd name="T5" fmla="*/ 634 h 812"/>
+                <a:gd name="T6" fmla="*/ 197 w 771"/>
+                <a:gd name="T7" fmla="*/ 707 h 812"/>
+                <a:gd name="T8" fmla="*/ 97 w 771"/>
+                <a:gd name="T9" fmla="*/ 220 h 812"/>
+                <a:gd name="T10" fmla="*/ 594 w 771"/>
+                <a:gd name="T11" fmla="*/ 106 h 812"/>
+                <a:gd name="T12" fmla="*/ 552 w 771"/>
+                <a:gd name="T13" fmla="*/ 147 h 812"/>
+                <a:gd name="T14" fmla="*/ 509 w 771"/>
+                <a:gd name="T15" fmla="*/ 128 h 812"/>
+                <a:gd name="T16" fmla="*/ 454 w 771"/>
+                <a:gd name="T17" fmla="*/ 113 h 812"/>
+                <a:gd name="T18" fmla="*/ 372 w 771"/>
+                <a:gd name="T19" fmla="*/ 110 h 812"/>
+                <a:gd name="T20" fmla="*/ 241 w 771"/>
+                <a:gd name="T21" fmla="*/ 155 h 812"/>
+                <a:gd name="T22" fmla="*/ 147 w 771"/>
+                <a:gd name="T23" fmla="*/ 249 h 812"/>
+                <a:gd name="T24" fmla="*/ 115 w 771"/>
+                <a:gd name="T25" fmla="*/ 317 h 812"/>
+                <a:gd name="T26" fmla="*/ 103 w 771"/>
+                <a:gd name="T27" fmla="*/ 366 h 812"/>
+                <a:gd name="T28" fmla="*/ 102 w 771"/>
+                <a:gd name="T29" fmla="*/ 450 h 812"/>
+                <a:gd name="T30" fmla="*/ 124 w 771"/>
+                <a:gd name="T31" fmla="*/ 528 h 812"/>
+                <a:gd name="T32" fmla="*/ 209 w 771"/>
+                <a:gd name="T33" fmla="*/ 643 h 812"/>
+                <a:gd name="T34" fmla="*/ 295 w 771"/>
+                <a:gd name="T35" fmla="*/ 694 h 812"/>
+                <a:gd name="T36" fmla="*/ 357 w 771"/>
+                <a:gd name="T37" fmla="*/ 710 h 812"/>
+                <a:gd name="T38" fmla="*/ 439 w 771"/>
+                <a:gd name="T39" fmla="*/ 711 h 812"/>
+                <a:gd name="T40" fmla="*/ 512 w 771"/>
+                <a:gd name="T41" fmla="*/ 693 h 812"/>
+                <a:gd name="T42" fmla="*/ 585 w 771"/>
+                <a:gd name="T43" fmla="*/ 652 h 812"/>
+                <a:gd name="T44" fmla="*/ 644 w 771"/>
+                <a:gd name="T45" fmla="*/ 592 h 812"/>
+                <a:gd name="T46" fmla="*/ 677 w 771"/>
+                <a:gd name="T47" fmla="*/ 536 h 812"/>
+                <a:gd name="T48" fmla="*/ 696 w 771"/>
+                <a:gd name="T49" fmla="*/ 482 h 812"/>
+                <a:gd name="T50" fmla="*/ 704 w 771"/>
+                <a:gd name="T51" fmla="*/ 432 h 812"/>
+                <a:gd name="T52" fmla="*/ 702 w 771"/>
+                <a:gd name="T53" fmla="*/ 374 h 812"/>
+                <a:gd name="T54" fmla="*/ 695 w 771"/>
+                <a:gd name="T55" fmla="*/ 334 h 812"/>
+                <a:gd name="T56" fmla="*/ 666 w 771"/>
+                <a:gd name="T57" fmla="*/ 264 h 812"/>
+                <a:gd name="T58" fmla="*/ 667 w 771"/>
+                <a:gd name="T59" fmla="*/ 258 h 812"/>
+                <a:gd name="T60" fmla="*/ 703 w 771"/>
+                <a:gd name="T61" fmla="*/ 222 h 812"/>
+                <a:gd name="T62" fmla="*/ 707 w 771"/>
+                <a:gd name="T63" fmla="*/ 219 h 812"/>
+              </a:gdLst>
+              <a:ahLst/>
+              <a:cxnLst>
+                <a:cxn ang="0">
+                  <a:pos x="T0" y="T1"/>
+                </a:cxn>
+                <a:cxn ang="0">
+                  <a:pos x="T2" y="T3"/>
+                </a:cxn>
+                <a:cxn ang="0">
+                  <a:pos x="T4" y="T5"/>
+                </a:cxn>
+                <a:cxn ang="0">
+                  <a:pos x="T6" y="T7"/>
+                </a:cxn>
+                <a:cxn ang="0">
+                  <a:pos x="T8" y="T9"/>
+                </a:cxn>
+                <a:cxn ang="0">
+                  <a:pos x="T10" y="T11"/>
+                </a:cxn>
+                <a:cxn ang="0">
+                  <a:pos x="T12" y="T13"/>
+                </a:cxn>
+                <a:cxn ang="0">
+                  <a:pos x="T14" y="T15"/>
+                </a:cxn>
+                <a:cxn ang="0">
+                  <a:pos x="T16" y="T17"/>
+                </a:cxn>
+                <a:cxn ang="0">
+                  <a:pos x="T18" y="T19"/>
+                </a:cxn>
+                <a:cxn ang="0">
+                  <a:pos x="T20" y="T21"/>
+                </a:cxn>
+                <a:cxn ang="0">
+                  <a:pos x="T22" y="T23"/>
+                </a:cxn>
+                <a:cxn ang="0">
+                  <a:pos x="T24" y="T25"/>
+                </a:cxn>
+                <a:cxn ang="0">
+                  <a:pos x="T26" y="T27"/>
+                </a:cxn>
+                <a:cxn ang="0">
+                  <a:pos x="T28" y="T29"/>
+                </a:cxn>
+                <a:cxn ang="0">
+                  <a:pos x="T30" y="T31"/>
+                </a:cxn>
+                <a:cxn ang="0">
+                  <a:pos x="T32" y="T33"/>
+                </a:cxn>
+                <a:cxn ang="0">
+                  <a:pos x="T34" y="T35"/>
+                </a:cxn>
+                <a:cxn ang="0">
+                  <a:pos x="T36" y="T37"/>
+                </a:cxn>
+                <a:cxn ang="0">
+                  <a:pos x="T38" y="T39"/>
+                </a:cxn>
+                <a:cxn ang="0">
+                  <a:pos x="T40" y="T41"/>
+                </a:cxn>
+                <a:cxn ang="0">
+                  <a:pos x="T42" y="T43"/>
+                </a:cxn>
+                <a:cxn ang="0">
+                  <a:pos x="T44" y="T45"/>
+                </a:cxn>
+                <a:cxn ang="0">
+                  <a:pos x="T46" y="T47"/>
+                </a:cxn>
+                <a:cxn ang="0">
+                  <a:pos x="T48" y="T49"/>
+                </a:cxn>
+                <a:cxn ang="0">
+                  <a:pos x="T50" y="T51"/>
+                </a:cxn>
+                <a:cxn ang="0">
+                  <a:pos x="T52" y="T53"/>
+                </a:cxn>
+                <a:cxn ang="0">
+                  <a:pos x="T54" y="T55"/>
+                </a:cxn>
+                <a:cxn ang="0">
+                  <a:pos x="T56" y="T57"/>
+                </a:cxn>
+                <a:cxn ang="0">
+                  <a:pos x="T58" y="T59"/>
+                </a:cxn>
+                <a:cxn ang="0">
+                  <a:pos x="T60" y="T61"/>
+                </a:cxn>
+                <a:cxn ang="0">
+                  <a:pos x="T62" y="T63"/>
+                </a:cxn>
+              </a:cxnLst>
+              <a:rect l="0" t="0" r="r" b="b"/>
+              <a:pathLst>
+                <a:path w="771" h="812">
+                  <a:moveTo>
+                    <a:pt x="707" y="219"/>
+                  </a:moveTo>
+                  <a:cubicBezTo>
+                    <a:pt x="736" y="265"/>
+                    <a:pt x="754" y="315"/>
+                    <a:pt x="760" y="369"/>
+                  </a:cubicBezTo>
+                  <a:cubicBezTo>
+                    <a:pt x="771" y="467"/>
+                    <a:pt x="746" y="557"/>
+                    <a:pt x="685" y="634"/>
+                  </a:cubicBezTo>
+                  <a:cubicBezTo>
+                    <a:pt x="561" y="789"/>
+                    <a:pt x="347" y="812"/>
+                    <a:pt x="197" y="707"/>
+                  </a:cubicBezTo>
+                  <a:cubicBezTo>
+                    <a:pt x="31" y="591"/>
+                    <a:pt x="0" y="374"/>
+                    <a:pt x="97" y="220"/>
+                  </a:cubicBezTo>
+                  <a:cubicBezTo>
+                    <a:pt x="203" y="52"/>
+                    <a:pt x="424" y="0"/>
+                    <a:pt x="594" y="106"/>
+                  </a:cubicBezTo>
+                  <a:cubicBezTo>
+                    <a:pt x="580" y="120"/>
+                    <a:pt x="566" y="134"/>
+                    <a:pt x="552" y="147"/>
+                  </a:cubicBezTo>
+                  <a:cubicBezTo>
+                    <a:pt x="538" y="141"/>
+                    <a:pt x="523" y="134"/>
+                    <a:pt x="509" y="128"/>
+                  </a:cubicBezTo>
+                  <a:cubicBezTo>
+                    <a:pt x="491" y="121"/>
+                    <a:pt x="473" y="116"/>
+                    <a:pt x="454" y="113"/>
+                  </a:cubicBezTo>
+                  <a:cubicBezTo>
+                    <a:pt x="427" y="108"/>
+                    <a:pt x="399" y="107"/>
+                    <a:pt x="372" y="110"/>
+                  </a:cubicBezTo>
+                  <a:cubicBezTo>
+                    <a:pt x="325" y="115"/>
+                    <a:pt x="281" y="130"/>
+                    <a:pt x="241" y="155"/>
+                  </a:cubicBezTo>
+                  <a:cubicBezTo>
+                    <a:pt x="203" y="179"/>
+                    <a:pt x="171" y="211"/>
+                    <a:pt x="147" y="249"/>
+                  </a:cubicBezTo>
+                  <a:cubicBezTo>
+                    <a:pt x="134" y="270"/>
+                    <a:pt x="123" y="293"/>
+                    <a:pt x="115" y="317"/>
+                  </a:cubicBezTo>
+                  <a:cubicBezTo>
+                    <a:pt x="110" y="333"/>
+                    <a:pt x="106" y="350"/>
+                    <a:pt x="103" y="366"/>
+                  </a:cubicBezTo>
+                  <a:cubicBezTo>
+                    <a:pt x="99" y="394"/>
+                    <a:pt x="99" y="422"/>
+                    <a:pt x="102" y="450"/>
+                  </a:cubicBezTo>
+                  <a:cubicBezTo>
+                    <a:pt x="105" y="477"/>
+                    <a:pt x="113" y="503"/>
+                    <a:pt x="124" y="528"/>
+                  </a:cubicBezTo>
+                  <a:cubicBezTo>
+                    <a:pt x="143" y="574"/>
+                    <a:pt x="171" y="612"/>
+                    <a:pt x="209" y="643"/>
+                  </a:cubicBezTo>
+                  <a:cubicBezTo>
+                    <a:pt x="235" y="665"/>
+                    <a:pt x="263" y="682"/>
+                    <a:pt x="295" y="694"/>
+                  </a:cubicBezTo>
+                  <a:cubicBezTo>
+                    <a:pt x="315" y="701"/>
+                    <a:pt x="336" y="707"/>
+                    <a:pt x="357" y="710"/>
+                  </a:cubicBezTo>
+                  <a:cubicBezTo>
+                    <a:pt x="384" y="714"/>
+                    <a:pt x="412" y="715"/>
+                    <a:pt x="439" y="711"/>
+                  </a:cubicBezTo>
+                  <a:cubicBezTo>
+                    <a:pt x="464" y="708"/>
+                    <a:pt x="488" y="702"/>
+                    <a:pt x="512" y="693"/>
+                  </a:cubicBezTo>
+                  <a:cubicBezTo>
+                    <a:pt x="538" y="683"/>
+                    <a:pt x="563" y="669"/>
+                    <a:pt x="585" y="652"/>
+                  </a:cubicBezTo>
+                  <a:cubicBezTo>
+                    <a:pt x="607" y="635"/>
+                    <a:pt x="627" y="615"/>
+                    <a:pt x="644" y="592"/>
+                  </a:cubicBezTo>
+                  <a:cubicBezTo>
+                    <a:pt x="657" y="575"/>
+                    <a:pt x="668" y="556"/>
+                    <a:pt x="677" y="536"/>
+                  </a:cubicBezTo>
+                  <a:cubicBezTo>
+                    <a:pt x="686" y="519"/>
+                    <a:pt x="692" y="501"/>
+                    <a:pt x="696" y="482"/>
+                  </a:cubicBezTo>
+                  <a:cubicBezTo>
+                    <a:pt x="700" y="465"/>
+                    <a:pt x="703" y="449"/>
+                    <a:pt x="704" y="432"/>
+                  </a:cubicBezTo>
+                  <a:cubicBezTo>
+                    <a:pt x="704" y="413"/>
+                    <a:pt x="704" y="393"/>
+                    <a:pt x="702" y="374"/>
+                  </a:cubicBezTo>
+                  <a:cubicBezTo>
+                    <a:pt x="701" y="361"/>
+                    <a:pt x="698" y="347"/>
+                    <a:pt x="695" y="334"/>
+                  </a:cubicBezTo>
+                  <a:cubicBezTo>
+                    <a:pt x="689" y="310"/>
+                    <a:pt x="679" y="286"/>
+                    <a:pt x="666" y="264"/>
+                  </a:cubicBezTo>
+                  <a:cubicBezTo>
+                    <a:pt x="665" y="262"/>
+                    <a:pt x="665" y="260"/>
+                    <a:pt x="667" y="258"/>
+                  </a:cubicBezTo>
+                  <a:cubicBezTo>
+                    <a:pt x="680" y="246"/>
+                    <a:pt x="691" y="234"/>
+                    <a:pt x="703" y="222"/>
+                  </a:cubicBezTo>
+                  <a:cubicBezTo>
+                    <a:pt x="704" y="221"/>
+                    <a:pt x="705" y="220"/>
+                    <a:pt x="707" y="219"/>
+                  </a:cubicBezTo>
+                  <a:close/>
+                </a:path>
+              </a:pathLst>
+            </a:custGeom>
+            <a:grpFill/>
+            <a:ln>
+              <a:noFill/>
+            </a:ln>
+          </p:spPr>
+          <p:txBody>
+            <a:bodyPr vert="horz" wrap="square" lIns="91440" tIns="45720" rIns="91440" bIns="45720" numCol="1" anchor="t" anchorCtr="0" compatLnSpc="1">
+              <a:prstTxWarp prst="textNoShape">
+                <a:avLst/>
+              </a:prstTxWarp>
+            </a:bodyPr>
+            <a:lstStyle/>
+            <a:p>
+              <a:endParaRPr lang="en-US"/>
+            </a:p>
+          </p:txBody>
+        </p:sp>
+        <p:sp>
+          <p:nvSpPr>
+            <p:cNvPr id="13" name="Freeform 7">
+              <a:extLst>
+                <a:ext uri="{FF2B5EF4-FFF2-40B4-BE49-F238E27FC236}">
+                  <a16:creationId xmlns:a16="http://schemas.microsoft.com/office/drawing/2014/main" id="{AFDDB34D-BB04-46B7-B032-99B30870A23B}"/>
+                </a:ext>
+              </a:extLst>
+            </p:cNvPr>
+            <p:cNvSpPr>
+              <a:spLocks/>
+            </p:cNvSpPr>
+            <p:nvPr/>
+          </p:nvSpPr>
+          <p:spPr bwMode="auto">
+            <a:xfrm>
+              <a:off x="6515101" y="3270116"/>
+              <a:ext cx="1450975" cy="1435100"/>
+            </a:xfrm>
+            <a:custGeom>
+              <a:avLst/>
+              <a:gdLst>
+                <a:gd name="T0" fmla="*/ 350 w 455"/>
+                <a:gd name="T1" fmla="*/ 54 h 450"/>
+                <a:gd name="T2" fmla="*/ 311 w 455"/>
+                <a:gd name="T3" fmla="*/ 93 h 450"/>
+                <a:gd name="T4" fmla="*/ 305 w 455"/>
+                <a:gd name="T5" fmla="*/ 94 h 450"/>
+                <a:gd name="T6" fmla="*/ 262 w 455"/>
+                <a:gd name="T7" fmla="*/ 81 h 450"/>
+                <a:gd name="T8" fmla="*/ 210 w 455"/>
+                <a:gd name="T9" fmla="*/ 82 h 450"/>
+                <a:gd name="T10" fmla="*/ 148 w 455"/>
+                <a:gd name="T11" fmla="*/ 109 h 450"/>
+                <a:gd name="T12" fmla="*/ 103 w 455"/>
+                <a:gd name="T13" fmla="*/ 160 h 450"/>
+                <a:gd name="T14" fmla="*/ 84 w 455"/>
+                <a:gd name="T15" fmla="*/ 216 h 450"/>
+                <a:gd name="T16" fmla="*/ 90 w 455"/>
+                <a:gd name="T17" fmla="*/ 283 h 450"/>
+                <a:gd name="T18" fmla="*/ 154 w 455"/>
+                <a:gd name="T19" fmla="*/ 367 h 450"/>
+                <a:gd name="T20" fmla="*/ 225 w 455"/>
+                <a:gd name="T21" fmla="*/ 392 h 450"/>
+                <a:gd name="T22" fmla="*/ 302 w 455"/>
+                <a:gd name="T23" fmla="*/ 379 h 450"/>
+                <a:gd name="T24" fmla="*/ 364 w 455"/>
+                <a:gd name="T25" fmla="*/ 330 h 450"/>
+                <a:gd name="T26" fmla="*/ 391 w 455"/>
+                <a:gd name="T27" fmla="*/ 273 h 450"/>
+                <a:gd name="T28" fmla="*/ 395 w 455"/>
+                <a:gd name="T29" fmla="*/ 223 h 450"/>
+                <a:gd name="T30" fmla="*/ 380 w 455"/>
+                <a:gd name="T31" fmla="*/ 167 h 450"/>
+                <a:gd name="T32" fmla="*/ 422 w 455"/>
+                <a:gd name="T33" fmla="*/ 125 h 450"/>
+                <a:gd name="T34" fmla="*/ 453 w 455"/>
+                <a:gd name="T35" fmla="*/ 242 h 450"/>
+                <a:gd name="T36" fmla="*/ 418 w 455"/>
+                <a:gd name="T37" fmla="*/ 354 h 450"/>
+                <a:gd name="T38" fmla="*/ 235 w 455"/>
+                <a:gd name="T39" fmla="*/ 450 h 450"/>
+                <a:gd name="T40" fmla="*/ 85 w 455"/>
+                <a:gd name="T41" fmla="*/ 385 h 450"/>
+                <a:gd name="T42" fmla="*/ 95 w 455"/>
+                <a:gd name="T43" fmla="*/ 78 h 450"/>
+                <a:gd name="T44" fmla="*/ 350 w 455"/>
+                <a:gd name="T45" fmla="*/ 54 h 450"/>
+              </a:gdLst>
+              <a:ahLst/>
+              <a:cxnLst>
+                <a:cxn ang="0">
+                  <a:pos x="T0" y="T1"/>
+                </a:cxn>
+                <a:cxn ang="0">
+                  <a:pos x="T2" y="T3"/>
+                </a:cxn>
+                <a:cxn ang="0">
+                  <a:pos x="T4" y="T5"/>
+                </a:cxn>
+                <a:cxn ang="0">
+                  <a:pos x="T6" y="T7"/>
+                </a:cxn>
+                <a:cxn ang="0">
+                  <a:pos x="T8" y="T9"/>
+                </a:cxn>
+                <a:cxn ang="0">
+                  <a:pos x="T10" y="T11"/>
+                </a:cxn>
+                <a:cxn ang="0">
+                  <a:pos x="T12" y="T13"/>
+                </a:cxn>
+                <a:cxn ang="0">
+                  <a:pos x="T14" y="T15"/>
+                </a:cxn>
+                <a:cxn ang="0">
+                  <a:pos x="T16" y="T17"/>
+                </a:cxn>
+                <a:cxn ang="0">
+                  <a:pos x="T18" y="T19"/>
+                </a:cxn>
+                <a:cxn ang="0">
+                  <a:pos x="T20" y="T21"/>
+                </a:cxn>
+                <a:cxn ang="0">
+                  <a:pos x="T22" y="T23"/>
+                </a:cxn>
+                <a:cxn ang="0">
+                  <a:pos x="T24" y="T25"/>
+                </a:cxn>
+                <a:cxn ang="0">
+                  <a:pos x="T26" y="T27"/>
+                </a:cxn>
+                <a:cxn ang="0">
+                  <a:pos x="T28" y="T29"/>
+                </a:cxn>
+                <a:cxn ang="0">
+                  <a:pos x="T30" y="T31"/>
+                </a:cxn>
+                <a:cxn ang="0">
+                  <a:pos x="T32" y="T33"/>
+                </a:cxn>
+                <a:cxn ang="0">
+                  <a:pos x="T34" y="T35"/>
+                </a:cxn>
+                <a:cxn ang="0">
+                  <a:pos x="T36" y="T37"/>
+                </a:cxn>
+                <a:cxn ang="0">
+                  <a:pos x="T38" y="T39"/>
+                </a:cxn>
+                <a:cxn ang="0">
+                  <a:pos x="T40" y="T41"/>
+                </a:cxn>
+                <a:cxn ang="0">
+                  <a:pos x="T42" y="T43"/>
+                </a:cxn>
+                <a:cxn ang="0">
+                  <a:pos x="T44" y="T45"/>
+                </a:cxn>
+              </a:cxnLst>
+              <a:rect l="0" t="0" r="r" b="b"/>
+              <a:pathLst>
+                <a:path w="455" h="450">
+                  <a:moveTo>
+                    <a:pt x="350" y="54"/>
+                  </a:moveTo>
+                  <a:cubicBezTo>
+                    <a:pt x="337" y="67"/>
+                    <a:pt x="324" y="80"/>
+                    <a:pt x="311" y="93"/>
+                  </a:cubicBezTo>
+                  <a:cubicBezTo>
+                    <a:pt x="310" y="94"/>
+                    <a:pt x="307" y="95"/>
+                    <a:pt x="305" y="94"/>
+                  </a:cubicBezTo>
+                  <a:cubicBezTo>
+                    <a:pt x="292" y="87"/>
+                    <a:pt x="277" y="83"/>
+                    <a:pt x="262" y="81"/>
+                  </a:cubicBezTo>
+                  <a:cubicBezTo>
+                    <a:pt x="244" y="79"/>
+                    <a:pt x="227" y="79"/>
+                    <a:pt x="210" y="82"/>
+                  </a:cubicBezTo>
+                  <a:cubicBezTo>
+                    <a:pt x="187" y="87"/>
+                    <a:pt x="166" y="96"/>
+                    <a:pt x="148" y="109"/>
+                  </a:cubicBezTo>
+                  <a:cubicBezTo>
+                    <a:pt x="129" y="123"/>
+                    <a:pt x="114" y="140"/>
+                    <a:pt x="103" y="160"/>
+                  </a:cubicBezTo>
+                  <a:cubicBezTo>
+                    <a:pt x="93" y="178"/>
+                    <a:pt x="87" y="196"/>
+                    <a:pt x="84" y="216"/>
+                  </a:cubicBezTo>
+                  <a:cubicBezTo>
+                    <a:pt x="81" y="239"/>
+                    <a:pt x="83" y="261"/>
+                    <a:pt x="90" y="283"/>
+                  </a:cubicBezTo>
+                  <a:cubicBezTo>
+                    <a:pt x="101" y="319"/>
+                    <a:pt x="123" y="347"/>
+                    <a:pt x="154" y="367"/>
+                  </a:cubicBezTo>
+                  <a:cubicBezTo>
+                    <a:pt x="176" y="381"/>
+                    <a:pt x="199" y="389"/>
+                    <a:pt x="225" y="392"/>
+                  </a:cubicBezTo>
+                  <a:cubicBezTo>
+                    <a:pt x="252" y="394"/>
+                    <a:pt x="277" y="390"/>
+                    <a:pt x="302" y="379"/>
+                  </a:cubicBezTo>
+                  <a:cubicBezTo>
+                    <a:pt x="327" y="368"/>
+                    <a:pt x="348" y="352"/>
+                    <a:pt x="364" y="330"/>
+                  </a:cubicBezTo>
+                  <a:cubicBezTo>
+                    <a:pt x="377" y="313"/>
+                    <a:pt x="386" y="294"/>
+                    <a:pt x="391" y="273"/>
+                  </a:cubicBezTo>
+                  <a:cubicBezTo>
+                    <a:pt x="395" y="256"/>
+                    <a:pt x="397" y="240"/>
+                    <a:pt x="395" y="223"/>
+                  </a:cubicBezTo>
+                  <a:cubicBezTo>
+                    <a:pt x="394" y="204"/>
+                    <a:pt x="389" y="185"/>
+                    <a:pt x="380" y="167"/>
+                  </a:cubicBezTo>
+                  <a:cubicBezTo>
+                    <a:pt x="394" y="153"/>
+                    <a:pt x="408" y="139"/>
+                    <a:pt x="422" y="125"/>
+                  </a:cubicBezTo>
+                  <a:cubicBezTo>
+                    <a:pt x="444" y="161"/>
+                    <a:pt x="455" y="200"/>
+                    <a:pt x="453" y="242"/>
+                  </a:cubicBezTo>
+                  <a:cubicBezTo>
+                    <a:pt x="452" y="283"/>
+                    <a:pt x="441" y="320"/>
+                    <a:pt x="418" y="354"/>
+                  </a:cubicBezTo>
+                  <a:cubicBezTo>
+                    <a:pt x="374" y="418"/>
+                    <a:pt x="312" y="450"/>
+                    <a:pt x="235" y="450"/>
+                  </a:cubicBezTo>
+                  <a:cubicBezTo>
+                    <a:pt x="176" y="450"/>
+                    <a:pt x="125" y="427"/>
+                    <a:pt x="85" y="385"/>
+                  </a:cubicBezTo>
+                  <a:cubicBezTo>
+                    <a:pt x="0" y="295"/>
+                    <a:pt x="6" y="160"/>
+                    <a:pt x="95" y="78"/>
+                  </a:cubicBezTo>
+                  <a:cubicBezTo>
+                    <a:pt x="179" y="0"/>
+                    <a:pt x="293" y="14"/>
+                    <a:pt x="350" y="54"/>
+                  </a:cubicBezTo>
+                  <a:close/>
+                </a:path>
+              </a:pathLst>
+            </a:custGeom>
+            <a:grpFill/>
+            <a:ln>
+              <a:noFill/>
+            </a:ln>
+          </p:spPr>
+          <p:txBody>
+            <a:bodyPr vert="horz" wrap="square" lIns="91440" tIns="45720" rIns="91440" bIns="45720" numCol="1" anchor="t" anchorCtr="0" compatLnSpc="1">
+              <a:prstTxWarp prst="textNoShape">
+                <a:avLst/>
+              </a:prstTxWarp>
+            </a:bodyPr>
+            <a:lstStyle/>
+            <a:p>
+              <a:endParaRPr lang="en-US"/>
+            </a:p>
+          </p:txBody>
+        </p:sp>
+        <p:sp>
+          <p:nvSpPr>
+            <p:cNvPr id="14" name="Freeform 8">
+              <a:extLst>
+                <a:ext uri="{FF2B5EF4-FFF2-40B4-BE49-F238E27FC236}">
+                  <a16:creationId xmlns:a16="http://schemas.microsoft.com/office/drawing/2014/main" id="{B0DABB60-9BE6-4777-B58F-BE1B924068A0}"/>
+                </a:ext>
+              </a:extLst>
+            </p:cNvPr>
+            <p:cNvSpPr>
+              <a:spLocks/>
+            </p:cNvSpPr>
+            <p:nvPr/>
+          </p:nvSpPr>
+          <p:spPr bwMode="auto">
+            <a:xfrm>
+              <a:off x="7040563" y="2874828"/>
+              <a:ext cx="1381125" cy="1384300"/>
+            </a:xfrm>
+            <a:custGeom>
+              <a:avLst/>
+              <a:gdLst>
+                <a:gd name="T0" fmla="*/ 363 w 433"/>
+                <a:gd name="T1" fmla="*/ 0 h 434"/>
+                <a:gd name="T2" fmla="*/ 363 w 433"/>
+                <a:gd name="T3" fmla="*/ 71 h 434"/>
+                <a:gd name="T4" fmla="*/ 432 w 433"/>
+                <a:gd name="T5" fmla="*/ 71 h 434"/>
+                <a:gd name="T6" fmla="*/ 433 w 433"/>
+                <a:gd name="T7" fmla="*/ 73 h 434"/>
+                <a:gd name="T8" fmla="*/ 408 w 433"/>
+                <a:gd name="T9" fmla="*/ 98 h 434"/>
+                <a:gd name="T10" fmla="*/ 303 w 433"/>
+                <a:gd name="T11" fmla="*/ 203 h 434"/>
+                <a:gd name="T12" fmla="*/ 292 w 433"/>
+                <a:gd name="T13" fmla="*/ 207 h 434"/>
+                <a:gd name="T14" fmla="*/ 262 w 433"/>
+                <a:gd name="T15" fmla="*/ 208 h 434"/>
+                <a:gd name="T16" fmla="*/ 255 w 433"/>
+                <a:gd name="T17" fmla="*/ 210 h 434"/>
+                <a:gd name="T18" fmla="*/ 176 w 433"/>
+                <a:gd name="T19" fmla="*/ 289 h 434"/>
+                <a:gd name="T20" fmla="*/ 141 w 433"/>
+                <a:gd name="T21" fmla="*/ 325 h 434"/>
+                <a:gd name="T22" fmla="*/ 140 w 433"/>
+                <a:gd name="T23" fmla="*/ 330 h 434"/>
+                <a:gd name="T24" fmla="*/ 146 w 433"/>
+                <a:gd name="T25" fmla="*/ 354 h 434"/>
+                <a:gd name="T26" fmla="*/ 121 w 433"/>
+                <a:gd name="T27" fmla="*/ 415 h 434"/>
+                <a:gd name="T28" fmla="*/ 67 w 433"/>
+                <a:gd name="T29" fmla="*/ 432 h 434"/>
+                <a:gd name="T30" fmla="*/ 12 w 433"/>
+                <a:gd name="T31" fmla="*/ 397 h 434"/>
+                <a:gd name="T32" fmla="*/ 4 w 433"/>
+                <a:gd name="T33" fmla="*/ 342 h 434"/>
+                <a:gd name="T34" fmla="*/ 46 w 433"/>
+                <a:gd name="T35" fmla="*/ 294 h 434"/>
+                <a:gd name="T36" fmla="*/ 105 w 433"/>
+                <a:gd name="T37" fmla="*/ 295 h 434"/>
+                <a:gd name="T38" fmla="*/ 110 w 433"/>
+                <a:gd name="T39" fmla="*/ 293 h 434"/>
+                <a:gd name="T40" fmla="*/ 191 w 433"/>
+                <a:gd name="T41" fmla="*/ 213 h 434"/>
+                <a:gd name="T42" fmla="*/ 223 w 433"/>
+                <a:gd name="T43" fmla="*/ 181 h 434"/>
+                <a:gd name="T44" fmla="*/ 227 w 433"/>
+                <a:gd name="T45" fmla="*/ 171 h 434"/>
+                <a:gd name="T46" fmla="*/ 227 w 433"/>
+                <a:gd name="T47" fmla="*/ 143 h 434"/>
+                <a:gd name="T48" fmla="*/ 231 w 433"/>
+                <a:gd name="T49" fmla="*/ 131 h 434"/>
+                <a:gd name="T50" fmla="*/ 360 w 433"/>
+                <a:gd name="T51" fmla="*/ 3 h 434"/>
+                <a:gd name="T52" fmla="*/ 363 w 433"/>
+                <a:gd name="T53" fmla="*/ 0 h 434"/>
+              </a:gdLst>
+              <a:ahLst/>
+              <a:cxnLst>
+                <a:cxn ang="0">
+                  <a:pos x="T0" y="T1"/>
+                </a:cxn>
+                <a:cxn ang="0">
+                  <a:pos x="T2" y="T3"/>
+                </a:cxn>
+                <a:cxn ang="0">
+                  <a:pos x="T4" y="T5"/>
+                </a:cxn>
+                <a:cxn ang="0">
+                  <a:pos x="T6" y="T7"/>
+                </a:cxn>
+                <a:cxn ang="0">
+                  <a:pos x="T8" y="T9"/>
+                </a:cxn>
+                <a:cxn ang="0">
+                  <a:pos x="T10" y="T11"/>
+                </a:cxn>
+                <a:cxn ang="0">
+                  <a:pos x="T12" y="T13"/>
+                </a:cxn>
+                <a:cxn ang="0">
+                  <a:pos x="T14" y="T15"/>
+                </a:cxn>
+                <a:cxn ang="0">
+                  <a:pos x="T16" y="T17"/>
+                </a:cxn>
+                <a:cxn ang="0">
+                  <a:pos x="T18" y="T19"/>
+                </a:cxn>
+                <a:cxn ang="0">
+                  <a:pos x="T20" y="T21"/>
+                </a:cxn>
+                <a:cxn ang="0">
+                  <a:pos x="T22" y="T23"/>
+                </a:cxn>
+                <a:cxn ang="0">
+                  <a:pos x="T24" y="T25"/>
+                </a:cxn>
+                <a:cxn ang="0">
+                  <a:pos x="T26" y="T27"/>
+                </a:cxn>
+                <a:cxn ang="0">
+                  <a:pos x="T28" y="T29"/>
+                </a:cxn>
+                <a:cxn ang="0">
+                  <a:pos x="T30" y="T31"/>
+                </a:cxn>
+                <a:cxn ang="0">
+                  <a:pos x="T32" y="T33"/>
+                </a:cxn>
+                <a:cxn ang="0">
+                  <a:pos x="T34" y="T35"/>
+                </a:cxn>
+                <a:cxn ang="0">
+                  <a:pos x="T36" y="T37"/>
+                </a:cxn>
+                <a:cxn ang="0">
+                  <a:pos x="T38" y="T39"/>
+                </a:cxn>
+                <a:cxn ang="0">
+                  <a:pos x="T40" y="T41"/>
+                </a:cxn>
+                <a:cxn ang="0">
+                  <a:pos x="T42" y="T43"/>
+                </a:cxn>
+                <a:cxn ang="0">
+                  <a:pos x="T44" y="T45"/>
+                </a:cxn>
+                <a:cxn ang="0">
+                  <a:pos x="T46" y="T47"/>
+                </a:cxn>
+                <a:cxn ang="0">
+                  <a:pos x="T48" y="T49"/>
+                </a:cxn>
+                <a:cxn ang="0">
+                  <a:pos x="T50" y="T51"/>
+                </a:cxn>
+                <a:cxn ang="0">
+                  <a:pos x="T52" y="T53"/>
+                </a:cxn>
+              </a:cxnLst>
+              <a:rect l="0" t="0" r="r" b="b"/>
+              <a:pathLst>
+                <a:path w="433" h="434">
+                  <a:moveTo>
+                    <a:pt x="363" y="0"/>
+                  </a:moveTo>
+                  <a:cubicBezTo>
+                    <a:pt x="363" y="24"/>
+                    <a:pt x="363" y="47"/>
+                    <a:pt x="363" y="71"/>
+                  </a:cubicBezTo>
+                  <a:cubicBezTo>
+                    <a:pt x="386" y="71"/>
+                    <a:pt x="409" y="71"/>
+                    <a:pt x="432" y="71"/>
+                  </a:cubicBezTo>
+                  <a:cubicBezTo>
+                    <a:pt x="432" y="72"/>
+                    <a:pt x="432" y="73"/>
+                    <a:pt x="433" y="73"/>
+                  </a:cubicBezTo>
+                  <a:cubicBezTo>
+                    <a:pt x="424" y="81"/>
+                    <a:pt x="416" y="90"/>
+                    <a:pt x="408" y="98"/>
+                  </a:cubicBezTo>
+                  <a:cubicBezTo>
+                    <a:pt x="373" y="133"/>
+                    <a:pt x="338" y="168"/>
+                    <a:pt x="303" y="203"/>
+                  </a:cubicBezTo>
+                  <a:cubicBezTo>
+                    <a:pt x="300" y="206"/>
+                    <a:pt x="297" y="208"/>
+                    <a:pt x="292" y="207"/>
+                  </a:cubicBezTo>
+                  <a:cubicBezTo>
+                    <a:pt x="282" y="207"/>
+                    <a:pt x="272" y="207"/>
+                    <a:pt x="262" y="208"/>
+                  </a:cubicBezTo>
+                  <a:cubicBezTo>
+                    <a:pt x="260" y="208"/>
+                    <a:pt x="256" y="209"/>
+                    <a:pt x="255" y="210"/>
+                  </a:cubicBezTo>
+                  <a:cubicBezTo>
+                    <a:pt x="228" y="237"/>
+                    <a:pt x="202" y="263"/>
+                    <a:pt x="176" y="289"/>
+                  </a:cubicBezTo>
+                  <a:cubicBezTo>
+                    <a:pt x="164" y="301"/>
+                    <a:pt x="152" y="313"/>
+                    <a:pt x="141" y="325"/>
+                  </a:cubicBezTo>
+                  <a:cubicBezTo>
+                    <a:pt x="140" y="326"/>
+                    <a:pt x="139" y="328"/>
+                    <a:pt x="140" y="330"/>
+                  </a:cubicBezTo>
+                  <a:cubicBezTo>
+                    <a:pt x="143" y="338"/>
+                    <a:pt x="145" y="346"/>
+                    <a:pt x="146" y="354"/>
+                  </a:cubicBezTo>
+                  <a:cubicBezTo>
+                    <a:pt x="148" y="379"/>
+                    <a:pt x="139" y="399"/>
+                    <a:pt x="121" y="415"/>
+                  </a:cubicBezTo>
+                  <a:cubicBezTo>
+                    <a:pt x="105" y="428"/>
+                    <a:pt x="87" y="434"/>
+                    <a:pt x="67" y="432"/>
+                  </a:cubicBezTo>
+                  <a:cubicBezTo>
+                    <a:pt x="43" y="429"/>
+                    <a:pt x="25" y="417"/>
+                    <a:pt x="12" y="397"/>
+                  </a:cubicBezTo>
+                  <a:cubicBezTo>
+                    <a:pt x="2" y="380"/>
+                    <a:pt x="0" y="361"/>
+                    <a:pt x="4" y="342"/>
+                  </a:cubicBezTo>
+                  <a:cubicBezTo>
+                    <a:pt x="10" y="320"/>
+                    <a:pt x="24" y="303"/>
+                    <a:pt x="46" y="294"/>
+                  </a:cubicBezTo>
+                  <a:cubicBezTo>
+                    <a:pt x="66" y="285"/>
+                    <a:pt x="86" y="286"/>
+                    <a:pt x="105" y="295"/>
+                  </a:cubicBezTo>
+                  <a:cubicBezTo>
+                    <a:pt x="107" y="295"/>
+                    <a:pt x="109" y="294"/>
+                    <a:pt x="110" y="293"/>
+                  </a:cubicBezTo>
+                  <a:cubicBezTo>
+                    <a:pt x="137" y="267"/>
+                    <a:pt x="164" y="240"/>
+                    <a:pt x="191" y="213"/>
+                  </a:cubicBezTo>
+                  <a:cubicBezTo>
+                    <a:pt x="202" y="202"/>
+                    <a:pt x="212" y="191"/>
+                    <a:pt x="223" y="181"/>
+                  </a:cubicBezTo>
+                  <a:cubicBezTo>
+                    <a:pt x="226" y="178"/>
+                    <a:pt x="227" y="175"/>
+                    <a:pt x="227" y="171"/>
+                  </a:cubicBezTo>
+                  <a:cubicBezTo>
+                    <a:pt x="227" y="162"/>
+                    <a:pt x="227" y="152"/>
+                    <a:pt x="227" y="143"/>
+                  </a:cubicBezTo>
+                  <a:cubicBezTo>
+                    <a:pt x="226" y="138"/>
+                    <a:pt x="228" y="135"/>
+                    <a:pt x="231" y="131"/>
+                  </a:cubicBezTo>
+                  <a:cubicBezTo>
+                    <a:pt x="274" y="88"/>
+                    <a:pt x="317" y="45"/>
+                    <a:pt x="360" y="3"/>
+                  </a:cubicBezTo>
+                  <a:cubicBezTo>
+                    <a:pt x="361" y="2"/>
+                    <a:pt x="362" y="1"/>
+                    <a:pt x="363" y="0"/>
+                  </a:cubicBezTo>
+                  <a:close/>
+                </a:path>
+              </a:pathLst>
+            </a:custGeom>
+            <a:grpFill/>
+            <a:ln>
+              <a:noFill/>
+            </a:ln>
+          </p:spPr>
+          <p:txBody>
+            <a:bodyPr vert="horz" wrap="square" lIns="91440" tIns="45720" rIns="91440" bIns="45720" numCol="1" anchor="t" anchorCtr="0" compatLnSpc="1">
+              <a:prstTxWarp prst="textNoShape">
+                <a:avLst/>
+              </a:prstTxWarp>
+            </a:bodyPr>
+            <a:lstStyle/>
+            <a:p>
+              <a:endParaRPr lang="en-US" dirty="0"/>
+            </a:p>
+          </p:txBody>
+        </p:sp>
+      </p:grpSp>
+    </p:spTree>
+    <p:extLst>
+      <p:ext uri="{BB962C8B-B14F-4D97-AF65-F5344CB8AC3E}">
+        <p14:creationId xmlns:p14="http://schemas.microsoft.com/office/powerpoint/2010/main" val="769418000"/>
       </p:ext>
     </p:extLst>
   </p:cSld>
@@ -11809,7 +13406,7 @@
         </p:spPr>
         <p:txBody>
           <a:bodyPr spcFirstLastPara="1" wrap="square" lIns="91425" tIns="91425" rIns="91425" bIns="91425" anchor="t" anchorCtr="0">
-            <a:normAutofit fontScale="92500"/>
+            <a:normAutofit fontScale="92500" lnSpcReduction="10000"/>
           </a:bodyPr>
           <a:lstStyle/>
           <a:p>
@@ -12275,7 +13872,7 @@
         </p:spPr>
         <p:txBody>
           <a:bodyPr spcFirstLastPara="1" wrap="square" lIns="91425" tIns="91425" rIns="91425" bIns="91425" anchor="t" anchorCtr="0">
-            <a:normAutofit fontScale="92500"/>
+            <a:normAutofit fontScale="92500" lnSpcReduction="10000"/>
           </a:bodyPr>
           <a:lstStyle/>
           <a:p>

--- a/PROYECTO FINAL - PRESENTANCION GERENCIAL.pptx
+++ b/PROYECTO FINAL - PRESENTANCION GERENCIAL.pptx
@@ -5,7 +5,7 @@
     <p:sldMasterId id="2147483659" r:id="rId1"/>
   </p:sldMasterIdLst>
   <p:notesMasterIdLst>
-    <p:notesMasterId r:id="rId23"/>
+    <p:notesMasterId r:id="rId24"/>
   </p:notesMasterIdLst>
   <p:sldIdLst>
     <p:sldId id="256" r:id="rId2"/>
@@ -23,27 +23,28 @@
     <p:sldId id="268" r:id="rId14"/>
     <p:sldId id="269" r:id="rId15"/>
     <p:sldId id="270" r:id="rId16"/>
-    <p:sldId id="271" r:id="rId17"/>
-    <p:sldId id="272" r:id="rId18"/>
-    <p:sldId id="273" r:id="rId19"/>
-    <p:sldId id="274" r:id="rId20"/>
-    <p:sldId id="275" r:id="rId21"/>
-    <p:sldId id="277" r:id="rId22"/>
+    <p:sldId id="278" r:id="rId17"/>
+    <p:sldId id="279" r:id="rId18"/>
+    <p:sldId id="280" r:id="rId19"/>
+    <p:sldId id="273" r:id="rId20"/>
+    <p:sldId id="274" r:id="rId21"/>
+    <p:sldId id="275" r:id="rId22"/>
+    <p:sldId id="277" r:id="rId23"/>
   </p:sldIdLst>
   <p:sldSz cx="9144000" cy="5143500" type="screen16x9"/>
   <p:notesSz cx="6858000" cy="9144000"/>
   <p:embeddedFontLst>
     <p:embeddedFont>
       <p:font typeface="Amasis MT Pro Light" panose="02040304050005020304" pitchFamily="18" charset="0"/>
-      <p:regular r:id="rId24"/>
-      <p:italic r:id="rId25"/>
+      <p:regular r:id="rId25"/>
+      <p:italic r:id="rId26"/>
     </p:embeddedFont>
     <p:embeddedFont>
       <p:font typeface="Roboto" panose="02000000000000000000" pitchFamily="2" charset="0"/>
-      <p:regular r:id="rId26"/>
-      <p:bold r:id="rId27"/>
-      <p:italic r:id="rId28"/>
-      <p:boldItalic r:id="rId29"/>
+      <p:regular r:id="rId27"/>
+      <p:bold r:id="rId28"/>
+      <p:italic r:id="rId29"/>
+      <p:boldItalic r:id="rId30"/>
     </p:embeddedFont>
   </p:embeddedFontLst>
   <p:defaultTextStyle>
@@ -1666,7 +1667,7 @@
     </p:spTree>
     <p:extLst>
       <p:ext uri="{BB962C8B-B14F-4D97-AF65-F5344CB8AC3E}">
-        <p14:creationId xmlns:p14="http://schemas.microsoft.com/office/powerpoint/2010/main" val="2278810872"/>
+        <p14:creationId xmlns:p14="http://schemas.microsoft.com/office/powerpoint/2010/main" val="326862894"/>
       </p:ext>
     </p:extLst>
   </p:cSld>
@@ -1681,7 +1682,7 @@
   <p:cSld>
     <p:spTree>
       <p:nvGrpSpPr>
-        <p:cNvPr id="1" name="Shape 70"/>
+        <p:cNvPr id="1" name="Shape 61"/>
         <p:cNvGrpSpPr/>
         <p:nvPr/>
       </p:nvGrpSpPr>
@@ -1695,7 +1696,7 @@
       </p:grpSpPr>
       <p:sp>
         <p:nvSpPr>
-          <p:cNvPr id="71" name="Google Shape;71;gf12c283abd_0_19:notes"/>
+          <p:cNvPr id="62" name="Google Shape;62;gf12c283abd_0_7:notes"/>
           <p:cNvSpPr>
             <a:spLocks noGrp="1" noRot="1" noChangeAspect="1"/>
           </p:cNvSpPr>
@@ -1736,7 +1737,7 @@
       </p:sp>
       <p:sp>
         <p:nvSpPr>
-          <p:cNvPr id="72" name="Google Shape;72;gf12c283abd_0_19:notes"/>
+          <p:cNvPr id="63" name="Google Shape;63;gf12c283abd_0_7:notes"/>
           <p:cNvSpPr txBox="1">
             <a:spLocks noGrp="1"/>
           </p:cNvSpPr>
@@ -1773,6 +1774,11 @@
         </p:txBody>
       </p:sp>
     </p:spTree>
+    <p:extLst>
+      <p:ext uri="{BB962C8B-B14F-4D97-AF65-F5344CB8AC3E}">
+        <p14:creationId xmlns:p14="http://schemas.microsoft.com/office/powerpoint/2010/main" val="2278810872"/>
+      </p:ext>
+    </p:extLst>
   </p:cSld>
   <p:clrMapOvr>
     <a:masterClrMapping/>
@@ -1877,11 +1883,6 @@
         </p:txBody>
       </p:sp>
     </p:spTree>
-    <p:extLst>
-      <p:ext uri="{BB962C8B-B14F-4D97-AF65-F5344CB8AC3E}">
-        <p14:creationId xmlns:p14="http://schemas.microsoft.com/office/powerpoint/2010/main" val="3717630377"/>
-      </p:ext>
-    </p:extLst>
   </p:cSld>
   <p:clrMapOvr>
     <a:masterClrMapping/>
@@ -2092,6 +2093,115 @@
     </p:spTree>
     <p:extLst>
       <p:ext uri="{BB962C8B-B14F-4D97-AF65-F5344CB8AC3E}">
+        <p14:creationId xmlns:p14="http://schemas.microsoft.com/office/powerpoint/2010/main" val="3717630377"/>
+      </p:ext>
+    </p:extLst>
+  </p:cSld>
+  <p:clrMapOvr>
+    <a:masterClrMapping/>
+  </p:clrMapOvr>
+</p:notes>
+</file>
+
+<file path=ppt/notesSlides/notesSlide21.xml><?xml version="1.0" encoding="utf-8"?>
+<p:notes xmlns:a="http://schemas.openxmlformats.org/drawingml/2006/main" xmlns:r="http://schemas.openxmlformats.org/officeDocument/2006/relationships" xmlns:p="http://schemas.openxmlformats.org/presentationml/2006/main" showMasterSp="0" showMasterPhAnim="0">
+  <p:cSld>
+    <p:spTree>
+      <p:nvGrpSpPr>
+        <p:cNvPr id="1" name="Shape 70"/>
+        <p:cNvGrpSpPr/>
+        <p:nvPr/>
+      </p:nvGrpSpPr>
+      <p:grpSpPr>
+        <a:xfrm>
+          <a:off x="0" y="0"/>
+          <a:ext cx="0" cy="0"/>
+          <a:chOff x="0" y="0"/>
+          <a:chExt cx="0" cy="0"/>
+        </a:xfrm>
+      </p:grpSpPr>
+      <p:sp>
+        <p:nvSpPr>
+          <p:cNvPr id="71" name="Google Shape;71;gf12c283abd_0_19:notes"/>
+          <p:cNvSpPr>
+            <a:spLocks noGrp="1" noRot="1" noChangeAspect="1"/>
+          </p:cNvSpPr>
+          <p:nvPr>
+            <p:ph type="sldImg" idx="2"/>
+          </p:nvPr>
+        </p:nvSpPr>
+        <p:spPr>
+          <a:xfrm>
+            <a:off x="381000" y="685800"/>
+            <a:ext cx="6096000" cy="3429000"/>
+          </a:xfrm>
+          <a:custGeom>
+            <a:avLst/>
+            <a:gdLst/>
+            <a:ahLst/>
+            <a:cxnLst/>
+            <a:rect l="l" t="t" r="r" b="b"/>
+            <a:pathLst>
+              <a:path w="120000" h="120000" extrusionOk="0">
+                <a:moveTo>
+                  <a:pt x="0" y="0"/>
+                </a:moveTo>
+                <a:lnTo>
+                  <a:pt x="120000" y="0"/>
+                </a:lnTo>
+                <a:lnTo>
+                  <a:pt x="120000" y="120000"/>
+                </a:lnTo>
+                <a:lnTo>
+                  <a:pt x="0" y="120000"/>
+                </a:lnTo>
+                <a:close/>
+              </a:path>
+            </a:pathLst>
+          </a:custGeom>
+        </p:spPr>
+      </p:sp>
+      <p:sp>
+        <p:nvSpPr>
+          <p:cNvPr id="72" name="Google Shape;72;gf12c283abd_0_19:notes"/>
+          <p:cNvSpPr txBox="1">
+            <a:spLocks noGrp="1"/>
+          </p:cNvSpPr>
+          <p:nvPr>
+            <p:ph type="body" idx="1"/>
+          </p:nvPr>
+        </p:nvSpPr>
+        <p:spPr>
+          <a:xfrm>
+            <a:off x="685800" y="4343400"/>
+            <a:ext cx="5486400" cy="4114800"/>
+          </a:xfrm>
+          <a:prstGeom prst="rect">
+            <a:avLst/>
+          </a:prstGeom>
+        </p:spPr>
+        <p:txBody>
+          <a:bodyPr spcFirstLastPara="1" wrap="square" lIns="91425" tIns="91425" rIns="91425" bIns="91425" anchor="t" anchorCtr="0">
+            <a:noAutofit/>
+          </a:bodyPr>
+          <a:lstStyle/>
+          <a:p>
+            <a:pPr marL="0" lvl="0" indent="0" algn="l" rtl="0">
+              <a:spcBef>
+                <a:spcPts val="0"/>
+              </a:spcBef>
+              <a:spcAft>
+                <a:spcPts val="0"/>
+              </a:spcAft>
+              <a:buNone/>
+            </a:pPr>
+            <a:endParaRPr/>
+          </a:p>
+        </p:txBody>
+      </p:sp>
+    </p:spTree>
+    <p:extLst>
+      <p:ext uri="{BB962C8B-B14F-4D97-AF65-F5344CB8AC3E}">
         <p14:creationId xmlns:p14="http://schemas.microsoft.com/office/powerpoint/2010/main" val="2200591036"/>
       </p:ext>
     </p:extLst>
@@ -2102,7 +2212,7 @@
 </p:notes>
 </file>
 
-<file path=ppt/notesSlides/notesSlide21.xml><?xml version="1.0" encoding="utf-8"?>
+<file path=ppt/notesSlides/notesSlide22.xml><?xml version="1.0" encoding="utf-8"?>
 <p:notes xmlns:a="http://schemas.openxmlformats.org/drawingml/2006/main" xmlns:r="http://schemas.openxmlformats.org/officeDocument/2006/relationships" xmlns:p="http://schemas.openxmlformats.org/presentationml/2006/main" showMasterSp="0" showMasterPhAnim="0">
   <p:cSld>
     <p:spTree>
@@ -3314,7 +3424,7 @@
             </a:pPr>
             <a:fld id="{00000000-1234-1234-1234-123412341234}" type="slidenum">
               <a:rPr lang="es"/>
-              <a:t>‹#›</a:t>
+              <a:t>‹Nº›</a:t>
             </a:fld>
             <a:endParaRPr/>
           </a:p>
@@ -3418,7 +3528,7 @@
             </a:pPr>
             <a:fld id="{00000000-1234-1234-1234-123412341234}" type="slidenum">
               <a:rPr lang="es"/>
-              <a:t>‹#›</a:t>
+              <a:t>‹Nº›</a:t>
             </a:fld>
             <a:endParaRPr/>
           </a:p>
@@ -3780,7 +3890,7 @@
             </a:pPr>
             <a:fld id="{00000000-1234-1234-1234-123412341234}" type="slidenum">
               <a:rPr lang="es"/>
-              <a:t>‹#›</a:t>
+              <a:t>‹Nº›</a:t>
             </a:fld>
             <a:endParaRPr/>
           </a:p>
@@ -4271,7 +4381,7 @@
             </a:pPr>
             <a:fld id="{00000000-1234-1234-1234-123412341234}" type="slidenum">
               <a:rPr lang="es"/>
-              <a:t>‹#›</a:t>
+              <a:t>‹Nº›</a:t>
             </a:fld>
             <a:endParaRPr/>
           </a:p>
@@ -4504,7 +4614,7 @@
             </a:pPr>
             <a:fld id="{00000000-1234-1234-1234-123412341234}" type="slidenum">
               <a:rPr lang="es"/>
-              <a:t>‹#›</a:t>
+              <a:t>‹Nº›</a:t>
             </a:fld>
             <a:endParaRPr/>
           </a:p>
@@ -4866,7 +4976,7 @@
             </a:pPr>
             <a:fld id="{00000000-1234-1234-1234-123412341234}" type="slidenum">
               <a:rPr lang="es"/>
-              <a:t>‹#›</a:t>
+              <a:t>‹Nº›</a:t>
             </a:fld>
             <a:endParaRPr/>
           </a:p>
@@ -5099,7 +5209,7 @@
             </a:pPr>
             <a:fld id="{00000000-1234-1234-1234-123412341234}" type="slidenum">
               <a:rPr lang="es"/>
-              <a:t>‹#›</a:t>
+              <a:t>‹Nº›</a:t>
             </a:fld>
             <a:endParaRPr/>
           </a:p>
@@ -5657,7 +5767,7 @@
             </a:pPr>
             <a:fld id="{00000000-1234-1234-1234-123412341234}" type="slidenum">
               <a:rPr lang="es"/>
-              <a:t>‹#›</a:t>
+              <a:t>‹Nº›</a:t>
             </a:fld>
             <a:endParaRPr/>
           </a:p>
@@ -5805,7 +5915,7 @@
             </a:pPr>
             <a:fld id="{00000000-1234-1234-1234-123412341234}" type="slidenum">
               <a:rPr lang="es"/>
-              <a:t>‹#›</a:t>
+              <a:t>‹Nº›</a:t>
             </a:fld>
             <a:endParaRPr/>
           </a:p>
@@ -6169,7 +6279,7 @@
             </a:pPr>
             <a:fld id="{00000000-1234-1234-1234-123412341234}" type="slidenum">
               <a:rPr lang="es"/>
-              <a:t>‹#›</a:t>
+              <a:t>‹Nº›</a:t>
             </a:fld>
             <a:endParaRPr/>
           </a:p>
@@ -6740,7 +6850,7 @@
             </a:pPr>
             <a:fld id="{00000000-1234-1234-1234-123412341234}" type="slidenum">
               <a:rPr lang="es"/>
-              <a:t>‹#›</a:t>
+              <a:t>‹Nº›</a:t>
             </a:fld>
             <a:endParaRPr/>
           </a:p>
@@ -9330,7 +9440,7 @@
             </a:pPr>
             <a:r>
               <a:rPr lang="es" dirty="0"/>
-              <a:t>Analisis de clientes y su recurrencia de compra:</a:t>
+              <a:t>Análisis de clientes y su recurrencia de compra</a:t>
             </a:r>
             <a:endParaRPr dirty="0"/>
           </a:p>
@@ -9351,7 +9461,7 @@
         <p:spPr>
           <a:xfrm>
             <a:off x="390940" y="1714607"/>
-            <a:ext cx="7533860" cy="523220"/>
+            <a:ext cx="7959684" cy="738664"/>
           </a:xfrm>
           <a:prstGeom prst="rect">
             <a:avLst/>
@@ -9365,12 +9475,8 @@
           <a:lstStyle/>
           <a:p>
             <a:r>
-              <a:rPr lang="es-ES" dirty="0" err="1"/>
-              <a:t>Análsis</a:t>
-            </a:r>
-            <a:r>
               <a:rPr lang="es-ES" dirty="0"/>
-              <a:t> de grupos de clientes a través del algoritmo K-</a:t>
+              <a:t>Utilizando el algoritmo k-</a:t>
             </a:r>
             <a:r>
               <a:rPr lang="es-ES" dirty="0" err="1"/>
@@ -9378,7 +9484,222 @@
             </a:r>
             <a:r>
               <a:rPr lang="es-ES" dirty="0"/>
-              <a:t>. Se logró establecer mediante el </a:t>
+              <a:t> se segmentó a los clientes en grupos de acuerdo a dos variables:</a:t>
+            </a:r>
+          </a:p>
+          <a:p>
+            <a:r>
+              <a:rPr lang="es-ES" dirty="0"/>
+              <a:t>- cantidad de dinero que gastaron (suma del precio de los productos que adquirieron)</a:t>
+            </a:r>
+          </a:p>
+          <a:p>
+            <a:r>
+              <a:rPr lang="es-ES" dirty="0"/>
+              <a:t>- recurrencia de compra (cantidad de transacciones que realizaron)</a:t>
+            </a:r>
+          </a:p>
+        </p:txBody>
+      </p:sp>
+      <p:pic>
+        <p:nvPicPr>
+          <p:cNvPr id="5" name="Imagen 4">
+            <a:extLst>
+              <a:ext uri="{FF2B5EF4-FFF2-40B4-BE49-F238E27FC236}">
+                <a16:creationId xmlns:a16="http://schemas.microsoft.com/office/drawing/2014/main" id="{7B643563-C413-47D0-8E2C-89AD4FD37591}"/>
+              </a:ext>
+            </a:extLst>
+          </p:cNvPr>
+          <p:cNvPicPr>
+            <a:picLocks noChangeAspect="1"/>
+          </p:cNvPicPr>
+          <p:nvPr/>
+        </p:nvPicPr>
+        <p:blipFill>
+          <a:blip r:embed="rId4"/>
+          <a:stretch>
+            <a:fillRect/>
+          </a:stretch>
+        </p:blipFill>
+        <p:spPr>
+          <a:xfrm>
+            <a:off x="2371630" y="2755294"/>
+            <a:ext cx="3714941" cy="1784442"/>
+          </a:xfrm>
+          <a:prstGeom prst="rect">
+            <a:avLst/>
+          </a:prstGeom>
+        </p:spPr>
+      </p:pic>
+    </p:spTree>
+  </p:cSld>
+  <p:clrMapOvr>
+    <a:masterClrMapping/>
+  </p:clrMapOvr>
+</p:sld>
+</file>
+
+<file path=ppt/slides/slide17.xml><?xml version="1.0" encoding="utf-8"?>
+<p:sld xmlns:a="http://schemas.openxmlformats.org/drawingml/2006/main" xmlns:r="http://schemas.openxmlformats.org/officeDocument/2006/relationships" xmlns:p="http://schemas.openxmlformats.org/presentationml/2006/main">
+  <p:cSld>
+    <p:spTree>
+      <p:nvGrpSpPr>
+        <p:cNvPr id="1" name="Shape 64"/>
+        <p:cNvGrpSpPr/>
+        <p:nvPr/>
+      </p:nvGrpSpPr>
+      <p:grpSpPr>
+        <a:xfrm>
+          <a:off x="0" y="0"/>
+          <a:ext cx="0" cy="0"/>
+          <a:chOff x="0" y="0"/>
+          <a:chExt cx="0" cy="0"/>
+        </a:xfrm>
+      </p:grpSpPr>
+      <p:sp>
+        <p:nvSpPr>
+          <p:cNvPr id="65" name="Google Shape;65;p14"/>
+          <p:cNvSpPr txBox="1">
+            <a:spLocks noGrp="1"/>
+          </p:cNvSpPr>
+          <p:nvPr>
+            <p:ph type="ctrTitle"/>
+          </p:nvPr>
+        </p:nvSpPr>
+        <p:spPr>
+          <a:xfrm>
+            <a:off x="311700" y="190300"/>
+            <a:ext cx="8520600" cy="750000"/>
+          </a:xfrm>
+          <a:prstGeom prst="rect">
+            <a:avLst/>
+          </a:prstGeom>
+        </p:spPr>
+        <p:txBody>
+          <a:bodyPr spcFirstLastPara="1" wrap="square" lIns="91425" tIns="91425" rIns="91425" bIns="91425" anchor="b" anchorCtr="0">
+            <a:noAutofit/>
+          </a:bodyPr>
+          <a:lstStyle/>
+          <a:p>
+            <a:pPr marL="0" lvl="0" indent="0" algn="l" rtl="0">
+              <a:spcBef>
+                <a:spcPts val="0"/>
+              </a:spcBef>
+              <a:spcAft>
+                <a:spcPts val="0"/>
+              </a:spcAft>
+              <a:buSzPts val="990"/>
+              <a:buNone/>
+            </a:pPr>
+            <a:r>
+              <a:rPr lang="es" sz="4380" dirty="0"/>
+              <a:t>Análisis de datos ecommerce</a:t>
+            </a:r>
+            <a:endParaRPr sz="4380" dirty="0"/>
+          </a:p>
+        </p:txBody>
+      </p:sp>
+      <p:pic>
+        <p:nvPicPr>
+          <p:cNvPr id="66" name="Google Shape;66;p14"/>
+          <p:cNvPicPr preferRelativeResize="0"/>
+          <p:nvPr/>
+        </p:nvPicPr>
+        <p:blipFill>
+          <a:blip r:embed="rId3">
+            <a:alphaModFix/>
+          </a:blip>
+          <a:stretch>
+            <a:fillRect/>
+          </a:stretch>
+        </p:blipFill>
+        <p:spPr>
+          <a:xfrm>
+            <a:off x="8013400" y="0"/>
+            <a:ext cx="1130601" cy="1130601"/>
+          </a:xfrm>
+          <a:prstGeom prst="rect">
+            <a:avLst/>
+          </a:prstGeom>
+          <a:noFill/>
+          <a:ln>
+            <a:noFill/>
+          </a:ln>
+        </p:spPr>
+      </p:pic>
+      <p:sp>
+        <p:nvSpPr>
+          <p:cNvPr id="67" name="Google Shape;67;p14"/>
+          <p:cNvSpPr txBox="1">
+            <a:spLocks noGrp="1"/>
+          </p:cNvSpPr>
+          <p:nvPr>
+            <p:ph type="subTitle" idx="1"/>
+          </p:nvPr>
+        </p:nvSpPr>
+        <p:spPr>
+          <a:xfrm>
+            <a:off x="224625" y="940300"/>
+            <a:ext cx="8415600" cy="539700"/>
+          </a:xfrm>
+          <a:prstGeom prst="rect">
+            <a:avLst/>
+          </a:prstGeom>
+        </p:spPr>
+        <p:txBody>
+          <a:bodyPr spcFirstLastPara="1" wrap="square" lIns="91425" tIns="91425" rIns="91425" bIns="91425" anchor="t" anchorCtr="0">
+            <a:normAutofit fontScale="92500" lnSpcReduction="10000"/>
+          </a:bodyPr>
+          <a:lstStyle/>
+          <a:p>
+            <a:pPr marL="0" lvl="0" indent="0" algn="l" rtl="0">
+              <a:spcBef>
+                <a:spcPts val="0"/>
+              </a:spcBef>
+              <a:spcAft>
+                <a:spcPts val="0"/>
+              </a:spcAft>
+              <a:buNone/>
+            </a:pPr>
+            <a:r>
+              <a:rPr lang="es" dirty="0"/>
+              <a:t>Análisis de clientes y su recurrencia de compra</a:t>
+            </a:r>
+            <a:endParaRPr dirty="0"/>
+          </a:p>
+        </p:txBody>
+      </p:sp>
+      <p:sp>
+        <p:nvSpPr>
+          <p:cNvPr id="2" name="CuadroTexto 1">
+            <a:extLst>
+              <a:ext uri="{FF2B5EF4-FFF2-40B4-BE49-F238E27FC236}">
+                <a16:creationId xmlns:a16="http://schemas.microsoft.com/office/drawing/2014/main" id="{BDF0CFCC-CB93-4C0A-B188-8256459B8DDB}"/>
+              </a:ext>
+            </a:extLst>
+          </p:cNvPr>
+          <p:cNvSpPr txBox="1"/>
+          <p:nvPr/>
+        </p:nvSpPr>
+        <p:spPr>
+          <a:xfrm>
+            <a:off x="390940" y="1714607"/>
+            <a:ext cx="7533860" cy="307777"/>
+          </a:xfrm>
+          <a:prstGeom prst="rect">
+            <a:avLst/>
+          </a:prstGeom>
+          <a:noFill/>
+        </p:spPr>
+        <p:txBody>
+          <a:bodyPr wrap="square" rtlCol="0">
+            <a:spAutoFit/>
+          </a:bodyPr>
+          <a:lstStyle/>
+          <a:p>
+            <a:r>
+              <a:rPr lang="es-ES" dirty="0"/>
+              <a:t>Mediante el </a:t>
             </a:r>
             <a:r>
               <a:rPr lang="es-AR" b="0" i="0" dirty="0" err="1">
@@ -9421,8 +9742,40 @@
               <a:t> </a:t>
             </a:r>
             <a:r>
+              <a:rPr lang="es-ES" b="0" i="0" dirty="0">
+                <a:solidFill>
+                  <a:srgbClr val="000000"/>
+                </a:solidFill>
+                <a:effectLst/>
+                <a:latin typeface="Helvetica Neue"/>
+              </a:rPr>
+              <a:t>s</a:t>
+            </a:r>
+            <a:r>
               <a:rPr lang="es-ES" dirty="0"/>
-              <a:t>4 clúster (grupos)</a:t>
+              <a:t>e logró establecer </a:t>
+            </a:r>
+            <a:r>
+              <a:rPr lang="es-AR" b="0" i="0" dirty="0">
+                <a:solidFill>
+                  <a:srgbClr val="000000"/>
+                </a:solidFill>
+                <a:effectLst/>
+                <a:latin typeface="Helvetica Neue"/>
+              </a:rPr>
+              <a:t>que lo óptimo sería armar </a:t>
+            </a:r>
+            <a:r>
+              <a:rPr lang="es-ES" dirty="0"/>
+              <a:t>4 </a:t>
+            </a:r>
+            <a:r>
+              <a:rPr lang="es-ES" dirty="0" err="1"/>
+              <a:t>clústers</a:t>
+            </a:r>
+            <a:r>
+              <a:rPr lang="es-ES" dirty="0"/>
+              <a:t> (grupos)</a:t>
             </a:r>
             <a:endParaRPr lang="es-AR" dirty="0"/>
           </a:p>
@@ -9459,6 +9812,11 @@
         </p:spPr>
       </p:pic>
     </p:spTree>
+    <p:extLst>
+      <p:ext uri="{BB962C8B-B14F-4D97-AF65-F5344CB8AC3E}">
+        <p14:creationId xmlns:p14="http://schemas.microsoft.com/office/powerpoint/2010/main" val="1157573266"/>
+      </p:ext>
+    </p:extLst>
   </p:cSld>
   <p:clrMapOvr>
     <a:masterClrMapping/>
@@ -9466,7 +9824,7 @@
 </p:sld>
 </file>
 
-<file path=ppt/slides/slide17.xml><?xml version="1.0" encoding="utf-8"?>
+<file path=ppt/slides/slide18.xml><?xml version="1.0" encoding="utf-8"?>
 <p:sld xmlns:a="http://schemas.openxmlformats.org/drawingml/2006/main" xmlns:r="http://schemas.openxmlformats.org/officeDocument/2006/relationships" xmlns:p="http://schemas.openxmlformats.org/presentationml/2006/main">
   <p:cSld>
     <p:spTree>
@@ -9590,7 +9948,7 @@
             </a:pPr>
             <a:r>
               <a:rPr lang="es" dirty="0"/>
-              <a:t>Analisis de clientes y recurrencia de compra:</a:t>
+              <a:t>Analisis de clientes y recurrencia de compra</a:t>
             </a:r>
             <a:endParaRPr dirty="0"/>
           </a:p>
@@ -9626,6 +9984,12 @@
           <a:p>
             <a:pPr algn="l"/>
             <a:r>
+              <a:rPr lang="es-ES" dirty="0">
+                <a:latin typeface="Helvetica Neue"/>
+              </a:rPr>
+              <a:t>Los grupos quedaron conformados de la siguiente manera</a:t>
+            </a:r>
+            <a:r>
               <a:rPr lang="es-ES" b="0" i="0" dirty="0">
                 <a:solidFill>
                   <a:srgbClr val="000000"/>
@@ -9633,7 +9997,7 @@
                 <a:effectLst/>
                 <a:latin typeface="Helvetica Neue"/>
               </a:rPr>
-              <a:t>En conclusión:</a:t>
+              <a:t>:</a:t>
             </a:r>
           </a:p>
           <a:p>
@@ -9714,10 +10078,10 @@
       </p:sp>
       <p:pic>
         <p:nvPicPr>
-          <p:cNvPr id="5" name="Imagen 4">
+          <p:cNvPr id="4" name="Imagen 3">
             <a:extLst>
               <a:ext uri="{FF2B5EF4-FFF2-40B4-BE49-F238E27FC236}">
-                <a16:creationId xmlns:a16="http://schemas.microsoft.com/office/drawing/2014/main" id="{53536179-EEFC-4C2C-862D-6BE779F09283}"/>
+                <a16:creationId xmlns:a16="http://schemas.microsoft.com/office/drawing/2014/main" id="{67CD4314-7E13-44BE-A776-6B45C5896CF0}"/>
               </a:ext>
             </a:extLst>
           </p:cNvPr>
@@ -9734,18 +10098,137 @@
         </p:blipFill>
         <p:spPr>
           <a:xfrm>
-            <a:off x="2707999" y="3815677"/>
-            <a:ext cx="2495550" cy="1095375"/>
+            <a:off x="1553598" y="3761589"/>
+            <a:ext cx="1640078" cy="1190949"/>
           </a:xfrm>
           <a:prstGeom prst="rect">
             <a:avLst/>
           </a:prstGeom>
         </p:spPr>
       </p:pic>
+      <p:pic>
+        <p:nvPicPr>
+          <p:cNvPr id="7" name="Imagen 6">
+            <a:extLst>
+              <a:ext uri="{FF2B5EF4-FFF2-40B4-BE49-F238E27FC236}">
+                <a16:creationId xmlns:a16="http://schemas.microsoft.com/office/drawing/2014/main" id="{E0E7BEB2-2933-4F62-82CB-7E5C39B69C9F}"/>
+              </a:ext>
+            </a:extLst>
+          </p:cNvPr>
+          <p:cNvPicPr>
+            <a:picLocks noChangeAspect="1"/>
+          </p:cNvPicPr>
+          <p:nvPr/>
+        </p:nvPicPr>
+        <p:blipFill>
+          <a:blip r:embed="rId5"/>
+          <a:stretch>
+            <a:fillRect/>
+          </a:stretch>
+        </p:blipFill>
+        <p:spPr>
+          <a:xfrm>
+            <a:off x="5491394" y="3740950"/>
+            <a:ext cx="1469764" cy="1232226"/>
+          </a:xfrm>
+          <a:prstGeom prst="rect">
+            <a:avLst/>
+          </a:prstGeom>
+        </p:spPr>
+      </p:pic>
+      <p:sp>
+        <p:nvSpPr>
+          <p:cNvPr id="11" name="CuadroTexto 10">
+            <a:extLst>
+              <a:ext uri="{FF2B5EF4-FFF2-40B4-BE49-F238E27FC236}">
+                <a16:creationId xmlns:a16="http://schemas.microsoft.com/office/drawing/2014/main" id="{3560D9A5-E2B1-4FAF-8A36-21F2DD4CC46F}"/>
+              </a:ext>
+            </a:extLst>
+          </p:cNvPr>
+          <p:cNvSpPr txBox="1"/>
+          <p:nvPr/>
+        </p:nvSpPr>
+        <p:spPr>
+          <a:xfrm>
+            <a:off x="867818" y="4306505"/>
+            <a:ext cx="685780" cy="307777"/>
+          </a:xfrm>
+          <a:prstGeom prst="rect">
+            <a:avLst/>
+          </a:prstGeom>
+          <a:noFill/>
+        </p:spPr>
+        <p:txBody>
+          <a:bodyPr wrap="square" rtlCol="0">
+            <a:spAutoFit/>
+          </a:bodyPr>
+          <a:lstStyle/>
+          <a:p>
+            <a:r>
+              <a:rPr lang="es-ES" b="0" i="0" dirty="0">
+                <a:solidFill>
+                  <a:srgbClr val="000000"/>
+                </a:solidFill>
+                <a:effectLst/>
+                <a:latin typeface="Helvetica Neue"/>
+              </a:rPr>
+              <a:t>mean</a:t>
+            </a:r>
+          </a:p>
+        </p:txBody>
+      </p:sp>
+      <p:sp>
+        <p:nvSpPr>
+          <p:cNvPr id="12" name="CuadroTexto 11">
+            <a:extLst>
+              <a:ext uri="{FF2B5EF4-FFF2-40B4-BE49-F238E27FC236}">
+                <a16:creationId xmlns:a16="http://schemas.microsoft.com/office/drawing/2014/main" id="{BFCA2929-A200-439F-B1B9-27802D282D67}"/>
+              </a:ext>
+            </a:extLst>
+          </p:cNvPr>
+          <p:cNvSpPr txBox="1"/>
+          <p:nvPr/>
+        </p:nvSpPr>
+        <p:spPr>
+          <a:xfrm>
+            <a:off x="4805614" y="4306504"/>
+            <a:ext cx="685780" cy="307777"/>
+          </a:xfrm>
+          <a:prstGeom prst="rect">
+            <a:avLst/>
+          </a:prstGeom>
+          <a:noFill/>
+        </p:spPr>
+        <p:txBody>
+          <a:bodyPr wrap="square" rtlCol="0">
+            <a:spAutoFit/>
+          </a:bodyPr>
+          <a:lstStyle/>
+          <a:p>
+            <a:r>
+              <a:rPr lang="es-ES" b="0" i="0" dirty="0" err="1">
+                <a:solidFill>
+                  <a:srgbClr val="000000"/>
+                </a:solidFill>
+                <a:effectLst/>
+                <a:latin typeface="Helvetica Neue"/>
+              </a:rPr>
+              <a:t>count</a:t>
+            </a:r>
+            <a:endParaRPr lang="es-ES" b="0" i="0" dirty="0">
+              <a:solidFill>
+                <a:srgbClr val="000000"/>
+              </a:solidFill>
+              <a:effectLst/>
+              <a:latin typeface="Helvetica Neue"/>
+            </a:endParaRPr>
+          </a:p>
+        </p:txBody>
+      </p:sp>
     </p:spTree>
     <p:extLst>
       <p:ext uri="{BB962C8B-B14F-4D97-AF65-F5344CB8AC3E}">
-        <p14:creationId xmlns:p14="http://schemas.microsoft.com/office/powerpoint/2010/main" val="2089331641"/>
+        <p14:creationId xmlns:p14="http://schemas.microsoft.com/office/powerpoint/2010/main" val="3821993644"/>
       </p:ext>
     </p:extLst>
   </p:cSld>
@@ -9755,7 +10238,7 @@
 </p:sld>
 </file>
 
-<file path=ppt/slides/slide18.xml><?xml version="1.0" encoding="utf-8"?>
+<file path=ppt/slides/slide19.xml><?xml version="1.0" encoding="utf-8"?>
 <p:sld xmlns:a="http://schemas.openxmlformats.org/drawingml/2006/main" xmlns:r="http://schemas.openxmlformats.org/officeDocument/2006/relationships" xmlns:p="http://schemas.openxmlformats.org/presentationml/2006/main">
   <p:cSld>
     <p:spTree>
@@ -9929,7 +10412,7 @@
                 <a:effectLst/>
                 <a:latin typeface="Helvetica Neue"/>
               </a:rPr>
-              <a:t>Vamos a elegir un algoritmo de clasificación para predecir cuál es el mejor </a:t>
+              <a:t>Se probaron algunos algoritmos de clasificación para predecir cuál sería el mejor </a:t>
             </a:r>
             <a:r>
               <a:rPr lang="es-ES" b="0" i="0" dirty="0" err="1">
@@ -9989,7 +10472,7 @@
                 <a:effectLst/>
                 <a:latin typeface="Helvetica Neue"/>
               </a:rPr>
-              <a:t>) para publicar un artículo y aumentar las chances de que se venda en base a su precio, la tienda y la línea del producto, los algoritmos analizados son:</a:t>
+              <a:t>) para publicar un artículo y aumentar las chances de que se venda en base a la información de ventas pasadas, y a su precio, la tienda y la línea del producto. Los algoritmos seleccionados fueron:</a:t>
             </a:r>
           </a:p>
           <a:p>
@@ -10106,7 +10589,201 @@
 </p:sld>
 </file>
 
-<file path=ppt/slides/slide19.xml><?xml version="1.0" encoding="utf-8"?>
+<file path=ppt/slides/slide2.xml><?xml version="1.0" encoding="utf-8"?>
+<p:sld xmlns:a="http://schemas.openxmlformats.org/drawingml/2006/main" xmlns:r="http://schemas.openxmlformats.org/officeDocument/2006/relationships" xmlns:p="http://schemas.openxmlformats.org/presentationml/2006/main">
+  <p:cSld>
+    <p:spTree>
+      <p:nvGrpSpPr>
+        <p:cNvPr id="1" name="Shape 64"/>
+        <p:cNvGrpSpPr/>
+        <p:nvPr/>
+      </p:nvGrpSpPr>
+      <p:grpSpPr>
+        <a:xfrm>
+          <a:off x="0" y="0"/>
+          <a:ext cx="0" cy="0"/>
+          <a:chOff x="0" y="0"/>
+          <a:chExt cx="0" cy="0"/>
+        </a:xfrm>
+      </p:grpSpPr>
+      <p:sp>
+        <p:nvSpPr>
+          <p:cNvPr id="65" name="Google Shape;65;p14"/>
+          <p:cNvSpPr txBox="1">
+            <a:spLocks noGrp="1"/>
+          </p:cNvSpPr>
+          <p:nvPr>
+            <p:ph type="ctrTitle"/>
+          </p:nvPr>
+        </p:nvSpPr>
+        <p:spPr>
+          <a:xfrm>
+            <a:off x="311700" y="190300"/>
+            <a:ext cx="8520600" cy="750000"/>
+          </a:xfrm>
+          <a:prstGeom prst="rect">
+            <a:avLst/>
+          </a:prstGeom>
+        </p:spPr>
+        <p:txBody>
+          <a:bodyPr spcFirstLastPara="1" wrap="square" lIns="91425" tIns="91425" rIns="91425" bIns="91425" anchor="b" anchorCtr="0">
+            <a:noAutofit/>
+          </a:bodyPr>
+          <a:lstStyle/>
+          <a:p>
+            <a:pPr marL="0" lvl="0" indent="0" algn="l" rtl="0">
+              <a:spcBef>
+                <a:spcPts val="0"/>
+              </a:spcBef>
+              <a:spcAft>
+                <a:spcPts val="0"/>
+              </a:spcAft>
+              <a:buSzPts val="990"/>
+              <a:buNone/>
+            </a:pPr>
+            <a:r>
+              <a:rPr lang="es" sz="4380"/>
+              <a:t>Análisis de datos ecommerce</a:t>
+            </a:r>
+            <a:endParaRPr sz="4380"/>
+          </a:p>
+        </p:txBody>
+      </p:sp>
+      <p:pic>
+        <p:nvPicPr>
+          <p:cNvPr id="66" name="Google Shape;66;p14"/>
+          <p:cNvPicPr preferRelativeResize="0"/>
+          <p:nvPr/>
+        </p:nvPicPr>
+        <p:blipFill>
+          <a:blip r:embed="rId3">
+            <a:alphaModFix/>
+          </a:blip>
+          <a:stretch>
+            <a:fillRect/>
+          </a:stretch>
+        </p:blipFill>
+        <p:spPr>
+          <a:xfrm>
+            <a:off x="8013400" y="0"/>
+            <a:ext cx="1130601" cy="1130601"/>
+          </a:xfrm>
+          <a:prstGeom prst="rect">
+            <a:avLst/>
+          </a:prstGeom>
+          <a:noFill/>
+          <a:ln>
+            <a:noFill/>
+          </a:ln>
+        </p:spPr>
+      </p:pic>
+      <p:sp>
+        <p:nvSpPr>
+          <p:cNvPr id="67" name="Google Shape;67;p14"/>
+          <p:cNvSpPr txBox="1">
+            <a:spLocks noGrp="1"/>
+          </p:cNvSpPr>
+          <p:nvPr>
+            <p:ph type="subTitle" idx="1"/>
+          </p:nvPr>
+        </p:nvSpPr>
+        <p:spPr>
+          <a:xfrm>
+            <a:off x="224625" y="940300"/>
+            <a:ext cx="8415600" cy="539700"/>
+          </a:xfrm>
+          <a:prstGeom prst="rect">
+            <a:avLst/>
+          </a:prstGeom>
+        </p:spPr>
+        <p:txBody>
+          <a:bodyPr spcFirstLastPara="1" wrap="square" lIns="91425" tIns="91425" rIns="91425" bIns="91425" anchor="t" anchorCtr="0">
+            <a:normAutofit fontScale="92500" lnSpcReduction="10000"/>
+          </a:bodyPr>
+          <a:lstStyle/>
+          <a:p>
+            <a:pPr marL="0" lvl="0" indent="0" algn="l" rtl="0">
+              <a:spcBef>
+                <a:spcPts val="0"/>
+              </a:spcBef>
+              <a:spcAft>
+                <a:spcPts val="0"/>
+              </a:spcAft>
+              <a:buNone/>
+            </a:pPr>
+            <a:r>
+              <a:rPr lang="es"/>
+              <a:t>Distribución de ventas del Primer trimestre 2021:</a:t>
+            </a:r>
+            <a:endParaRPr/>
+          </a:p>
+        </p:txBody>
+      </p:sp>
+      <p:pic>
+        <p:nvPicPr>
+          <p:cNvPr id="68" name="Google Shape;68;p14"/>
+          <p:cNvPicPr preferRelativeResize="0"/>
+          <p:nvPr/>
+        </p:nvPicPr>
+        <p:blipFill>
+          <a:blip r:embed="rId4">
+            <a:alphaModFix/>
+          </a:blip>
+          <a:stretch>
+            <a:fillRect/>
+          </a:stretch>
+        </p:blipFill>
+        <p:spPr>
+          <a:xfrm>
+            <a:off x="529325" y="1435550"/>
+            <a:ext cx="3726960" cy="3105800"/>
+          </a:xfrm>
+          <a:prstGeom prst="rect">
+            <a:avLst/>
+          </a:prstGeom>
+          <a:noFill/>
+          <a:ln>
+            <a:noFill/>
+          </a:ln>
+        </p:spPr>
+      </p:pic>
+      <p:pic>
+        <p:nvPicPr>
+          <p:cNvPr id="69" name="Google Shape;69;p14"/>
+          <p:cNvPicPr preferRelativeResize="0"/>
+          <p:nvPr/>
+        </p:nvPicPr>
+        <p:blipFill>
+          <a:blip r:embed="rId5">
+            <a:alphaModFix/>
+          </a:blip>
+          <a:stretch>
+            <a:fillRect/>
+          </a:stretch>
+        </p:blipFill>
+        <p:spPr>
+          <a:xfrm>
+            <a:off x="4754001" y="1480000"/>
+            <a:ext cx="3259400" cy="2893975"/>
+          </a:xfrm>
+          <a:prstGeom prst="rect">
+            <a:avLst/>
+          </a:prstGeom>
+          <a:noFill/>
+          <a:ln>
+            <a:noFill/>
+          </a:ln>
+        </p:spPr>
+      </p:pic>
+    </p:spTree>
+  </p:cSld>
+  <p:clrMapOvr>
+    <a:masterClrMapping/>
+  </p:clrMapOvr>
+</p:sld>
+</file>
+
+<file path=ppt/slides/slide20.xml><?xml version="1.0" encoding="utf-8"?>
 <p:sld xmlns:a="http://schemas.openxmlformats.org/drawingml/2006/main" xmlns:r="http://schemas.openxmlformats.org/officeDocument/2006/relationships" xmlns:p="http://schemas.openxmlformats.org/presentationml/2006/main">
   <p:cSld>
     <p:spTree>
@@ -10558,7 +11235,7 @@
               <a:tabLst/>
             </a:pPr>
             <a:r>
-              <a:rPr kumimoji="0" lang="es-AR" altLang="es-AR" sz="1100" b="1" i="0" u="none" strike="noStrike" cap="none" normalizeH="0" baseline="0" dirty="0" err="1">
+              <a:rPr kumimoji="0" lang="es-AR" altLang="es-AR" sz="1100" i="0" u="none" strike="noStrike" cap="none" normalizeH="0" baseline="0" dirty="0" err="1">
                 <a:ln>
                   <a:noFill/>
                 </a:ln>
@@ -10572,7 +11249,7 @@
               <a:t>Accuracy</a:t>
             </a:r>
             <a:r>
-              <a:rPr kumimoji="0" lang="es-AR" altLang="es-AR" sz="1100" b="1" i="0" u="none" strike="noStrike" cap="none" normalizeH="0" baseline="0" dirty="0">
+              <a:rPr kumimoji="0" lang="es-AR" altLang="es-AR" sz="1100" i="0" u="none" strike="noStrike" cap="none" normalizeH="0" baseline="0" dirty="0">
                 <a:ln>
                   <a:noFill/>
                 </a:ln>
@@ -11084,201 +11761,7 @@
 </p:sld>
 </file>
 
-<file path=ppt/slides/slide2.xml><?xml version="1.0" encoding="utf-8"?>
-<p:sld xmlns:a="http://schemas.openxmlformats.org/drawingml/2006/main" xmlns:r="http://schemas.openxmlformats.org/officeDocument/2006/relationships" xmlns:p="http://schemas.openxmlformats.org/presentationml/2006/main">
-  <p:cSld>
-    <p:spTree>
-      <p:nvGrpSpPr>
-        <p:cNvPr id="1" name="Shape 64"/>
-        <p:cNvGrpSpPr/>
-        <p:nvPr/>
-      </p:nvGrpSpPr>
-      <p:grpSpPr>
-        <a:xfrm>
-          <a:off x="0" y="0"/>
-          <a:ext cx="0" cy="0"/>
-          <a:chOff x="0" y="0"/>
-          <a:chExt cx="0" cy="0"/>
-        </a:xfrm>
-      </p:grpSpPr>
-      <p:sp>
-        <p:nvSpPr>
-          <p:cNvPr id="65" name="Google Shape;65;p14"/>
-          <p:cNvSpPr txBox="1">
-            <a:spLocks noGrp="1"/>
-          </p:cNvSpPr>
-          <p:nvPr>
-            <p:ph type="ctrTitle"/>
-          </p:nvPr>
-        </p:nvSpPr>
-        <p:spPr>
-          <a:xfrm>
-            <a:off x="311700" y="190300"/>
-            <a:ext cx="8520600" cy="750000"/>
-          </a:xfrm>
-          <a:prstGeom prst="rect">
-            <a:avLst/>
-          </a:prstGeom>
-        </p:spPr>
-        <p:txBody>
-          <a:bodyPr spcFirstLastPara="1" wrap="square" lIns="91425" tIns="91425" rIns="91425" bIns="91425" anchor="b" anchorCtr="0">
-            <a:noAutofit/>
-          </a:bodyPr>
-          <a:lstStyle/>
-          <a:p>
-            <a:pPr marL="0" lvl="0" indent="0" algn="l" rtl="0">
-              <a:spcBef>
-                <a:spcPts val="0"/>
-              </a:spcBef>
-              <a:spcAft>
-                <a:spcPts val="0"/>
-              </a:spcAft>
-              <a:buSzPts val="990"/>
-              <a:buNone/>
-            </a:pPr>
-            <a:r>
-              <a:rPr lang="es" sz="4380"/>
-              <a:t>Análisis de datos ecommerce</a:t>
-            </a:r>
-            <a:endParaRPr sz="4380"/>
-          </a:p>
-        </p:txBody>
-      </p:sp>
-      <p:pic>
-        <p:nvPicPr>
-          <p:cNvPr id="66" name="Google Shape;66;p14"/>
-          <p:cNvPicPr preferRelativeResize="0"/>
-          <p:nvPr/>
-        </p:nvPicPr>
-        <p:blipFill>
-          <a:blip r:embed="rId3">
-            <a:alphaModFix/>
-          </a:blip>
-          <a:stretch>
-            <a:fillRect/>
-          </a:stretch>
-        </p:blipFill>
-        <p:spPr>
-          <a:xfrm>
-            <a:off x="8013400" y="0"/>
-            <a:ext cx="1130601" cy="1130601"/>
-          </a:xfrm>
-          <a:prstGeom prst="rect">
-            <a:avLst/>
-          </a:prstGeom>
-          <a:noFill/>
-          <a:ln>
-            <a:noFill/>
-          </a:ln>
-        </p:spPr>
-      </p:pic>
-      <p:sp>
-        <p:nvSpPr>
-          <p:cNvPr id="67" name="Google Shape;67;p14"/>
-          <p:cNvSpPr txBox="1">
-            <a:spLocks noGrp="1"/>
-          </p:cNvSpPr>
-          <p:nvPr>
-            <p:ph type="subTitle" idx="1"/>
-          </p:nvPr>
-        </p:nvSpPr>
-        <p:spPr>
-          <a:xfrm>
-            <a:off x="224625" y="940300"/>
-            <a:ext cx="8415600" cy="539700"/>
-          </a:xfrm>
-          <a:prstGeom prst="rect">
-            <a:avLst/>
-          </a:prstGeom>
-        </p:spPr>
-        <p:txBody>
-          <a:bodyPr spcFirstLastPara="1" wrap="square" lIns="91425" tIns="91425" rIns="91425" bIns="91425" anchor="t" anchorCtr="0">
-            <a:normAutofit fontScale="92500" lnSpcReduction="10000"/>
-          </a:bodyPr>
-          <a:lstStyle/>
-          <a:p>
-            <a:pPr marL="0" lvl="0" indent="0" algn="l" rtl="0">
-              <a:spcBef>
-                <a:spcPts val="0"/>
-              </a:spcBef>
-              <a:spcAft>
-                <a:spcPts val="0"/>
-              </a:spcAft>
-              <a:buNone/>
-            </a:pPr>
-            <a:r>
-              <a:rPr lang="es"/>
-              <a:t>Distribución de ventas del Primer trimestre 2021:</a:t>
-            </a:r>
-            <a:endParaRPr/>
-          </a:p>
-        </p:txBody>
-      </p:sp>
-      <p:pic>
-        <p:nvPicPr>
-          <p:cNvPr id="68" name="Google Shape;68;p14"/>
-          <p:cNvPicPr preferRelativeResize="0"/>
-          <p:nvPr/>
-        </p:nvPicPr>
-        <p:blipFill>
-          <a:blip r:embed="rId4">
-            <a:alphaModFix/>
-          </a:blip>
-          <a:stretch>
-            <a:fillRect/>
-          </a:stretch>
-        </p:blipFill>
-        <p:spPr>
-          <a:xfrm>
-            <a:off x="529325" y="1435550"/>
-            <a:ext cx="3726960" cy="3105800"/>
-          </a:xfrm>
-          <a:prstGeom prst="rect">
-            <a:avLst/>
-          </a:prstGeom>
-          <a:noFill/>
-          <a:ln>
-            <a:noFill/>
-          </a:ln>
-        </p:spPr>
-      </p:pic>
-      <p:pic>
-        <p:nvPicPr>
-          <p:cNvPr id="69" name="Google Shape;69;p14"/>
-          <p:cNvPicPr preferRelativeResize="0"/>
-          <p:nvPr/>
-        </p:nvPicPr>
-        <p:blipFill>
-          <a:blip r:embed="rId5">
-            <a:alphaModFix/>
-          </a:blip>
-          <a:stretch>
-            <a:fillRect/>
-          </a:stretch>
-        </p:blipFill>
-        <p:spPr>
-          <a:xfrm>
-            <a:off x="4754001" y="1480000"/>
-            <a:ext cx="3259400" cy="2893975"/>
-          </a:xfrm>
-          <a:prstGeom prst="rect">
-            <a:avLst/>
-          </a:prstGeom>
-          <a:noFill/>
-          <a:ln>
-            <a:noFill/>
-          </a:ln>
-        </p:spPr>
-      </p:pic>
-    </p:spTree>
-  </p:cSld>
-  <p:clrMapOvr>
-    <a:masterClrMapping/>
-  </p:clrMapOvr>
-</p:sld>
-</file>
-
-<file path=ppt/slides/slide20.xml><?xml version="1.0" encoding="utf-8"?>
+<file path=ppt/slides/slide21.xml><?xml version="1.0" encoding="utf-8"?>
 <p:sld xmlns:a="http://schemas.openxmlformats.org/drawingml/2006/main" xmlns:r="http://schemas.openxmlformats.org/officeDocument/2006/relationships" xmlns:p="http://schemas.openxmlformats.org/presentationml/2006/main">
   <p:cSld>
     <p:spTree>
@@ -11796,7 +12279,7 @@
 </p:sld>
 </file>
 
-<file path=ppt/slides/slide21.xml><?xml version="1.0" encoding="utf-8"?>
+<file path=ppt/slides/slide22.xml><?xml version="1.0" encoding="utf-8"?>
 <p:sld xmlns:a="http://schemas.openxmlformats.org/drawingml/2006/main" xmlns:r="http://schemas.openxmlformats.org/officeDocument/2006/relationships" xmlns:p="http://schemas.openxmlformats.org/presentationml/2006/main">
   <p:cSld>
     <p:spTree>
